--- a/project-files/pca-face-recognition-deck.pptx
+++ b/project-files/pca-face-recognition-deck.pptx
@@ -5,23 +5,30 @@
     <p:sldMasterId id="2147483648" r:id="rId4"/>
   </p:sldMasterIdLst>
   <p:notesMasterIdLst>
-    <p:notesMasterId r:id="rId16"/>
+    <p:notesMasterId r:id="rId23"/>
   </p:notesMasterIdLst>
   <p:handoutMasterIdLst>
-    <p:handoutMasterId r:id="rId17"/>
+    <p:handoutMasterId r:id="rId24"/>
   </p:handoutMasterIdLst>
   <p:sldIdLst>
     <p:sldId id="281" r:id="rId5"/>
     <p:sldId id="284" r:id="rId6"/>
-    <p:sldId id="280" r:id="rId7"/>
-    <p:sldId id="273" r:id="rId8"/>
-    <p:sldId id="279" r:id="rId9"/>
-    <p:sldId id="265" r:id="rId10"/>
-    <p:sldId id="268" r:id="rId11"/>
-    <p:sldId id="293" r:id="rId12"/>
-    <p:sldId id="266" r:id="rId13"/>
-    <p:sldId id="292" r:id="rId14"/>
+    <p:sldId id="279" r:id="rId7"/>
+    <p:sldId id="280" r:id="rId8"/>
+    <p:sldId id="295" r:id="rId9"/>
+    <p:sldId id="297" r:id="rId10"/>
+    <p:sldId id="296" r:id="rId11"/>
+    <p:sldId id="298" r:id="rId12"/>
+    <p:sldId id="300" r:id="rId13"/>
+    <p:sldId id="299" r:id="rId14"/>
     <p:sldId id="282" r:id="rId15"/>
+    <p:sldId id="273" r:id="rId16"/>
+    <p:sldId id="294" r:id="rId17"/>
+    <p:sldId id="265" r:id="rId18"/>
+    <p:sldId id="268" r:id="rId19"/>
+    <p:sldId id="293" r:id="rId20"/>
+    <p:sldId id="266" r:id="rId21"/>
+    <p:sldId id="292" r:id="rId22"/>
   </p:sldIdLst>
   <p:sldSz cx="12192000" cy="6858000"/>
   <p:notesSz cx="6858000" cy="9144000"/>
@@ -231,7 +238,7 @@
           <a:p>
             <a:fld id="{0DC994AA-C437-4EF4-8BEF-0B832D7FA420}" type="datetimeFigureOut">
               <a:rPr lang="en-US" smtClean="0"/>
-              <a:t>11/17/25</a:t>
+              <a:t>11/17/2025</a:t>
             </a:fld>
             <a:endParaRPr lang="en-US"/>
           </a:p>
@@ -408,7 +415,7 @@
           <a:p>
             <a:fld id="{3B4FE048-FAD0-D943-9A17-3C4CB7633182}" type="datetimeFigureOut">
               <a:rPr lang="en-US" smtClean="0"/>
-              <a:t>11/17/25</a:t>
+              <a:t>11/17/2025</a:t>
             </a:fld>
             <a:endParaRPr lang="en-US"/>
           </a:p>
@@ -783,6 +790,666 @@
 </p:notes>
 </file>
 
+<file path=ppt/notesSlides/notesSlide10.xml><?xml version="1.0" encoding="utf-8"?>
+<p:notes xmlns:a="http://schemas.openxmlformats.org/drawingml/2006/main" xmlns:r="http://schemas.openxmlformats.org/officeDocument/2006/relationships" xmlns:p="http://schemas.openxmlformats.org/presentationml/2006/main">
+  <p:cSld>
+    <p:spTree>
+      <p:nvGrpSpPr>
+        <p:cNvPr id="1" name=""/>
+        <p:cNvGrpSpPr/>
+        <p:nvPr/>
+      </p:nvGrpSpPr>
+      <p:grpSpPr>
+        <a:xfrm>
+          <a:off x="0" y="0"/>
+          <a:ext cx="0" cy="0"/>
+          <a:chOff x="0" y="0"/>
+          <a:chExt cx="0" cy="0"/>
+        </a:xfrm>
+      </p:grpSpPr>
+      <p:sp>
+        <p:nvSpPr>
+          <p:cNvPr id="2" name="Slide Image Placeholder 1"/>
+          <p:cNvSpPr>
+            <a:spLocks noGrp="1" noRot="1" noChangeAspect="1"/>
+          </p:cNvSpPr>
+          <p:nvPr>
+            <p:ph type="sldImg"/>
+          </p:nvPr>
+        </p:nvSpPr>
+        <p:spPr/>
+      </p:sp>
+      <p:sp>
+        <p:nvSpPr>
+          <p:cNvPr id="3" name="Notes Placeholder 2"/>
+          <p:cNvSpPr>
+            <a:spLocks noGrp="1"/>
+          </p:cNvSpPr>
+          <p:nvPr>
+            <p:ph type="body" idx="1"/>
+          </p:nvPr>
+        </p:nvSpPr>
+        <p:spPr/>
+        <p:txBody>
+          <a:bodyPr/>
+          <a:lstStyle/>
+          <a:p>
+            <a:endParaRPr lang="en-US"/>
+          </a:p>
+        </p:txBody>
+      </p:sp>
+      <p:sp>
+        <p:nvSpPr>
+          <p:cNvPr id="4" name="Slide Number Placeholder 3"/>
+          <p:cNvSpPr>
+            <a:spLocks noGrp="1"/>
+          </p:cNvSpPr>
+          <p:nvPr>
+            <p:ph type="sldNum" sz="quarter" idx="5"/>
+          </p:nvPr>
+        </p:nvSpPr>
+        <p:spPr/>
+        <p:txBody>
+          <a:bodyPr/>
+          <a:lstStyle/>
+          <a:p>
+            <a:fld id="{55247812-3409-784D-BAE7-ABE53735D59F}" type="slidenum">
+              <a:rPr lang="en-US" smtClean="0"/>
+              <a:t>12</a:t>
+            </a:fld>
+            <a:endParaRPr lang="en-US"/>
+          </a:p>
+        </p:txBody>
+      </p:sp>
+    </p:spTree>
+    <p:extLst>
+      <p:ext uri="{BB962C8B-B14F-4D97-AF65-F5344CB8AC3E}">
+        <p14:creationId xmlns:p14="http://schemas.microsoft.com/office/powerpoint/2010/main" val="3155431734"/>
+      </p:ext>
+    </p:extLst>
+  </p:cSld>
+  <p:clrMapOvr>
+    <a:masterClrMapping/>
+  </p:clrMapOvr>
+</p:notes>
+</file>
+
+<file path=ppt/notesSlides/notesSlide11.xml><?xml version="1.0" encoding="utf-8"?>
+<p:notes xmlns:a="http://schemas.openxmlformats.org/drawingml/2006/main" xmlns:r="http://schemas.openxmlformats.org/officeDocument/2006/relationships" xmlns:p="http://schemas.openxmlformats.org/presentationml/2006/main">
+  <p:cSld>
+    <p:spTree>
+      <p:nvGrpSpPr>
+        <p:cNvPr id="1" name="">
+          <a:extLst>
+            <a:ext uri="{FF2B5EF4-FFF2-40B4-BE49-F238E27FC236}">
+              <a16:creationId xmlns:a16="http://schemas.microsoft.com/office/drawing/2014/main" id="{BA5CC7A2-8FCE-7BDA-ED2F-5802DAC98A5D}"/>
+            </a:ext>
+          </a:extLst>
+        </p:cNvPr>
+        <p:cNvGrpSpPr/>
+        <p:nvPr/>
+      </p:nvGrpSpPr>
+      <p:grpSpPr>
+        <a:xfrm>
+          <a:off x="0" y="0"/>
+          <a:ext cx="0" cy="0"/>
+          <a:chOff x="0" y="0"/>
+          <a:chExt cx="0" cy="0"/>
+        </a:xfrm>
+      </p:grpSpPr>
+      <p:sp>
+        <p:nvSpPr>
+          <p:cNvPr id="2" name="Slide Image Placeholder 1">
+            <a:extLst>
+              <a:ext uri="{FF2B5EF4-FFF2-40B4-BE49-F238E27FC236}">
+                <a16:creationId xmlns:a16="http://schemas.microsoft.com/office/drawing/2014/main" id="{C5578C42-C24A-E377-75C7-CD42FD1E0BF5}"/>
+              </a:ext>
+            </a:extLst>
+          </p:cNvPr>
+          <p:cNvSpPr>
+            <a:spLocks noGrp="1" noRot="1" noChangeAspect="1"/>
+          </p:cNvSpPr>
+          <p:nvPr>
+            <p:ph type="sldImg"/>
+          </p:nvPr>
+        </p:nvSpPr>
+        <p:spPr/>
+      </p:sp>
+      <p:sp>
+        <p:nvSpPr>
+          <p:cNvPr id="3" name="Notes Placeholder 2">
+            <a:extLst>
+              <a:ext uri="{FF2B5EF4-FFF2-40B4-BE49-F238E27FC236}">
+                <a16:creationId xmlns:a16="http://schemas.microsoft.com/office/drawing/2014/main" id="{FF086CA9-3ECA-890C-E2C9-7DC624339D44}"/>
+              </a:ext>
+            </a:extLst>
+          </p:cNvPr>
+          <p:cNvSpPr>
+            <a:spLocks noGrp="1"/>
+          </p:cNvSpPr>
+          <p:nvPr>
+            <p:ph type="body" idx="1"/>
+          </p:nvPr>
+        </p:nvSpPr>
+        <p:spPr/>
+        <p:txBody>
+          <a:bodyPr/>
+          <a:lstStyle/>
+          <a:p>
+            <a:endParaRPr lang="en-US" dirty="0"/>
+          </a:p>
+        </p:txBody>
+      </p:sp>
+      <p:sp>
+        <p:nvSpPr>
+          <p:cNvPr id="4" name="Slide Number Placeholder 3">
+            <a:extLst>
+              <a:ext uri="{FF2B5EF4-FFF2-40B4-BE49-F238E27FC236}">
+                <a16:creationId xmlns:a16="http://schemas.microsoft.com/office/drawing/2014/main" id="{44D6BA7D-506F-F995-8EAC-FE71F20F9AC8}"/>
+              </a:ext>
+            </a:extLst>
+          </p:cNvPr>
+          <p:cNvSpPr>
+            <a:spLocks noGrp="1"/>
+          </p:cNvSpPr>
+          <p:nvPr>
+            <p:ph type="sldNum" sz="quarter" idx="5"/>
+          </p:nvPr>
+        </p:nvSpPr>
+        <p:spPr/>
+        <p:txBody>
+          <a:bodyPr/>
+          <a:lstStyle/>
+          <a:p>
+            <a:fld id="{55247812-3409-784D-BAE7-ABE53735D59F}" type="slidenum">
+              <a:rPr lang="en-US" smtClean="0"/>
+              <a:t>13</a:t>
+            </a:fld>
+            <a:endParaRPr lang="en-US"/>
+          </a:p>
+        </p:txBody>
+      </p:sp>
+    </p:spTree>
+    <p:extLst>
+      <p:ext uri="{BB962C8B-B14F-4D97-AF65-F5344CB8AC3E}">
+        <p14:creationId xmlns:p14="http://schemas.microsoft.com/office/powerpoint/2010/main" val="162282193"/>
+      </p:ext>
+    </p:extLst>
+  </p:cSld>
+  <p:clrMapOvr>
+    <a:masterClrMapping/>
+  </p:clrMapOvr>
+</p:notes>
+</file>
+
+<file path=ppt/notesSlides/notesSlide12.xml><?xml version="1.0" encoding="utf-8"?>
+<p:notes xmlns:a="http://schemas.openxmlformats.org/drawingml/2006/main" xmlns:r="http://schemas.openxmlformats.org/officeDocument/2006/relationships" xmlns:p="http://schemas.openxmlformats.org/presentationml/2006/main">
+  <p:cSld>
+    <p:spTree>
+      <p:nvGrpSpPr>
+        <p:cNvPr id="1" name=""/>
+        <p:cNvGrpSpPr/>
+        <p:nvPr/>
+      </p:nvGrpSpPr>
+      <p:grpSpPr>
+        <a:xfrm>
+          <a:off x="0" y="0"/>
+          <a:ext cx="0" cy="0"/>
+          <a:chOff x="0" y="0"/>
+          <a:chExt cx="0" cy="0"/>
+        </a:xfrm>
+      </p:grpSpPr>
+      <p:sp>
+        <p:nvSpPr>
+          <p:cNvPr id="2" name="Slide Image Placeholder 1"/>
+          <p:cNvSpPr>
+            <a:spLocks noGrp="1" noRot="1" noChangeAspect="1"/>
+          </p:cNvSpPr>
+          <p:nvPr>
+            <p:ph type="sldImg"/>
+          </p:nvPr>
+        </p:nvSpPr>
+        <p:spPr/>
+      </p:sp>
+      <p:sp>
+        <p:nvSpPr>
+          <p:cNvPr id="3" name="Notes Placeholder 2"/>
+          <p:cNvSpPr>
+            <a:spLocks noGrp="1"/>
+          </p:cNvSpPr>
+          <p:nvPr>
+            <p:ph type="body" idx="1"/>
+          </p:nvPr>
+        </p:nvSpPr>
+        <p:spPr/>
+        <p:txBody>
+          <a:bodyPr/>
+          <a:lstStyle/>
+          <a:p>
+            <a:endParaRPr lang="en-US"/>
+          </a:p>
+        </p:txBody>
+      </p:sp>
+      <p:sp>
+        <p:nvSpPr>
+          <p:cNvPr id="4" name="Slide Number Placeholder 3"/>
+          <p:cNvSpPr>
+            <a:spLocks noGrp="1"/>
+          </p:cNvSpPr>
+          <p:nvPr>
+            <p:ph type="sldNum" sz="quarter" idx="5"/>
+          </p:nvPr>
+        </p:nvSpPr>
+        <p:spPr/>
+        <p:txBody>
+          <a:bodyPr/>
+          <a:lstStyle/>
+          <a:p>
+            <a:fld id="{55247812-3409-784D-BAE7-ABE53735D59F}" type="slidenum">
+              <a:rPr lang="en-US" smtClean="0"/>
+              <a:t>14</a:t>
+            </a:fld>
+            <a:endParaRPr lang="en-US"/>
+          </a:p>
+        </p:txBody>
+      </p:sp>
+    </p:spTree>
+    <p:extLst>
+      <p:ext uri="{BB962C8B-B14F-4D97-AF65-F5344CB8AC3E}">
+        <p14:creationId xmlns:p14="http://schemas.microsoft.com/office/powerpoint/2010/main" val="1015613917"/>
+      </p:ext>
+    </p:extLst>
+  </p:cSld>
+  <p:clrMapOvr>
+    <a:masterClrMapping/>
+  </p:clrMapOvr>
+</p:notes>
+</file>
+
+<file path=ppt/notesSlides/notesSlide13.xml><?xml version="1.0" encoding="utf-8"?>
+<p:notes xmlns:a="http://schemas.openxmlformats.org/drawingml/2006/main" xmlns:r="http://schemas.openxmlformats.org/officeDocument/2006/relationships" xmlns:p="http://schemas.openxmlformats.org/presentationml/2006/main">
+  <p:cSld>
+    <p:spTree>
+      <p:nvGrpSpPr>
+        <p:cNvPr id="1" name=""/>
+        <p:cNvGrpSpPr/>
+        <p:nvPr/>
+      </p:nvGrpSpPr>
+      <p:grpSpPr>
+        <a:xfrm>
+          <a:off x="0" y="0"/>
+          <a:ext cx="0" cy="0"/>
+          <a:chOff x="0" y="0"/>
+          <a:chExt cx="0" cy="0"/>
+        </a:xfrm>
+      </p:grpSpPr>
+      <p:sp>
+        <p:nvSpPr>
+          <p:cNvPr id="2" name="Slide Image Placeholder 1"/>
+          <p:cNvSpPr>
+            <a:spLocks noGrp="1" noRot="1" noChangeAspect="1"/>
+          </p:cNvSpPr>
+          <p:nvPr>
+            <p:ph type="sldImg"/>
+          </p:nvPr>
+        </p:nvSpPr>
+        <p:spPr/>
+      </p:sp>
+      <p:sp>
+        <p:nvSpPr>
+          <p:cNvPr id="3" name="Notes Placeholder 2"/>
+          <p:cNvSpPr>
+            <a:spLocks noGrp="1"/>
+          </p:cNvSpPr>
+          <p:nvPr>
+            <p:ph type="body" idx="1"/>
+          </p:nvPr>
+        </p:nvSpPr>
+        <p:spPr/>
+        <p:txBody>
+          <a:bodyPr/>
+          <a:lstStyle/>
+          <a:p>
+            <a:endParaRPr lang="en-US"/>
+          </a:p>
+        </p:txBody>
+      </p:sp>
+      <p:sp>
+        <p:nvSpPr>
+          <p:cNvPr id="4" name="Slide Number Placeholder 3"/>
+          <p:cNvSpPr>
+            <a:spLocks noGrp="1"/>
+          </p:cNvSpPr>
+          <p:nvPr>
+            <p:ph type="sldNum" sz="quarter" idx="5"/>
+          </p:nvPr>
+        </p:nvSpPr>
+        <p:spPr/>
+        <p:txBody>
+          <a:bodyPr/>
+          <a:lstStyle/>
+          <a:p>
+            <a:fld id="{55247812-3409-784D-BAE7-ABE53735D59F}" type="slidenum">
+              <a:rPr lang="en-US" smtClean="0"/>
+              <a:t>15</a:t>
+            </a:fld>
+            <a:endParaRPr lang="en-US"/>
+          </a:p>
+        </p:txBody>
+      </p:sp>
+    </p:spTree>
+    <p:extLst>
+      <p:ext uri="{BB962C8B-B14F-4D97-AF65-F5344CB8AC3E}">
+        <p14:creationId xmlns:p14="http://schemas.microsoft.com/office/powerpoint/2010/main" val="346767100"/>
+      </p:ext>
+    </p:extLst>
+  </p:cSld>
+  <p:clrMapOvr>
+    <a:masterClrMapping/>
+  </p:clrMapOvr>
+</p:notes>
+</file>
+
+<file path=ppt/notesSlides/notesSlide14.xml><?xml version="1.0" encoding="utf-8"?>
+<p:notes xmlns:a="http://schemas.openxmlformats.org/drawingml/2006/main" xmlns:r="http://schemas.openxmlformats.org/officeDocument/2006/relationships" xmlns:p="http://schemas.openxmlformats.org/presentationml/2006/main">
+  <p:cSld>
+    <p:spTree>
+      <p:nvGrpSpPr>
+        <p:cNvPr id="1" name="">
+          <a:extLst>
+            <a:ext uri="{FF2B5EF4-FFF2-40B4-BE49-F238E27FC236}">
+              <a16:creationId xmlns:a16="http://schemas.microsoft.com/office/drawing/2014/main" id="{81CB889F-435F-37E0-39C1-1975F065F7CE}"/>
+            </a:ext>
+          </a:extLst>
+        </p:cNvPr>
+        <p:cNvGrpSpPr/>
+        <p:nvPr/>
+      </p:nvGrpSpPr>
+      <p:grpSpPr>
+        <a:xfrm>
+          <a:off x="0" y="0"/>
+          <a:ext cx="0" cy="0"/>
+          <a:chOff x="0" y="0"/>
+          <a:chExt cx="0" cy="0"/>
+        </a:xfrm>
+      </p:grpSpPr>
+      <p:sp>
+        <p:nvSpPr>
+          <p:cNvPr id="2" name="Slide Image Placeholder 1">
+            <a:extLst>
+              <a:ext uri="{FF2B5EF4-FFF2-40B4-BE49-F238E27FC236}">
+                <a16:creationId xmlns:a16="http://schemas.microsoft.com/office/drawing/2014/main" id="{BCFDF492-1FEC-B725-937A-0CA701500250}"/>
+              </a:ext>
+            </a:extLst>
+          </p:cNvPr>
+          <p:cNvSpPr>
+            <a:spLocks noGrp="1" noRot="1" noChangeAspect="1"/>
+          </p:cNvSpPr>
+          <p:nvPr>
+            <p:ph type="sldImg"/>
+          </p:nvPr>
+        </p:nvSpPr>
+        <p:spPr/>
+      </p:sp>
+      <p:sp>
+        <p:nvSpPr>
+          <p:cNvPr id="3" name="Notes Placeholder 2">
+            <a:extLst>
+              <a:ext uri="{FF2B5EF4-FFF2-40B4-BE49-F238E27FC236}">
+                <a16:creationId xmlns:a16="http://schemas.microsoft.com/office/drawing/2014/main" id="{B68697D3-E29F-3593-987D-D6C5A3E1CEC0}"/>
+              </a:ext>
+            </a:extLst>
+          </p:cNvPr>
+          <p:cNvSpPr>
+            <a:spLocks noGrp="1"/>
+          </p:cNvSpPr>
+          <p:nvPr>
+            <p:ph type="body" idx="1"/>
+          </p:nvPr>
+        </p:nvSpPr>
+        <p:spPr/>
+        <p:txBody>
+          <a:bodyPr/>
+          <a:lstStyle/>
+          <a:p>
+            <a:endParaRPr lang="en-US"/>
+          </a:p>
+        </p:txBody>
+      </p:sp>
+      <p:sp>
+        <p:nvSpPr>
+          <p:cNvPr id="4" name="Slide Number Placeholder 3">
+            <a:extLst>
+              <a:ext uri="{FF2B5EF4-FFF2-40B4-BE49-F238E27FC236}">
+                <a16:creationId xmlns:a16="http://schemas.microsoft.com/office/drawing/2014/main" id="{9D67F70B-5F30-3540-4D41-3F4632416881}"/>
+              </a:ext>
+            </a:extLst>
+          </p:cNvPr>
+          <p:cNvSpPr>
+            <a:spLocks noGrp="1"/>
+          </p:cNvSpPr>
+          <p:nvPr>
+            <p:ph type="sldNum" sz="quarter" idx="5"/>
+          </p:nvPr>
+        </p:nvSpPr>
+        <p:spPr/>
+        <p:txBody>
+          <a:bodyPr/>
+          <a:lstStyle/>
+          <a:p>
+            <a:fld id="{55247812-3409-784D-BAE7-ABE53735D59F}" type="slidenum">
+              <a:rPr lang="en-US" smtClean="0"/>
+              <a:t>16</a:t>
+            </a:fld>
+            <a:endParaRPr lang="en-US"/>
+          </a:p>
+        </p:txBody>
+      </p:sp>
+    </p:spTree>
+    <p:extLst>
+      <p:ext uri="{BB962C8B-B14F-4D97-AF65-F5344CB8AC3E}">
+        <p14:creationId xmlns:p14="http://schemas.microsoft.com/office/powerpoint/2010/main" val="3550690496"/>
+      </p:ext>
+    </p:extLst>
+  </p:cSld>
+  <p:clrMapOvr>
+    <a:masterClrMapping/>
+  </p:clrMapOvr>
+</p:notes>
+</file>
+
+<file path=ppt/notesSlides/notesSlide15.xml><?xml version="1.0" encoding="utf-8"?>
+<p:notes xmlns:a="http://schemas.openxmlformats.org/drawingml/2006/main" xmlns:r="http://schemas.openxmlformats.org/officeDocument/2006/relationships" xmlns:p="http://schemas.openxmlformats.org/presentationml/2006/main">
+  <p:cSld>
+    <p:spTree>
+      <p:nvGrpSpPr>
+        <p:cNvPr id="1" name=""/>
+        <p:cNvGrpSpPr/>
+        <p:nvPr/>
+      </p:nvGrpSpPr>
+      <p:grpSpPr>
+        <a:xfrm>
+          <a:off x="0" y="0"/>
+          <a:ext cx="0" cy="0"/>
+          <a:chOff x="0" y="0"/>
+          <a:chExt cx="0" cy="0"/>
+        </a:xfrm>
+      </p:grpSpPr>
+      <p:sp>
+        <p:nvSpPr>
+          <p:cNvPr id="2" name="Slide Image Placeholder 1"/>
+          <p:cNvSpPr>
+            <a:spLocks noGrp="1" noRot="1" noChangeAspect="1"/>
+          </p:cNvSpPr>
+          <p:nvPr>
+            <p:ph type="sldImg"/>
+          </p:nvPr>
+        </p:nvSpPr>
+        <p:spPr/>
+      </p:sp>
+      <p:sp>
+        <p:nvSpPr>
+          <p:cNvPr id="3" name="Notes Placeholder 2"/>
+          <p:cNvSpPr>
+            <a:spLocks noGrp="1"/>
+          </p:cNvSpPr>
+          <p:nvPr>
+            <p:ph type="body" idx="1"/>
+          </p:nvPr>
+        </p:nvSpPr>
+        <p:spPr/>
+        <p:txBody>
+          <a:bodyPr/>
+          <a:lstStyle/>
+          <a:p>
+            <a:endParaRPr lang="en-US" dirty="0"/>
+          </a:p>
+        </p:txBody>
+      </p:sp>
+      <p:sp>
+        <p:nvSpPr>
+          <p:cNvPr id="4" name="Slide Number Placeholder 3"/>
+          <p:cNvSpPr>
+            <a:spLocks noGrp="1"/>
+          </p:cNvSpPr>
+          <p:nvPr>
+            <p:ph type="sldNum" sz="quarter" idx="5"/>
+          </p:nvPr>
+        </p:nvSpPr>
+        <p:spPr/>
+        <p:txBody>
+          <a:bodyPr/>
+          <a:lstStyle/>
+          <a:p>
+            <a:fld id="{55247812-3409-784D-BAE7-ABE53735D59F}" type="slidenum">
+              <a:rPr lang="en-US" smtClean="0"/>
+              <a:t>17</a:t>
+            </a:fld>
+            <a:endParaRPr lang="en-US"/>
+          </a:p>
+        </p:txBody>
+      </p:sp>
+    </p:spTree>
+    <p:extLst>
+      <p:ext uri="{BB962C8B-B14F-4D97-AF65-F5344CB8AC3E}">
+        <p14:creationId xmlns:p14="http://schemas.microsoft.com/office/powerpoint/2010/main" val="2986387494"/>
+      </p:ext>
+    </p:extLst>
+  </p:cSld>
+  <p:clrMapOvr>
+    <a:masterClrMapping/>
+  </p:clrMapOvr>
+</p:notes>
+</file>
+
+<file path=ppt/notesSlides/notesSlide16.xml><?xml version="1.0" encoding="utf-8"?>
+<p:notes xmlns:a="http://schemas.openxmlformats.org/drawingml/2006/main" xmlns:r="http://schemas.openxmlformats.org/officeDocument/2006/relationships" xmlns:p="http://schemas.openxmlformats.org/presentationml/2006/main">
+  <p:cSld>
+    <p:spTree>
+      <p:nvGrpSpPr>
+        <p:cNvPr id="1" name="">
+          <a:extLst>
+            <a:ext uri="{FF2B5EF4-FFF2-40B4-BE49-F238E27FC236}">
+              <a16:creationId xmlns:a16="http://schemas.microsoft.com/office/drawing/2014/main" id="{58F74E77-8F7F-C091-A6CD-F95913330BB6}"/>
+            </a:ext>
+          </a:extLst>
+        </p:cNvPr>
+        <p:cNvGrpSpPr/>
+        <p:nvPr/>
+      </p:nvGrpSpPr>
+      <p:grpSpPr>
+        <a:xfrm>
+          <a:off x="0" y="0"/>
+          <a:ext cx="0" cy="0"/>
+          <a:chOff x="0" y="0"/>
+          <a:chExt cx="0" cy="0"/>
+        </a:xfrm>
+      </p:grpSpPr>
+      <p:sp>
+        <p:nvSpPr>
+          <p:cNvPr id="2" name="Slide Image Placeholder 1">
+            <a:extLst>
+              <a:ext uri="{FF2B5EF4-FFF2-40B4-BE49-F238E27FC236}">
+                <a16:creationId xmlns:a16="http://schemas.microsoft.com/office/drawing/2014/main" id="{C9FF8D03-BCD3-2516-5A17-7890FD56F6BE}"/>
+              </a:ext>
+            </a:extLst>
+          </p:cNvPr>
+          <p:cNvSpPr>
+            <a:spLocks noGrp="1" noRot="1" noChangeAspect="1"/>
+          </p:cNvSpPr>
+          <p:nvPr>
+            <p:ph type="sldImg"/>
+          </p:nvPr>
+        </p:nvSpPr>
+        <p:spPr/>
+      </p:sp>
+      <p:sp>
+        <p:nvSpPr>
+          <p:cNvPr id="3" name="Notes Placeholder 2">
+            <a:extLst>
+              <a:ext uri="{FF2B5EF4-FFF2-40B4-BE49-F238E27FC236}">
+                <a16:creationId xmlns:a16="http://schemas.microsoft.com/office/drawing/2014/main" id="{7143AAD0-5D1A-5384-531C-8A99D3C15535}"/>
+              </a:ext>
+            </a:extLst>
+          </p:cNvPr>
+          <p:cNvSpPr>
+            <a:spLocks noGrp="1"/>
+          </p:cNvSpPr>
+          <p:nvPr>
+            <p:ph type="body" idx="1"/>
+          </p:nvPr>
+        </p:nvSpPr>
+        <p:spPr/>
+        <p:txBody>
+          <a:bodyPr/>
+          <a:lstStyle/>
+          <a:p>
+            <a:endParaRPr lang="en-US"/>
+          </a:p>
+        </p:txBody>
+      </p:sp>
+      <p:sp>
+        <p:nvSpPr>
+          <p:cNvPr id="4" name="Slide Number Placeholder 3">
+            <a:extLst>
+              <a:ext uri="{FF2B5EF4-FFF2-40B4-BE49-F238E27FC236}">
+                <a16:creationId xmlns:a16="http://schemas.microsoft.com/office/drawing/2014/main" id="{52E54F1F-92BA-AFB1-9D22-E7208D0FEDEF}"/>
+              </a:ext>
+            </a:extLst>
+          </p:cNvPr>
+          <p:cNvSpPr>
+            <a:spLocks noGrp="1"/>
+          </p:cNvSpPr>
+          <p:nvPr>
+            <p:ph type="sldNum" sz="quarter" idx="5"/>
+          </p:nvPr>
+        </p:nvSpPr>
+        <p:spPr/>
+        <p:txBody>
+          <a:bodyPr/>
+          <a:lstStyle/>
+          <a:p>
+            <a:fld id="{55247812-3409-784D-BAE7-ABE53735D59F}" type="slidenum">
+              <a:rPr lang="en-US" smtClean="0"/>
+              <a:t>18</a:t>
+            </a:fld>
+            <a:endParaRPr lang="en-US"/>
+          </a:p>
+        </p:txBody>
+      </p:sp>
+    </p:spTree>
+    <p:extLst>
+      <p:ext uri="{BB962C8B-B14F-4D97-AF65-F5344CB8AC3E}">
+        <p14:creationId xmlns:p14="http://schemas.microsoft.com/office/powerpoint/2010/main" val="4126273940"/>
+      </p:ext>
+    </p:extLst>
+  </p:cSld>
+  <p:clrMapOvr>
+    <a:masterClrMapping/>
+  </p:clrMapOvr>
+</p:notes>
+</file>
+
 <file path=ppt/notesSlides/notesSlide2.xml><?xml version="1.0" encoding="utf-8"?>
 <p:notes xmlns:a="http://schemas.openxmlformats.org/drawingml/2006/main" xmlns:r="http://schemas.openxmlformats.org/officeDocument/2006/relationships" xmlns:p="http://schemas.openxmlformats.org/presentationml/2006/main">
   <p:cSld>
@@ -827,7 +1494,7 @@
           <a:bodyPr/>
           <a:lstStyle/>
           <a:p>
-            <a:endParaRPr lang="en-US"/>
+            <a:endParaRPr lang="en-US" dirty="0"/>
           </a:p>
         </p:txBody>
       </p:sp>
@@ -857,7 +1524,7 @@
     </p:spTree>
     <p:extLst>
       <p:ext uri="{BB962C8B-B14F-4D97-AF65-F5344CB8AC3E}">
-        <p14:creationId xmlns:p14="http://schemas.microsoft.com/office/powerpoint/2010/main" val="2295017842"/>
+        <p14:creationId xmlns:p14="http://schemas.microsoft.com/office/powerpoint/2010/main" val="27937937"/>
       </p:ext>
     </p:extLst>
   </p:cSld>
@@ -941,7 +1608,7 @@
     </p:spTree>
     <p:extLst>
       <p:ext uri="{BB962C8B-B14F-4D97-AF65-F5344CB8AC3E}">
-        <p14:creationId xmlns:p14="http://schemas.microsoft.com/office/powerpoint/2010/main" val="3155431734"/>
+        <p14:creationId xmlns:p14="http://schemas.microsoft.com/office/powerpoint/2010/main" val="2295017842"/>
       </p:ext>
     </p:extLst>
   </p:cSld>
@@ -956,7 +1623,13 @@
   <p:cSld>
     <p:spTree>
       <p:nvGrpSpPr>
-        <p:cNvPr id="1" name=""/>
+        <p:cNvPr id="1" name="">
+          <a:extLst>
+            <a:ext uri="{FF2B5EF4-FFF2-40B4-BE49-F238E27FC236}">
+              <a16:creationId xmlns:a16="http://schemas.microsoft.com/office/drawing/2014/main" id="{1E99E012-1B36-4DE0-7C82-2E9589BA5078}"/>
+            </a:ext>
+          </a:extLst>
+        </p:cNvPr>
         <p:cNvGrpSpPr/>
         <p:nvPr/>
       </p:nvGrpSpPr>
@@ -970,7 +1643,13 @@
       </p:grpSpPr>
       <p:sp>
         <p:nvSpPr>
-          <p:cNvPr id="2" name="Slide Image Placeholder 1"/>
+          <p:cNvPr id="2" name="Slide Image Placeholder 1">
+            <a:extLst>
+              <a:ext uri="{FF2B5EF4-FFF2-40B4-BE49-F238E27FC236}">
+                <a16:creationId xmlns:a16="http://schemas.microsoft.com/office/drawing/2014/main" id="{11C6FB8E-BEC4-6E75-0755-1B38247A316B}"/>
+              </a:ext>
+            </a:extLst>
+          </p:cNvPr>
           <p:cNvSpPr>
             <a:spLocks noGrp="1" noRot="1" noChangeAspect="1"/>
           </p:cNvSpPr>
@@ -982,7 +1661,13 @@
       </p:sp>
       <p:sp>
         <p:nvSpPr>
-          <p:cNvPr id="3" name="Notes Placeholder 2"/>
+          <p:cNvPr id="3" name="Notes Placeholder 2">
+            <a:extLst>
+              <a:ext uri="{FF2B5EF4-FFF2-40B4-BE49-F238E27FC236}">
+                <a16:creationId xmlns:a16="http://schemas.microsoft.com/office/drawing/2014/main" id="{63AC9F16-2946-0EC2-C4C5-C9CABEE4695D}"/>
+              </a:ext>
+            </a:extLst>
+          </p:cNvPr>
           <p:cNvSpPr>
             <a:spLocks noGrp="1"/>
           </p:cNvSpPr>
@@ -1001,7 +1686,13 @@
       </p:sp>
       <p:sp>
         <p:nvSpPr>
-          <p:cNvPr id="4" name="Slide Number Placeholder 3"/>
+          <p:cNvPr id="4" name="Slide Number Placeholder 3">
+            <a:extLst>
+              <a:ext uri="{FF2B5EF4-FFF2-40B4-BE49-F238E27FC236}">
+                <a16:creationId xmlns:a16="http://schemas.microsoft.com/office/drawing/2014/main" id="{4DF92A05-2A49-CB2C-CED4-5700E49FB9F7}"/>
+              </a:ext>
+            </a:extLst>
+          </p:cNvPr>
           <p:cNvSpPr>
             <a:spLocks noGrp="1"/>
           </p:cNvSpPr>
@@ -1025,7 +1716,7 @@
     </p:spTree>
     <p:extLst>
       <p:ext uri="{BB962C8B-B14F-4D97-AF65-F5344CB8AC3E}">
-        <p14:creationId xmlns:p14="http://schemas.microsoft.com/office/powerpoint/2010/main" val="27937937"/>
+        <p14:creationId xmlns:p14="http://schemas.microsoft.com/office/powerpoint/2010/main" val="3646917667"/>
       </p:ext>
     </p:extLst>
   </p:cSld>
@@ -1040,7 +1731,13 @@
   <p:cSld>
     <p:spTree>
       <p:nvGrpSpPr>
-        <p:cNvPr id="1" name=""/>
+        <p:cNvPr id="1" name="">
+          <a:extLst>
+            <a:ext uri="{FF2B5EF4-FFF2-40B4-BE49-F238E27FC236}">
+              <a16:creationId xmlns:a16="http://schemas.microsoft.com/office/drawing/2014/main" id="{867872DA-02C1-657D-C31A-6572837D6E91}"/>
+            </a:ext>
+          </a:extLst>
+        </p:cNvPr>
         <p:cNvGrpSpPr/>
         <p:nvPr/>
       </p:nvGrpSpPr>
@@ -1054,7 +1751,13 @@
       </p:grpSpPr>
       <p:sp>
         <p:nvSpPr>
-          <p:cNvPr id="2" name="Slide Image Placeholder 1"/>
+          <p:cNvPr id="2" name="Slide Image Placeholder 1">
+            <a:extLst>
+              <a:ext uri="{FF2B5EF4-FFF2-40B4-BE49-F238E27FC236}">
+                <a16:creationId xmlns:a16="http://schemas.microsoft.com/office/drawing/2014/main" id="{BFB7E859-73E6-62A4-41EB-5EC0B1C8A944}"/>
+              </a:ext>
+            </a:extLst>
+          </p:cNvPr>
           <p:cNvSpPr>
             <a:spLocks noGrp="1" noRot="1" noChangeAspect="1"/>
           </p:cNvSpPr>
@@ -1066,7 +1769,13 @@
       </p:sp>
       <p:sp>
         <p:nvSpPr>
-          <p:cNvPr id="3" name="Notes Placeholder 2"/>
+          <p:cNvPr id="3" name="Notes Placeholder 2">
+            <a:extLst>
+              <a:ext uri="{FF2B5EF4-FFF2-40B4-BE49-F238E27FC236}">
+                <a16:creationId xmlns:a16="http://schemas.microsoft.com/office/drawing/2014/main" id="{7C4977A7-E83F-CF6D-3A0B-788BD75B5920}"/>
+              </a:ext>
+            </a:extLst>
+          </p:cNvPr>
           <p:cNvSpPr>
             <a:spLocks noGrp="1"/>
           </p:cNvSpPr>
@@ -1079,13 +1788,19 @@
           <a:bodyPr/>
           <a:lstStyle/>
           <a:p>
-            <a:endParaRPr lang="en-US"/>
-          </a:p>
-        </p:txBody>
-      </p:sp>
-      <p:sp>
-        <p:nvSpPr>
-          <p:cNvPr id="4" name="Slide Number Placeholder 3"/>
+            <a:endParaRPr lang="en-US" dirty="0"/>
+          </a:p>
+        </p:txBody>
+      </p:sp>
+      <p:sp>
+        <p:nvSpPr>
+          <p:cNvPr id="4" name="Slide Number Placeholder 3">
+            <a:extLst>
+              <a:ext uri="{FF2B5EF4-FFF2-40B4-BE49-F238E27FC236}">
+                <a16:creationId xmlns:a16="http://schemas.microsoft.com/office/drawing/2014/main" id="{D28FEFE2-83AB-BD26-DD33-E0A86859299C}"/>
+              </a:ext>
+            </a:extLst>
+          </p:cNvPr>
           <p:cNvSpPr>
             <a:spLocks noGrp="1"/>
           </p:cNvSpPr>
@@ -1109,7 +1824,7 @@
     </p:spTree>
     <p:extLst>
       <p:ext uri="{BB962C8B-B14F-4D97-AF65-F5344CB8AC3E}">
-        <p14:creationId xmlns:p14="http://schemas.microsoft.com/office/powerpoint/2010/main" val="1015613917"/>
+        <p14:creationId xmlns:p14="http://schemas.microsoft.com/office/powerpoint/2010/main" val="1194419294"/>
       </p:ext>
     </p:extLst>
   </p:cSld>
@@ -1124,7 +1839,13 @@
   <p:cSld>
     <p:spTree>
       <p:nvGrpSpPr>
-        <p:cNvPr id="1" name=""/>
+        <p:cNvPr id="1" name="">
+          <a:extLst>
+            <a:ext uri="{FF2B5EF4-FFF2-40B4-BE49-F238E27FC236}">
+              <a16:creationId xmlns:a16="http://schemas.microsoft.com/office/drawing/2014/main" id="{6D8DE898-DE36-7398-EA6F-DB36182B295D}"/>
+            </a:ext>
+          </a:extLst>
+        </p:cNvPr>
         <p:cNvGrpSpPr/>
         <p:nvPr/>
       </p:nvGrpSpPr>
@@ -1138,7 +1859,13 @@
       </p:grpSpPr>
       <p:sp>
         <p:nvSpPr>
-          <p:cNvPr id="2" name="Slide Image Placeholder 1"/>
+          <p:cNvPr id="2" name="Slide Image Placeholder 1">
+            <a:extLst>
+              <a:ext uri="{FF2B5EF4-FFF2-40B4-BE49-F238E27FC236}">
+                <a16:creationId xmlns:a16="http://schemas.microsoft.com/office/drawing/2014/main" id="{F4DD857C-A1EF-3597-4DBE-9F6591DE6087}"/>
+              </a:ext>
+            </a:extLst>
+          </p:cNvPr>
           <p:cNvSpPr>
             <a:spLocks noGrp="1" noRot="1" noChangeAspect="1"/>
           </p:cNvSpPr>
@@ -1150,7 +1877,13 @@
       </p:sp>
       <p:sp>
         <p:nvSpPr>
-          <p:cNvPr id="3" name="Notes Placeholder 2"/>
+          <p:cNvPr id="3" name="Notes Placeholder 2">
+            <a:extLst>
+              <a:ext uri="{FF2B5EF4-FFF2-40B4-BE49-F238E27FC236}">
+                <a16:creationId xmlns:a16="http://schemas.microsoft.com/office/drawing/2014/main" id="{18C6EF62-1D2B-B95C-C1C1-6C4DDC9CC241}"/>
+              </a:ext>
+            </a:extLst>
+          </p:cNvPr>
           <p:cNvSpPr>
             <a:spLocks noGrp="1"/>
           </p:cNvSpPr>
@@ -1169,7 +1902,13 @@
       </p:sp>
       <p:sp>
         <p:nvSpPr>
-          <p:cNvPr id="4" name="Slide Number Placeholder 3"/>
+          <p:cNvPr id="4" name="Slide Number Placeholder 3">
+            <a:extLst>
+              <a:ext uri="{FF2B5EF4-FFF2-40B4-BE49-F238E27FC236}">
+                <a16:creationId xmlns:a16="http://schemas.microsoft.com/office/drawing/2014/main" id="{560E105E-9728-15FD-ABE2-79D08F183B6A}"/>
+              </a:ext>
+            </a:extLst>
+          </p:cNvPr>
           <p:cNvSpPr>
             <a:spLocks noGrp="1"/>
           </p:cNvSpPr>
@@ -1193,7 +1932,7 @@
     </p:spTree>
     <p:extLst>
       <p:ext uri="{BB962C8B-B14F-4D97-AF65-F5344CB8AC3E}">
-        <p14:creationId xmlns:p14="http://schemas.microsoft.com/office/powerpoint/2010/main" val="346767100"/>
+        <p14:creationId xmlns:p14="http://schemas.microsoft.com/office/powerpoint/2010/main" val="531816678"/>
       </p:ext>
     </p:extLst>
   </p:cSld>
@@ -1211,7 +1950,7 @@
         <p:cNvPr id="1" name="">
           <a:extLst>
             <a:ext uri="{FF2B5EF4-FFF2-40B4-BE49-F238E27FC236}">
-              <a16:creationId xmlns:a16="http://schemas.microsoft.com/office/drawing/2014/main" id="{81CB889F-435F-37E0-39C1-1975F065F7CE}"/>
+              <a16:creationId xmlns:a16="http://schemas.microsoft.com/office/drawing/2014/main" id="{61EFD76D-2117-E9F3-ED68-33BB6FB843CA}"/>
             </a:ext>
           </a:extLst>
         </p:cNvPr>
@@ -1231,7 +1970,7 @@
           <p:cNvPr id="2" name="Slide Image Placeholder 1">
             <a:extLst>
               <a:ext uri="{FF2B5EF4-FFF2-40B4-BE49-F238E27FC236}">
-                <a16:creationId xmlns:a16="http://schemas.microsoft.com/office/drawing/2014/main" id="{BCFDF492-1FEC-B725-937A-0CA701500250}"/>
+                <a16:creationId xmlns:a16="http://schemas.microsoft.com/office/drawing/2014/main" id="{DB939BCC-C7BA-C8A9-61EA-E1569028AB97}"/>
               </a:ext>
             </a:extLst>
           </p:cNvPr>
@@ -1249,7 +1988,7 @@
           <p:cNvPr id="3" name="Notes Placeholder 2">
             <a:extLst>
               <a:ext uri="{FF2B5EF4-FFF2-40B4-BE49-F238E27FC236}">
-                <a16:creationId xmlns:a16="http://schemas.microsoft.com/office/drawing/2014/main" id="{B68697D3-E29F-3593-987D-D6C5A3E1CEC0}"/>
+                <a16:creationId xmlns:a16="http://schemas.microsoft.com/office/drawing/2014/main" id="{EF921573-511B-5D2E-D390-EA3B3544850A}"/>
               </a:ext>
             </a:extLst>
           </p:cNvPr>
@@ -1265,7 +2004,7 @@
           <a:bodyPr/>
           <a:lstStyle/>
           <a:p>
-            <a:endParaRPr lang="en-US"/>
+            <a:endParaRPr lang="en-US" dirty="0"/>
           </a:p>
         </p:txBody>
       </p:sp>
@@ -1274,7 +2013,7 @@
           <p:cNvPr id="4" name="Slide Number Placeholder 3">
             <a:extLst>
               <a:ext uri="{FF2B5EF4-FFF2-40B4-BE49-F238E27FC236}">
-                <a16:creationId xmlns:a16="http://schemas.microsoft.com/office/drawing/2014/main" id="{9D67F70B-5F30-3540-4D41-3F4632416881}"/>
+                <a16:creationId xmlns:a16="http://schemas.microsoft.com/office/drawing/2014/main" id="{1662F28B-FC2F-44BE-CDE1-CEDCC429BC59}"/>
               </a:ext>
             </a:extLst>
           </p:cNvPr>
@@ -1301,7 +2040,7 @@
     </p:spTree>
     <p:extLst>
       <p:ext uri="{BB962C8B-B14F-4D97-AF65-F5344CB8AC3E}">
-        <p14:creationId xmlns:p14="http://schemas.microsoft.com/office/powerpoint/2010/main" val="3550690496"/>
+        <p14:creationId xmlns:p14="http://schemas.microsoft.com/office/powerpoint/2010/main" val="2534879680"/>
       </p:ext>
     </p:extLst>
   </p:cSld>
@@ -1316,7 +2055,13 @@
   <p:cSld>
     <p:spTree>
       <p:nvGrpSpPr>
-        <p:cNvPr id="1" name=""/>
+        <p:cNvPr id="1" name="">
+          <a:extLst>
+            <a:ext uri="{FF2B5EF4-FFF2-40B4-BE49-F238E27FC236}">
+              <a16:creationId xmlns:a16="http://schemas.microsoft.com/office/drawing/2014/main" id="{CF8237EE-FC27-DC25-7B51-417416E61909}"/>
+            </a:ext>
+          </a:extLst>
+        </p:cNvPr>
         <p:cNvGrpSpPr/>
         <p:nvPr/>
       </p:nvGrpSpPr>
@@ -1330,7 +2075,13 @@
       </p:grpSpPr>
       <p:sp>
         <p:nvSpPr>
-          <p:cNvPr id="2" name="Slide Image Placeholder 1"/>
+          <p:cNvPr id="2" name="Slide Image Placeholder 1">
+            <a:extLst>
+              <a:ext uri="{FF2B5EF4-FFF2-40B4-BE49-F238E27FC236}">
+                <a16:creationId xmlns:a16="http://schemas.microsoft.com/office/drawing/2014/main" id="{9194408A-5C13-96A8-7BBF-BB0C8A2BCD0F}"/>
+              </a:ext>
+            </a:extLst>
+          </p:cNvPr>
           <p:cNvSpPr>
             <a:spLocks noGrp="1" noRot="1" noChangeAspect="1"/>
           </p:cNvSpPr>
@@ -1342,7 +2093,13 @@
       </p:sp>
       <p:sp>
         <p:nvSpPr>
-          <p:cNvPr id="3" name="Notes Placeholder 2"/>
+          <p:cNvPr id="3" name="Notes Placeholder 2">
+            <a:extLst>
+              <a:ext uri="{FF2B5EF4-FFF2-40B4-BE49-F238E27FC236}">
+                <a16:creationId xmlns:a16="http://schemas.microsoft.com/office/drawing/2014/main" id="{C825DB7D-40C0-93F3-64E1-75A4E17E294D}"/>
+              </a:ext>
+            </a:extLst>
+          </p:cNvPr>
           <p:cNvSpPr>
             <a:spLocks noGrp="1"/>
           </p:cNvSpPr>
@@ -1361,7 +2118,13 @@
       </p:sp>
       <p:sp>
         <p:nvSpPr>
-          <p:cNvPr id="4" name="Slide Number Placeholder 3"/>
+          <p:cNvPr id="4" name="Slide Number Placeholder 3">
+            <a:extLst>
+              <a:ext uri="{FF2B5EF4-FFF2-40B4-BE49-F238E27FC236}">
+                <a16:creationId xmlns:a16="http://schemas.microsoft.com/office/drawing/2014/main" id="{D10D5D86-07F5-D271-1C7D-25D77DBAE754}"/>
+              </a:ext>
+            </a:extLst>
+          </p:cNvPr>
           <p:cNvSpPr>
             <a:spLocks noGrp="1"/>
           </p:cNvSpPr>
@@ -1385,7 +2148,7 @@
     </p:spTree>
     <p:extLst>
       <p:ext uri="{BB962C8B-B14F-4D97-AF65-F5344CB8AC3E}">
-        <p14:creationId xmlns:p14="http://schemas.microsoft.com/office/powerpoint/2010/main" val="2986387494"/>
+        <p14:creationId xmlns:p14="http://schemas.microsoft.com/office/powerpoint/2010/main" val="1807903453"/>
       </p:ext>
     </p:extLst>
   </p:cSld>
@@ -1403,7 +2166,7 @@
         <p:cNvPr id="1" name="">
           <a:extLst>
             <a:ext uri="{FF2B5EF4-FFF2-40B4-BE49-F238E27FC236}">
-              <a16:creationId xmlns:a16="http://schemas.microsoft.com/office/drawing/2014/main" id="{58F74E77-8F7F-C091-A6CD-F95913330BB6}"/>
+              <a16:creationId xmlns:a16="http://schemas.microsoft.com/office/drawing/2014/main" id="{8E184782-FE95-E3EC-AAF4-15727F8B09C8}"/>
             </a:ext>
           </a:extLst>
         </p:cNvPr>
@@ -1423,7 +2186,7 @@
           <p:cNvPr id="2" name="Slide Image Placeholder 1">
             <a:extLst>
               <a:ext uri="{FF2B5EF4-FFF2-40B4-BE49-F238E27FC236}">
-                <a16:creationId xmlns:a16="http://schemas.microsoft.com/office/drawing/2014/main" id="{C9FF8D03-BCD3-2516-5A17-7890FD56F6BE}"/>
+                <a16:creationId xmlns:a16="http://schemas.microsoft.com/office/drawing/2014/main" id="{18F88222-1989-D79E-A9B4-1FBCCC51B1BA}"/>
               </a:ext>
             </a:extLst>
           </p:cNvPr>
@@ -1441,7 +2204,7 @@
           <p:cNvPr id="3" name="Notes Placeholder 2">
             <a:extLst>
               <a:ext uri="{FF2B5EF4-FFF2-40B4-BE49-F238E27FC236}">
-                <a16:creationId xmlns:a16="http://schemas.microsoft.com/office/drawing/2014/main" id="{7143AAD0-5D1A-5384-531C-8A99D3C15535}"/>
+                <a16:creationId xmlns:a16="http://schemas.microsoft.com/office/drawing/2014/main" id="{C4BE8953-8FD6-663A-7B72-57F1D7047B06}"/>
               </a:ext>
             </a:extLst>
           </p:cNvPr>
@@ -1466,7 +2229,7 @@
           <p:cNvPr id="4" name="Slide Number Placeholder 3">
             <a:extLst>
               <a:ext uri="{FF2B5EF4-FFF2-40B4-BE49-F238E27FC236}">
-                <a16:creationId xmlns:a16="http://schemas.microsoft.com/office/drawing/2014/main" id="{52E54F1F-92BA-AFB1-9D22-E7208D0FEDEF}"/>
+                <a16:creationId xmlns:a16="http://schemas.microsoft.com/office/drawing/2014/main" id="{DB7969C8-D4AD-5008-61EE-1BCFA343D5C4}"/>
               </a:ext>
             </a:extLst>
           </p:cNvPr>
@@ -1493,7 +2256,7 @@
     </p:spTree>
     <p:extLst>
       <p:ext uri="{BB962C8B-B14F-4D97-AF65-F5344CB8AC3E}">
-        <p14:creationId xmlns:p14="http://schemas.microsoft.com/office/powerpoint/2010/main" val="4126273940"/>
+        <p14:creationId xmlns:p14="http://schemas.microsoft.com/office/powerpoint/2010/main" val="3946514460"/>
       </p:ext>
     </p:extLst>
   </p:cSld>
@@ -2076,7 +2839,7 @@
           <a:p>
             <a:fld id="{D6D8061D-18C3-4F4F-85EF-561633F58754}" type="datetimeFigureOut">
               <a:rPr lang="en-US" smtClean="0"/>
-              <a:t>11/17/25</a:t>
+              <a:t>11/17/2025</a:t>
             </a:fld>
             <a:endParaRPr lang="en-US"/>
           </a:p>
@@ -2261,7 +3024,7 @@
           <a:p>
             <a:fld id="{D6D8061D-18C3-4F4F-85EF-561633F58754}" type="datetimeFigureOut">
               <a:rPr lang="en-US" smtClean="0"/>
-              <a:t>11/17/25</a:t>
+              <a:t>11/17/2025</a:t>
             </a:fld>
             <a:endParaRPr lang="en-US"/>
           </a:p>
@@ -4004,7 +4767,7 @@
           <a:p>
             <a:fld id="{D6D8061D-18C3-4F4F-85EF-561633F58754}" type="datetimeFigureOut">
               <a:rPr lang="en-US" smtClean="0"/>
-              <a:t>11/17/25</a:t>
+              <a:t>11/17/2025</a:t>
             </a:fld>
             <a:endParaRPr lang="en-US"/>
           </a:p>
@@ -4439,7 +5202,7 @@
           <a:p>
             <a:fld id="{D6D8061D-18C3-4F4F-85EF-561633F58754}" type="datetimeFigureOut">
               <a:rPr lang="en-US" smtClean="0"/>
-              <a:t>11/17/25</a:t>
+              <a:t>11/17/2025</a:t>
             </a:fld>
             <a:endParaRPr lang="en-US"/>
           </a:p>
@@ -5098,7 +5861,7 @@
           <a:p>
             <a:fld id="{D6D8061D-18C3-4F4F-85EF-561633F58754}" type="datetimeFigureOut">
               <a:rPr lang="en-US" smtClean="0"/>
-              <a:t>11/17/25</a:t>
+              <a:t>11/17/2025</a:t>
             </a:fld>
             <a:endParaRPr lang="en-US"/>
           </a:p>
@@ -5341,7 +6104,7 @@
           <a:p>
             <a:fld id="{D6D8061D-18C3-4F4F-85EF-561633F58754}" type="datetimeFigureOut">
               <a:rPr lang="en-US" smtClean="0"/>
-              <a:t>11/17/25</a:t>
+              <a:t>11/17/2025</a:t>
             </a:fld>
             <a:endParaRPr lang="en-US"/>
           </a:p>
@@ -6017,6 +6780,1857 @@
 
 <file path=ppt/slides/slide10.xml><?xml version="1.0" encoding="utf-8"?>
 <p:sld xmlns:a="http://schemas.openxmlformats.org/drawingml/2006/main" xmlns:r="http://schemas.openxmlformats.org/officeDocument/2006/relationships" xmlns:p="http://schemas.openxmlformats.org/presentationml/2006/main">
+  <p:cSld>
+    <p:spTree>
+      <p:nvGrpSpPr>
+        <p:cNvPr id="1" name="">
+          <a:extLst>
+            <a:ext uri="{FF2B5EF4-FFF2-40B4-BE49-F238E27FC236}">
+              <a16:creationId xmlns:a16="http://schemas.microsoft.com/office/drawing/2014/main" id="{01A186EC-D6FA-2D51-3E82-F8DFF5FDE7A5}"/>
+            </a:ext>
+          </a:extLst>
+        </p:cNvPr>
+        <p:cNvGrpSpPr/>
+        <p:nvPr/>
+      </p:nvGrpSpPr>
+      <p:grpSpPr>
+        <a:xfrm>
+          <a:off x="0" y="0"/>
+          <a:ext cx="0" cy="0"/>
+          <a:chOff x="0" y="0"/>
+          <a:chExt cx="0" cy="0"/>
+        </a:xfrm>
+      </p:grpSpPr>
+      <p:pic>
+        <p:nvPicPr>
+          <p:cNvPr id="4" name="Picture Placeholder 7" descr="close up of computer code">
+            <a:extLst>
+              <a:ext uri="{FF2B5EF4-FFF2-40B4-BE49-F238E27FC236}">
+                <a16:creationId xmlns:a16="http://schemas.microsoft.com/office/drawing/2014/main" id="{61A67B3B-8569-9F2E-A02C-EB4E96B994DD}"/>
+              </a:ext>
+            </a:extLst>
+          </p:cNvPr>
+          <p:cNvPicPr>
+            <a:picLocks noGrp="1" noChangeAspect="1"/>
+          </p:cNvPicPr>
+          <p:nvPr>
+            <p:ph type="pic" sz="quarter" idx="10"/>
+          </p:nvPr>
+        </p:nvPicPr>
+        <p:blipFill rotWithShape="1">
+          <a:blip r:embed="rId3">
+            <a:alphaModFix amt="40000"/>
+            <a:extLst>
+              <a:ext uri="{BEBA8EAE-BF5A-486C-A8C5-ECC9F3942E4B}">
+                <a14:imgProps xmlns:a14="http://schemas.microsoft.com/office/drawing/2010/main">
+                  <a14:imgLayer r:embed="rId4">
+                    <a14:imgEffect>
+                      <a14:saturation sat="0"/>
+                    </a14:imgEffect>
+                  </a14:imgLayer>
+                </a14:imgProps>
+              </a:ext>
+            </a:extLst>
+          </a:blip>
+          <a:srcRect t="7813" b="7813"/>
+          <a:stretch/>
+        </p:blipFill>
+        <p:spPr>
+          <a:xfrm>
+            <a:off x="0" y="0"/>
+            <a:ext cx="12192000" cy="6858000"/>
+          </a:xfrm>
+        </p:spPr>
+      </p:pic>
+      <p:sp>
+        <p:nvSpPr>
+          <p:cNvPr id="3" name="Title 2">
+            <a:extLst>
+              <a:ext uri="{FF2B5EF4-FFF2-40B4-BE49-F238E27FC236}">
+                <a16:creationId xmlns:a16="http://schemas.microsoft.com/office/drawing/2014/main" id="{62EDD818-CA75-7673-9611-979667389070}"/>
+              </a:ext>
+            </a:extLst>
+          </p:cNvPr>
+          <p:cNvSpPr>
+            <a:spLocks noGrp="1"/>
+          </p:cNvSpPr>
+          <p:nvPr>
+            <p:ph type="ctrTitle"/>
+          </p:nvPr>
+        </p:nvSpPr>
+        <p:spPr>
+          <a:xfrm>
+            <a:off x="1524000" y="2286000"/>
+            <a:ext cx="9144000" cy="2286000"/>
+          </a:xfrm>
+        </p:spPr>
+        <p:txBody>
+          <a:bodyPr/>
+          <a:lstStyle/>
+          <a:p>
+            <a:r>
+              <a:rPr lang="en-US" dirty="0">
+                <a:latin typeface="Inconsolata" pitchFamily="49" charset="77"/>
+                <a:ea typeface="Inconsolata" pitchFamily="49" charset="77"/>
+              </a:rPr>
+              <a:t>Demo</a:t>
+            </a:r>
+          </a:p>
+        </p:txBody>
+      </p:sp>
+    </p:spTree>
+    <p:extLst>
+      <p:ext uri="{BB962C8B-B14F-4D97-AF65-F5344CB8AC3E}">
+        <p14:creationId xmlns:p14="http://schemas.microsoft.com/office/powerpoint/2010/main" val="2172334775"/>
+      </p:ext>
+    </p:extLst>
+  </p:cSld>
+  <p:clrMapOvr>
+    <a:masterClrMapping/>
+  </p:clrMapOvr>
+</p:sld>
+</file>
+
+<file path=ppt/slides/slide11.xml><?xml version="1.0" encoding="utf-8"?>
+<p:sld xmlns:a="http://schemas.openxmlformats.org/drawingml/2006/main" xmlns:r="http://schemas.openxmlformats.org/officeDocument/2006/relationships" xmlns:p="http://schemas.openxmlformats.org/presentationml/2006/main">
+  <p:cSld>
+    <p:spTree>
+      <p:nvGrpSpPr>
+        <p:cNvPr id="1" name=""/>
+        <p:cNvGrpSpPr/>
+        <p:nvPr/>
+      </p:nvGrpSpPr>
+      <p:grpSpPr>
+        <a:xfrm>
+          <a:off x="0" y="0"/>
+          <a:ext cx="0" cy="0"/>
+          <a:chOff x="0" y="0"/>
+          <a:chExt cx="0" cy="0"/>
+        </a:xfrm>
+      </p:grpSpPr>
+      <p:pic>
+        <p:nvPicPr>
+          <p:cNvPr id="5" name="Picture Placeholder 11" descr="A close up of dots&#10;">
+            <a:extLst>
+              <a:ext uri="{FF2B5EF4-FFF2-40B4-BE49-F238E27FC236}">
+                <a16:creationId xmlns:a16="http://schemas.microsoft.com/office/drawing/2014/main" id="{030E03B4-DAB0-F43D-4B1C-C54F75E621A1}"/>
+              </a:ext>
+            </a:extLst>
+          </p:cNvPr>
+          <p:cNvPicPr>
+            <a:picLocks noGrp="1" noChangeAspect="1"/>
+          </p:cNvPicPr>
+          <p:nvPr>
+            <p:ph type="pic" sz="quarter" idx="11"/>
+          </p:nvPr>
+        </p:nvPicPr>
+        <p:blipFill>
+          <a:blip r:embed="rId2"/>
+          <a:srcRect/>
+          <a:stretch/>
+        </p:blipFill>
+        <p:spPr>
+          <a:xfrm>
+            <a:off x="0" y="0"/>
+            <a:ext cx="12192000" cy="6858000"/>
+          </a:xfrm>
+        </p:spPr>
+      </p:pic>
+      <p:sp>
+        <p:nvSpPr>
+          <p:cNvPr id="7" name="Title 6">
+            <a:extLst>
+              <a:ext uri="{FF2B5EF4-FFF2-40B4-BE49-F238E27FC236}">
+                <a16:creationId xmlns:a16="http://schemas.microsoft.com/office/drawing/2014/main" id="{4AB1CD4B-2C7F-1593-8E69-B7450F3DCAD6}"/>
+              </a:ext>
+            </a:extLst>
+          </p:cNvPr>
+          <p:cNvSpPr>
+            <a:spLocks noGrp="1"/>
+          </p:cNvSpPr>
+          <p:nvPr>
+            <p:ph type="title"/>
+          </p:nvPr>
+        </p:nvSpPr>
+        <p:spPr>
+          <a:xfrm>
+            <a:off x="1362436" y="3052046"/>
+            <a:ext cx="9467127" cy="753908"/>
+          </a:xfrm>
+        </p:spPr>
+        <p:txBody>
+          <a:bodyPr/>
+          <a:lstStyle/>
+          <a:p>
+            <a:r>
+              <a:rPr lang="en-US" dirty="0"/>
+              <a:t>THANK YOU</a:t>
+            </a:r>
+          </a:p>
+        </p:txBody>
+      </p:sp>
+    </p:spTree>
+    <p:extLst>
+      <p:ext uri="{BB962C8B-B14F-4D97-AF65-F5344CB8AC3E}">
+        <p14:creationId xmlns:p14="http://schemas.microsoft.com/office/powerpoint/2010/main" val="2184472291"/>
+      </p:ext>
+    </p:extLst>
+  </p:cSld>
+  <p:clrMapOvr>
+    <a:masterClrMapping/>
+  </p:clrMapOvr>
+</p:sld>
+</file>
+
+<file path=ppt/slides/slide12.xml><?xml version="1.0" encoding="utf-8"?>
+<p:sld xmlns:a="http://schemas.openxmlformats.org/drawingml/2006/main" xmlns:r="http://schemas.openxmlformats.org/officeDocument/2006/relationships" xmlns:p="http://schemas.openxmlformats.org/presentationml/2006/main" show="0">
+  <p:cSld>
+    <p:spTree>
+      <p:nvGrpSpPr>
+        <p:cNvPr id="1" name=""/>
+        <p:cNvGrpSpPr/>
+        <p:nvPr/>
+      </p:nvGrpSpPr>
+      <p:grpSpPr>
+        <a:xfrm>
+          <a:off x="0" y="0"/>
+          <a:ext cx="0" cy="0"/>
+          <a:chOff x="0" y="0"/>
+          <a:chExt cx="0" cy="0"/>
+        </a:xfrm>
+      </p:grpSpPr>
+      <p:sp>
+        <p:nvSpPr>
+          <p:cNvPr id="2" name="Title 1">
+            <a:extLst>
+              <a:ext uri="{FF2B5EF4-FFF2-40B4-BE49-F238E27FC236}">
+                <a16:creationId xmlns:a16="http://schemas.microsoft.com/office/drawing/2014/main" id="{BF463CB3-2956-E8D2-C23D-A3BAA7295DEC}"/>
+              </a:ext>
+            </a:extLst>
+          </p:cNvPr>
+          <p:cNvSpPr>
+            <a:spLocks noGrp="1"/>
+          </p:cNvSpPr>
+          <p:nvPr>
+            <p:ph type="ctrTitle"/>
+          </p:nvPr>
+        </p:nvSpPr>
+        <p:spPr>
+          <a:xfrm>
+            <a:off x="1524000" y="1143000"/>
+            <a:ext cx="9144000" cy="2286000"/>
+          </a:xfrm>
+          <a:noFill/>
+        </p:spPr>
+        <p:txBody>
+          <a:bodyPr/>
+          <a:lstStyle/>
+          <a:p>
+            <a:r>
+              <a:rPr lang="en-US" dirty="0"/>
+              <a:t>Quick recap: what is </a:t>
+            </a:r>
+            <a:r>
+              <a:rPr lang="en-US" dirty="0" err="1"/>
+              <a:t>pca</a:t>
+            </a:r>
+            <a:endParaRPr lang="en-US" dirty="0"/>
+          </a:p>
+        </p:txBody>
+      </p:sp>
+      <p:sp>
+        <p:nvSpPr>
+          <p:cNvPr id="12" name="Subtitle 11">
+            <a:extLst>
+              <a:ext uri="{FF2B5EF4-FFF2-40B4-BE49-F238E27FC236}">
+                <a16:creationId xmlns:a16="http://schemas.microsoft.com/office/drawing/2014/main" id="{A336FEA9-C85A-3569-16F0-5ECBABBE0BEC}"/>
+              </a:ext>
+            </a:extLst>
+          </p:cNvPr>
+          <p:cNvSpPr>
+            <a:spLocks noGrp="1"/>
+          </p:cNvSpPr>
+          <p:nvPr>
+            <p:ph type="subTitle" idx="1"/>
+          </p:nvPr>
+        </p:nvSpPr>
+        <p:spPr>
+          <a:xfrm>
+            <a:off x="1524000" y="3835198"/>
+            <a:ext cx="9144000" cy="683219"/>
+          </a:xfrm>
+        </p:spPr>
+        <p:txBody>
+          <a:bodyPr/>
+          <a:lstStyle/>
+          <a:p>
+            <a:r>
+              <a:rPr lang="en-US" dirty="0"/>
+              <a:t>ENHANCING YOUR PRESENTATION</a:t>
+            </a:r>
+          </a:p>
+        </p:txBody>
+      </p:sp>
+    </p:spTree>
+    <p:extLst>
+      <p:ext uri="{BB962C8B-B14F-4D97-AF65-F5344CB8AC3E}">
+        <p14:creationId xmlns:p14="http://schemas.microsoft.com/office/powerpoint/2010/main" val="1679936628"/>
+      </p:ext>
+    </p:extLst>
+  </p:cSld>
+  <p:clrMapOvr>
+    <a:masterClrMapping/>
+  </p:clrMapOvr>
+</p:sld>
+</file>
+
+<file path=ppt/slides/slide13.xml><?xml version="1.0" encoding="utf-8"?>
+<p:sld xmlns:a="http://schemas.openxmlformats.org/drawingml/2006/main" xmlns:r="http://schemas.openxmlformats.org/officeDocument/2006/relationships" xmlns:p="http://schemas.openxmlformats.org/presentationml/2006/main" show="0">
+  <p:cSld>
+    <p:spTree>
+      <p:nvGrpSpPr>
+        <p:cNvPr id="1" name="">
+          <a:extLst>
+            <a:ext uri="{FF2B5EF4-FFF2-40B4-BE49-F238E27FC236}">
+              <a16:creationId xmlns:a16="http://schemas.microsoft.com/office/drawing/2014/main" id="{1C7B69FE-ED99-AB3D-8234-226F74C6BFCD}"/>
+            </a:ext>
+          </a:extLst>
+        </p:cNvPr>
+        <p:cNvGrpSpPr/>
+        <p:nvPr/>
+      </p:nvGrpSpPr>
+      <p:grpSpPr>
+        <a:xfrm>
+          <a:off x="0" y="0"/>
+          <a:ext cx="0" cy="0"/>
+          <a:chOff x="0" y="0"/>
+          <a:chExt cx="0" cy="0"/>
+        </a:xfrm>
+      </p:grpSpPr>
+      <p:sp>
+        <p:nvSpPr>
+          <p:cNvPr id="2" name="Title 1">
+            <a:extLst>
+              <a:ext uri="{FF2B5EF4-FFF2-40B4-BE49-F238E27FC236}">
+                <a16:creationId xmlns:a16="http://schemas.microsoft.com/office/drawing/2014/main" id="{530FF24A-F1A7-35D7-397B-F099E898A5AA}"/>
+              </a:ext>
+            </a:extLst>
+          </p:cNvPr>
+          <p:cNvSpPr>
+            <a:spLocks noGrp="1"/>
+          </p:cNvSpPr>
+          <p:nvPr>
+            <p:ph type="title"/>
+          </p:nvPr>
+        </p:nvSpPr>
+        <p:spPr>
+          <a:xfrm>
+            <a:off x="838200" y="365760"/>
+            <a:ext cx="10515600" cy="1325880"/>
+          </a:xfrm>
+          <a:noFill/>
+        </p:spPr>
+        <p:txBody>
+          <a:bodyPr anchor="ctr"/>
+          <a:lstStyle/>
+          <a:p>
+            <a:endParaRPr lang="en-US" dirty="0"/>
+          </a:p>
+        </p:txBody>
+      </p:sp>
+      <p:sp>
+        <p:nvSpPr>
+          <p:cNvPr id="3" name="Content Placeholder 2">
+            <a:extLst>
+              <a:ext uri="{FF2B5EF4-FFF2-40B4-BE49-F238E27FC236}">
+                <a16:creationId xmlns:a16="http://schemas.microsoft.com/office/drawing/2014/main" id="{33B0A257-F888-FBA1-AE10-FEB6400E366B}"/>
+              </a:ext>
+            </a:extLst>
+          </p:cNvPr>
+          <p:cNvSpPr>
+            <a:spLocks noGrp="1"/>
+          </p:cNvSpPr>
+          <p:nvPr>
+            <p:ph sz="quarter" idx="13"/>
+          </p:nvPr>
+        </p:nvSpPr>
+        <p:spPr>
+          <a:xfrm>
+            <a:off x="838199" y="2024781"/>
+            <a:ext cx="5212079" cy="4137189"/>
+          </a:xfrm>
+          <a:noFill/>
+        </p:spPr>
+        <p:txBody>
+          <a:bodyPr>
+            <a:normAutofit/>
+          </a:bodyPr>
+          <a:lstStyle/>
+          <a:p>
+            <a:r>
+              <a:rPr lang="en-US"/>
+              <a:t>This is a powerful tool in public speaking. It involves varying pitch, tone, and volume to convey emotion, emphasize points, and maintain interest:</a:t>
+            </a:r>
+          </a:p>
+          <a:p>
+            <a:pPr lvl="1"/>
+            <a:r>
+              <a:rPr lang="en-US"/>
+              <a:t>Pitch variation</a:t>
+            </a:r>
+          </a:p>
+          <a:p>
+            <a:pPr lvl="1"/>
+            <a:r>
+              <a:rPr lang="en-US"/>
+              <a:t>Tone inflection</a:t>
+            </a:r>
+          </a:p>
+          <a:p>
+            <a:pPr lvl="1"/>
+            <a:r>
+              <a:rPr lang="en-US"/>
+              <a:t>Volume control</a:t>
+            </a:r>
+            <a:endParaRPr lang="en-US" dirty="0"/>
+          </a:p>
+        </p:txBody>
+      </p:sp>
+      <p:sp>
+        <p:nvSpPr>
+          <p:cNvPr id="4" name="Content Placeholder 3">
+            <a:extLst>
+              <a:ext uri="{FF2B5EF4-FFF2-40B4-BE49-F238E27FC236}">
+                <a16:creationId xmlns:a16="http://schemas.microsoft.com/office/drawing/2014/main" id="{32B18791-9D56-9848-3D79-A4C10DF66A5A}"/>
+              </a:ext>
+            </a:extLst>
+          </p:cNvPr>
+          <p:cNvSpPr>
+            <a:spLocks noGrp="1"/>
+          </p:cNvSpPr>
+          <p:nvPr>
+            <p:ph sz="quarter" idx="14"/>
+          </p:nvPr>
+        </p:nvSpPr>
+        <p:spPr>
+          <a:xfrm>
+            <a:off x="6459795" y="2024780"/>
+            <a:ext cx="4894006" cy="4137189"/>
+          </a:xfrm>
+          <a:noFill/>
+        </p:spPr>
+        <p:txBody>
+          <a:bodyPr>
+            <a:normAutofit/>
+          </a:bodyPr>
+          <a:lstStyle/>
+          <a:p>
+            <a:r>
+              <a:rPr lang="en-US"/>
+              <a:t>Effective body language enhances your message, making it more impactful and memorable:</a:t>
+            </a:r>
+          </a:p>
+          <a:p>
+            <a:pPr lvl="1"/>
+            <a:r>
+              <a:rPr lang="en-US"/>
+              <a:t>Meaningful eye contact</a:t>
+            </a:r>
+          </a:p>
+          <a:p>
+            <a:pPr lvl="1"/>
+            <a:r>
+              <a:rPr lang="en-US"/>
+              <a:t>Purposeful gestures</a:t>
+            </a:r>
+          </a:p>
+          <a:p>
+            <a:pPr lvl="1"/>
+            <a:r>
+              <a:rPr lang="en-US"/>
+              <a:t>Maintain good posture</a:t>
+            </a:r>
+          </a:p>
+          <a:p>
+            <a:pPr lvl="1"/>
+            <a:r>
+              <a:rPr lang="en-US"/>
+              <a:t>Control your expressions</a:t>
+            </a:r>
+            <a:endParaRPr lang="en-US" dirty="0"/>
+          </a:p>
+        </p:txBody>
+      </p:sp>
+      <p:sp>
+        <p:nvSpPr>
+          <p:cNvPr id="5" name="Rectangle 4">
+            <a:extLst>
+              <a:ext uri="{FF2B5EF4-FFF2-40B4-BE49-F238E27FC236}">
+                <a16:creationId xmlns:a16="http://schemas.microsoft.com/office/drawing/2014/main" id="{7A5436F7-58CA-BA2E-AD13-748AF10475F7}"/>
+              </a:ext>
+              <a:ext uri="{C183D7F6-B498-43B3-948B-1728B52AA6E4}">
+                <adec:decorative xmlns:adec="http://schemas.microsoft.com/office/drawing/2017/decorative" val="1"/>
+              </a:ext>
+            </a:extLst>
+          </p:cNvPr>
+          <p:cNvSpPr/>
+          <p:nvPr/>
+        </p:nvSpPr>
+        <p:spPr>
+          <a:xfrm>
+            <a:off x="0" y="6303963"/>
+            <a:ext cx="12192000" cy="554037"/>
+          </a:xfrm>
+          <a:prstGeom prst="rect">
+            <a:avLst/>
+          </a:prstGeom>
+          <a:gradFill flip="none" rotWithShape="1">
+            <a:gsLst>
+              <a:gs pos="0">
+                <a:schemeClr val="accent5"/>
+              </a:gs>
+              <a:gs pos="100000">
+                <a:schemeClr val="accent2">
+                  <a:lumMod val="97000"/>
+                  <a:lumOff val="3000"/>
+                </a:schemeClr>
+              </a:gs>
+              <a:gs pos="50000">
+                <a:schemeClr val="accent1"/>
+              </a:gs>
+            </a:gsLst>
+            <a:lin ang="10800000" scaled="1"/>
+            <a:tileRect/>
+          </a:gradFill>
+          <a:ln>
+            <a:noFill/>
+          </a:ln>
+        </p:spPr>
+        <p:style>
+          <a:lnRef idx="2">
+            <a:schemeClr val="accent1">
+              <a:shade val="50000"/>
+            </a:schemeClr>
+          </a:lnRef>
+          <a:fillRef idx="1">
+            <a:schemeClr val="accent1"/>
+          </a:fillRef>
+          <a:effectRef idx="0">
+            <a:schemeClr val="accent1"/>
+          </a:effectRef>
+          <a:fontRef idx="minor">
+            <a:schemeClr val="lt1"/>
+          </a:fontRef>
+        </p:style>
+        <p:txBody>
+          <a:bodyPr rtlCol="0" anchor="ctr">
+            <a:noAutofit/>
+          </a:bodyPr>
+          <a:lstStyle/>
+          <a:p>
+            <a:pPr algn="ctr"/>
+            <a:endParaRPr lang="en-US" dirty="0"/>
+          </a:p>
+        </p:txBody>
+      </p:sp>
+    </p:spTree>
+    <p:extLst>
+      <p:ext uri="{BB962C8B-B14F-4D97-AF65-F5344CB8AC3E}">
+        <p14:creationId xmlns:p14="http://schemas.microsoft.com/office/powerpoint/2010/main" val="2275589474"/>
+      </p:ext>
+    </p:extLst>
+  </p:cSld>
+  <p:clrMapOvr>
+    <a:masterClrMapping/>
+  </p:clrMapOvr>
+</p:sld>
+</file>
+
+<file path=ppt/slides/slide14.xml><?xml version="1.0" encoding="utf-8"?>
+<p:sld xmlns:a="http://schemas.openxmlformats.org/drawingml/2006/main" xmlns:r="http://schemas.openxmlformats.org/officeDocument/2006/relationships" xmlns:p="http://schemas.openxmlformats.org/presentationml/2006/main" show="0">
+  <p:cSld>
+    <p:spTree>
+      <p:nvGrpSpPr>
+        <p:cNvPr id="1" name=""/>
+        <p:cNvGrpSpPr/>
+        <p:nvPr/>
+      </p:nvGrpSpPr>
+      <p:grpSpPr>
+        <a:xfrm>
+          <a:off x="0" y="0"/>
+          <a:ext cx="0" cy="0"/>
+          <a:chOff x="0" y="0"/>
+          <a:chExt cx="0" cy="0"/>
+        </a:xfrm>
+      </p:grpSpPr>
+      <p:sp>
+        <p:nvSpPr>
+          <p:cNvPr id="2" name="Title 1">
+            <a:extLst>
+              <a:ext uri="{FF2B5EF4-FFF2-40B4-BE49-F238E27FC236}">
+                <a16:creationId xmlns:a16="http://schemas.microsoft.com/office/drawing/2014/main" id="{314C27C8-165C-5513-DB4B-9D840097C545}"/>
+              </a:ext>
+            </a:extLst>
+          </p:cNvPr>
+          <p:cNvSpPr>
+            <a:spLocks noGrp="1"/>
+          </p:cNvSpPr>
+          <p:nvPr>
+            <p:ph type="title"/>
+          </p:nvPr>
+        </p:nvSpPr>
+        <p:spPr>
+          <a:xfrm>
+            <a:off x="838200" y="365760"/>
+            <a:ext cx="10515600" cy="1325880"/>
+          </a:xfrm>
+          <a:noFill/>
+        </p:spPr>
+        <p:txBody>
+          <a:bodyPr anchor="ctr"/>
+          <a:lstStyle/>
+          <a:p>
+            <a:r>
+              <a:rPr lang="en-US" dirty="0"/>
+              <a:t>NAVIGATING Q&amp;A SESSIONS</a:t>
+            </a:r>
+          </a:p>
+        </p:txBody>
+      </p:sp>
+      <p:sp>
+        <p:nvSpPr>
+          <p:cNvPr id="52" name="Content Placeholder 51">
+            <a:extLst>
+              <a:ext uri="{FF2B5EF4-FFF2-40B4-BE49-F238E27FC236}">
+                <a16:creationId xmlns:a16="http://schemas.microsoft.com/office/drawing/2014/main" id="{F2CCE123-860F-8623-781F-12CEA66980F5}"/>
+              </a:ext>
+            </a:extLst>
+          </p:cNvPr>
+          <p:cNvSpPr>
+            <a:spLocks noGrp="1"/>
+          </p:cNvSpPr>
+          <p:nvPr>
+            <p:ph sz="quarter" idx="13"/>
+          </p:nvPr>
+        </p:nvSpPr>
+        <p:spPr>
+          <a:xfrm>
+            <a:off x="838200" y="2024781"/>
+            <a:ext cx="2878394" cy="4137189"/>
+          </a:xfrm>
+        </p:spPr>
+        <p:txBody>
+          <a:bodyPr/>
+          <a:lstStyle/>
+          <a:p>
+            <a:r>
+              <a:rPr lang="en-US" dirty="0"/>
+              <a:t>Know your material in advance</a:t>
+            </a:r>
+          </a:p>
+          <a:p>
+            <a:r>
+              <a:rPr lang="en-US" dirty="0"/>
+              <a:t>Anticipate common questions</a:t>
+            </a:r>
+          </a:p>
+          <a:p>
+            <a:r>
+              <a:rPr lang="en-US" dirty="0"/>
+              <a:t>Rehearse your responses</a:t>
+            </a:r>
+          </a:p>
+        </p:txBody>
+      </p:sp>
+      <p:sp>
+        <p:nvSpPr>
+          <p:cNvPr id="4" name="Content Placeholder 3">
+            <a:extLst>
+              <a:ext uri="{FF2B5EF4-FFF2-40B4-BE49-F238E27FC236}">
+                <a16:creationId xmlns:a16="http://schemas.microsoft.com/office/drawing/2014/main" id="{83302BFD-960F-CBB3-E984-CDC12813A10C}"/>
+              </a:ext>
+            </a:extLst>
+          </p:cNvPr>
+          <p:cNvSpPr>
+            <a:spLocks noGrp="1"/>
+          </p:cNvSpPr>
+          <p:nvPr>
+            <p:ph sz="quarter" idx="14"/>
+          </p:nvPr>
+        </p:nvSpPr>
+        <p:spPr>
+          <a:xfrm>
+            <a:off x="6459795" y="2024780"/>
+            <a:ext cx="4894006" cy="4137189"/>
+          </a:xfrm>
+          <a:noFill/>
+        </p:spPr>
+        <p:txBody>
+          <a:bodyPr>
+            <a:normAutofit/>
+          </a:bodyPr>
+          <a:lstStyle/>
+          <a:p>
+            <a:r>
+              <a:rPr lang="en-US" dirty="0"/>
+              <a:t>Maintaining composure during the Q&amp;A session is essential for projecting confidence and authority. Consider the following tips for staying composed:</a:t>
+            </a:r>
+          </a:p>
+          <a:p>
+            <a:pPr lvl="1"/>
+            <a:r>
+              <a:rPr lang="en-US" dirty="0"/>
+              <a:t>Stay calm</a:t>
+            </a:r>
+          </a:p>
+          <a:p>
+            <a:pPr lvl="1"/>
+            <a:r>
+              <a:rPr lang="en-US" dirty="0"/>
+              <a:t>Actively listen</a:t>
+            </a:r>
+          </a:p>
+          <a:p>
+            <a:pPr lvl="1"/>
+            <a:r>
+              <a:rPr lang="en-US" dirty="0"/>
+              <a:t>Pause and reflect</a:t>
+            </a:r>
+          </a:p>
+          <a:p>
+            <a:pPr lvl="1"/>
+            <a:r>
+              <a:rPr lang="en-US" dirty="0"/>
+              <a:t>Maintain eye contact</a:t>
+            </a:r>
+          </a:p>
+        </p:txBody>
+      </p:sp>
+      <p:sp>
+        <p:nvSpPr>
+          <p:cNvPr id="5" name="Rectangle 4">
+            <a:extLst>
+              <a:ext uri="{FF2B5EF4-FFF2-40B4-BE49-F238E27FC236}">
+                <a16:creationId xmlns:a16="http://schemas.microsoft.com/office/drawing/2014/main" id="{C80227B8-A24C-8C29-034A-D7700B887685}"/>
+              </a:ext>
+              <a:ext uri="{C183D7F6-B498-43B3-948B-1728B52AA6E4}">
+                <adec:decorative xmlns:adec="http://schemas.microsoft.com/office/drawing/2017/decorative" val="1"/>
+              </a:ext>
+            </a:extLst>
+          </p:cNvPr>
+          <p:cNvSpPr/>
+          <p:nvPr/>
+        </p:nvSpPr>
+        <p:spPr>
+          <a:xfrm>
+            <a:off x="0" y="6303963"/>
+            <a:ext cx="12192000" cy="554037"/>
+          </a:xfrm>
+          <a:prstGeom prst="rect">
+            <a:avLst/>
+          </a:prstGeom>
+          <a:gradFill flip="none" rotWithShape="1">
+            <a:gsLst>
+              <a:gs pos="0">
+                <a:schemeClr val="accent5"/>
+              </a:gs>
+              <a:gs pos="100000">
+                <a:schemeClr val="accent2">
+                  <a:lumMod val="97000"/>
+                  <a:lumOff val="3000"/>
+                </a:schemeClr>
+              </a:gs>
+              <a:gs pos="50000">
+                <a:schemeClr val="accent1"/>
+              </a:gs>
+            </a:gsLst>
+            <a:lin ang="10800000" scaled="1"/>
+            <a:tileRect/>
+          </a:gradFill>
+          <a:ln>
+            <a:noFill/>
+          </a:ln>
+        </p:spPr>
+        <p:style>
+          <a:lnRef idx="2">
+            <a:schemeClr val="accent1">
+              <a:shade val="50000"/>
+            </a:schemeClr>
+          </a:lnRef>
+          <a:fillRef idx="1">
+            <a:schemeClr val="accent1"/>
+          </a:fillRef>
+          <a:effectRef idx="0">
+            <a:schemeClr val="accent1"/>
+          </a:effectRef>
+          <a:fontRef idx="minor">
+            <a:schemeClr val="lt1"/>
+          </a:fontRef>
+        </p:style>
+        <p:txBody>
+          <a:bodyPr rtlCol="0" anchor="ctr">
+            <a:noAutofit/>
+          </a:bodyPr>
+          <a:lstStyle/>
+          <a:p>
+            <a:pPr algn="ctr"/>
+            <a:endParaRPr lang="en-US" dirty="0"/>
+          </a:p>
+        </p:txBody>
+      </p:sp>
+    </p:spTree>
+    <p:extLst>
+      <p:ext uri="{BB962C8B-B14F-4D97-AF65-F5344CB8AC3E}">
+        <p14:creationId xmlns:p14="http://schemas.microsoft.com/office/powerpoint/2010/main" val="729609147"/>
+      </p:ext>
+    </p:extLst>
+  </p:cSld>
+  <p:clrMapOvr>
+    <a:masterClrMapping/>
+  </p:clrMapOvr>
+</p:sld>
+</file>
+
+<file path=ppt/slides/slide15.xml><?xml version="1.0" encoding="utf-8"?>
+<p:sld xmlns:a="http://schemas.openxmlformats.org/drawingml/2006/main" xmlns:r="http://schemas.openxmlformats.org/officeDocument/2006/relationships" xmlns:p="http://schemas.openxmlformats.org/presentationml/2006/main" show="0">
+  <p:cSld>
+    <p:spTree>
+      <p:nvGrpSpPr>
+        <p:cNvPr id="1" name=""/>
+        <p:cNvGrpSpPr/>
+        <p:nvPr/>
+      </p:nvGrpSpPr>
+      <p:grpSpPr>
+        <a:xfrm>
+          <a:off x="0" y="0"/>
+          <a:ext cx="0" cy="0"/>
+          <a:chOff x="0" y="0"/>
+          <a:chExt cx="0" cy="0"/>
+        </a:xfrm>
+      </p:grpSpPr>
+      <p:sp>
+        <p:nvSpPr>
+          <p:cNvPr id="2" name="Title 1">
+            <a:extLst>
+              <a:ext uri="{FF2B5EF4-FFF2-40B4-BE49-F238E27FC236}">
+                <a16:creationId xmlns:a16="http://schemas.microsoft.com/office/drawing/2014/main" id="{B7545968-70F7-0180-6448-3547E442EF4A}"/>
+              </a:ext>
+            </a:extLst>
+          </p:cNvPr>
+          <p:cNvSpPr>
+            <a:spLocks noGrp="1"/>
+          </p:cNvSpPr>
+          <p:nvPr>
+            <p:ph type="title"/>
+          </p:nvPr>
+        </p:nvSpPr>
+        <p:spPr>
+          <a:xfrm>
+            <a:off x="838200" y="365760"/>
+            <a:ext cx="10515600" cy="1325563"/>
+          </a:xfrm>
+          <a:noFill/>
+        </p:spPr>
+        <p:txBody>
+          <a:bodyPr anchor="ctr">
+            <a:noAutofit/>
+          </a:bodyPr>
+          <a:lstStyle/>
+          <a:p>
+            <a:r>
+              <a:rPr lang="en-US" dirty="0"/>
+              <a:t>Dynamic delivery</a:t>
+            </a:r>
+          </a:p>
+        </p:txBody>
+      </p:sp>
+      <p:sp>
+        <p:nvSpPr>
+          <p:cNvPr id="8" name="Content Placeholder 7">
+            <a:extLst>
+              <a:ext uri="{FF2B5EF4-FFF2-40B4-BE49-F238E27FC236}">
+                <a16:creationId xmlns:a16="http://schemas.microsoft.com/office/drawing/2014/main" id="{215CE58D-2739-522B-7C3A-6A7C985360C0}"/>
+              </a:ext>
+            </a:extLst>
+          </p:cNvPr>
+          <p:cNvSpPr>
+            <a:spLocks noGrp="1"/>
+          </p:cNvSpPr>
+          <p:nvPr>
+            <p:ph sz="quarter" idx="15"/>
+          </p:nvPr>
+        </p:nvSpPr>
+        <p:spPr>
+          <a:xfrm>
+            <a:off x="896074" y="2106591"/>
+            <a:ext cx="2067045" cy="3633787"/>
+          </a:xfrm>
+          <a:noFill/>
+        </p:spPr>
+        <p:txBody>
+          <a:bodyPr vert="horz" lIns="91440" tIns="45720" rIns="91440" bIns="45720" rtlCol="0" anchor="t">
+            <a:normAutofit/>
+          </a:bodyPr>
+          <a:lstStyle/>
+          <a:p>
+            <a:r>
+              <a:rPr lang="en-US" dirty="0"/>
+              <a:t>Learn to infuse energy into your delivery to leave a lasting impression</a:t>
+            </a:r>
+          </a:p>
+          <a:p>
+            <a:r>
+              <a:rPr lang="en-US" dirty="0"/>
+              <a:t>One of the goals of effective communication is to motivate your audience</a:t>
+            </a:r>
+          </a:p>
+        </p:txBody>
+      </p:sp>
+      <p:graphicFrame>
+        <p:nvGraphicFramePr>
+          <p:cNvPr id="3" name="Table Placeholder 2">
+            <a:extLst>
+              <a:ext uri="{FF2B5EF4-FFF2-40B4-BE49-F238E27FC236}">
+                <a16:creationId xmlns:a16="http://schemas.microsoft.com/office/drawing/2014/main" id="{F01CF5D3-D3B1-1944-CFDF-D8EE11DE42AA}"/>
+              </a:ext>
+            </a:extLst>
+          </p:cNvPr>
+          <p:cNvGraphicFramePr>
+            <a:graphicFrameLocks noGrp="1"/>
+          </p:cNvGraphicFramePr>
+          <p:nvPr>
+            <p:ph type="tbl" sz="quarter" idx="13"/>
+            <p:extLst>
+              <p:ext uri="{D42A27DB-BD31-4B8C-83A1-F6EECF244321}">
+                <p14:modId xmlns:p14="http://schemas.microsoft.com/office/powerpoint/2010/main" val="2834757309"/>
+              </p:ext>
+            </p:extLst>
+          </p:nvPr>
+        </p:nvGraphicFramePr>
+        <p:xfrm>
+          <a:off x="3484563" y="2106613"/>
+          <a:ext cx="7921828" cy="4032333"/>
+        </p:xfrm>
+        <a:graphic>
+          <a:graphicData uri="http://schemas.openxmlformats.org/drawingml/2006/table">
+            <a:tbl>
+              <a:tblPr firstRow="1" bandRow="1">
+                <a:tableStyleId>{7E9639D4-E3E2-4D34-9284-5A2195B3D0D7}</a:tableStyleId>
+              </a:tblPr>
+              <a:tblGrid>
+                <a:gridCol w="1980457">
+                  <a:extLst>
+                    <a:ext uri="{9D8B030D-6E8A-4147-A177-3AD203B41FA5}">
+                      <a16:colId xmlns:a16="http://schemas.microsoft.com/office/drawing/2014/main" val="127040821"/>
+                    </a:ext>
+                  </a:extLst>
+                </a:gridCol>
+                <a:gridCol w="1980457">
+                  <a:extLst>
+                    <a:ext uri="{9D8B030D-6E8A-4147-A177-3AD203B41FA5}">
+                      <a16:colId xmlns:a16="http://schemas.microsoft.com/office/drawing/2014/main" val="149845700"/>
+                    </a:ext>
+                  </a:extLst>
+                </a:gridCol>
+                <a:gridCol w="1980457">
+                  <a:extLst>
+                    <a:ext uri="{9D8B030D-6E8A-4147-A177-3AD203B41FA5}">
+                      <a16:colId xmlns:a16="http://schemas.microsoft.com/office/drawing/2014/main" val="3119692462"/>
+                    </a:ext>
+                  </a:extLst>
+                </a:gridCol>
+                <a:gridCol w="1980457">
+                  <a:extLst>
+                    <a:ext uri="{9D8B030D-6E8A-4147-A177-3AD203B41FA5}">
+                      <a16:colId xmlns:a16="http://schemas.microsoft.com/office/drawing/2014/main" val="3472639139"/>
+                    </a:ext>
+                  </a:extLst>
+                </a:gridCol>
+              </a:tblGrid>
+              <a:tr h="612591">
+                <a:tc>
+                  <a:txBody>
+                    <a:bodyPr/>
+                    <a:lstStyle/>
+                    <a:p>
+                      <a:pPr algn="ctr"/>
+                      <a:r>
+                        <a:rPr lang="en-US" b="0" i="0" dirty="0">
+                          <a:latin typeface="+mn-lt"/>
+                          <a:cs typeface="Calibri" panose="020F0502020204030204" pitchFamily="34" charset="0"/>
+                        </a:rPr>
+                        <a:t>METRIC</a:t>
+                      </a:r>
+                    </a:p>
+                  </a:txBody>
+                  <a:tcPr anchor="ctr"/>
+                </a:tc>
+                <a:tc>
+                  <a:txBody>
+                    <a:bodyPr/>
+                    <a:lstStyle/>
+                    <a:p>
+                      <a:pPr algn="ctr"/>
+                      <a:r>
+                        <a:rPr lang="en-US" b="0" i="0" dirty="0">
+                          <a:latin typeface="+mn-lt"/>
+                          <a:cs typeface="Calibri" panose="020F0502020204030204" pitchFamily="34" charset="0"/>
+                        </a:rPr>
+                        <a:t>MEASUREMENT</a:t>
+                      </a:r>
+                    </a:p>
+                  </a:txBody>
+                  <a:tcPr anchor="ctr"/>
+                </a:tc>
+                <a:tc>
+                  <a:txBody>
+                    <a:bodyPr/>
+                    <a:lstStyle/>
+                    <a:p>
+                      <a:pPr algn="ctr"/>
+                      <a:r>
+                        <a:rPr lang="en-US" b="0" i="0" dirty="0">
+                          <a:latin typeface="+mn-lt"/>
+                          <a:cs typeface="Calibri" panose="020F0502020204030204" pitchFamily="34" charset="0"/>
+                        </a:rPr>
+                        <a:t>TARGET</a:t>
+                      </a:r>
+                    </a:p>
+                  </a:txBody>
+                  <a:tcPr anchor="ctr"/>
+                </a:tc>
+                <a:tc>
+                  <a:txBody>
+                    <a:bodyPr/>
+                    <a:lstStyle/>
+                    <a:p>
+                      <a:pPr algn="ctr"/>
+                      <a:r>
+                        <a:rPr lang="en-US" b="0" i="0" dirty="0">
+                          <a:latin typeface="+mn-lt"/>
+                          <a:cs typeface="Calibri" panose="020F0502020204030204" pitchFamily="34" charset="0"/>
+                        </a:rPr>
+                        <a:t>ACTUAL</a:t>
+                      </a:r>
+                    </a:p>
+                  </a:txBody>
+                  <a:tcPr anchor="ctr"/>
+                </a:tc>
+                <a:extLst>
+                  <a:ext uri="{0D108BD9-81ED-4DB2-BD59-A6C34878D82A}">
+                    <a16:rowId xmlns:a16="http://schemas.microsoft.com/office/drawing/2014/main" val="3298013591"/>
+                  </a:ext>
+                </a:extLst>
+              </a:tr>
+              <a:tr h="612591">
+                <a:tc>
+                  <a:txBody>
+                    <a:bodyPr/>
+                    <a:lstStyle/>
+                    <a:p>
+                      <a:pPr algn="ctr"/>
+                      <a:r>
+                        <a:rPr lang="en-US" b="0" i="0" dirty="0">
+                          <a:latin typeface="+mn-lt"/>
+                          <a:cs typeface="Calibri" panose="020F0502020204030204" pitchFamily="34" charset="0"/>
+                        </a:rPr>
+                        <a:t>Audience attendance</a:t>
+                      </a:r>
+                    </a:p>
+                  </a:txBody>
+                  <a:tcPr anchor="ctr"/>
+                </a:tc>
+                <a:tc>
+                  <a:txBody>
+                    <a:bodyPr/>
+                    <a:lstStyle/>
+                    <a:p>
+                      <a:pPr algn="ctr"/>
+                      <a:r>
+                        <a:rPr lang="en-US" b="0" i="0" dirty="0">
+                          <a:latin typeface="+mn-lt"/>
+                          <a:cs typeface="Calibri" panose="020F0502020204030204" pitchFamily="34" charset="0"/>
+                        </a:rPr>
+                        <a:t># of attendees</a:t>
+                      </a:r>
+                    </a:p>
+                  </a:txBody>
+                  <a:tcPr anchor="ctr"/>
+                </a:tc>
+                <a:tc>
+                  <a:txBody>
+                    <a:bodyPr/>
+                    <a:lstStyle/>
+                    <a:p>
+                      <a:pPr algn="ctr"/>
+                      <a:r>
+                        <a:rPr lang="en-US" b="0" i="0" dirty="0">
+                          <a:latin typeface="+mn-lt"/>
+                          <a:cs typeface="Calibri" panose="020F0502020204030204" pitchFamily="34" charset="0"/>
+                        </a:rPr>
+                        <a:t>150</a:t>
+                      </a:r>
+                    </a:p>
+                  </a:txBody>
+                  <a:tcPr anchor="ctr"/>
+                </a:tc>
+                <a:tc>
+                  <a:txBody>
+                    <a:bodyPr/>
+                    <a:lstStyle/>
+                    <a:p>
+                      <a:pPr algn="ctr"/>
+                      <a:r>
+                        <a:rPr lang="en-US" b="0" i="0">
+                          <a:latin typeface="+mn-lt"/>
+                          <a:cs typeface="Calibri" panose="020F0502020204030204" pitchFamily="34" charset="0"/>
+                        </a:rPr>
+                        <a:t>120</a:t>
+                      </a:r>
+                    </a:p>
+                  </a:txBody>
+                  <a:tcPr anchor="ctr"/>
+                </a:tc>
+                <a:extLst>
+                  <a:ext uri="{0D108BD9-81ED-4DB2-BD59-A6C34878D82A}">
+                    <a16:rowId xmlns:a16="http://schemas.microsoft.com/office/drawing/2014/main" val="3873867931"/>
+                  </a:ext>
+                </a:extLst>
+              </a:tr>
+              <a:tr h="612591">
+                <a:tc>
+                  <a:txBody>
+                    <a:bodyPr/>
+                    <a:lstStyle/>
+                    <a:p>
+                      <a:pPr algn="ctr"/>
+                      <a:r>
+                        <a:rPr lang="en-US" b="0" i="0" dirty="0">
+                          <a:latin typeface="+mn-lt"/>
+                          <a:cs typeface="Calibri" panose="020F0502020204030204" pitchFamily="34" charset="0"/>
+                        </a:rPr>
+                        <a:t>Engagement duration</a:t>
+                      </a:r>
+                    </a:p>
+                  </a:txBody>
+                  <a:tcPr anchor="ctr"/>
+                </a:tc>
+                <a:tc>
+                  <a:txBody>
+                    <a:bodyPr/>
+                    <a:lstStyle/>
+                    <a:p>
+                      <a:pPr algn="ctr"/>
+                      <a:r>
+                        <a:rPr lang="en-US" b="0" i="0" dirty="0">
+                          <a:latin typeface="+mn-lt"/>
+                          <a:cs typeface="Calibri" panose="020F0502020204030204" pitchFamily="34" charset="0"/>
+                        </a:rPr>
+                        <a:t>Minutes</a:t>
+                      </a:r>
+                    </a:p>
+                  </a:txBody>
+                  <a:tcPr anchor="ctr"/>
+                </a:tc>
+                <a:tc>
+                  <a:txBody>
+                    <a:bodyPr/>
+                    <a:lstStyle/>
+                    <a:p>
+                      <a:pPr algn="ctr"/>
+                      <a:r>
+                        <a:rPr lang="en-US" b="0" i="0" dirty="0">
+                          <a:latin typeface="+mn-lt"/>
+                          <a:cs typeface="Calibri" panose="020F0502020204030204" pitchFamily="34" charset="0"/>
+                        </a:rPr>
+                        <a:t>60</a:t>
+                      </a:r>
+                    </a:p>
+                  </a:txBody>
+                  <a:tcPr anchor="ctr"/>
+                </a:tc>
+                <a:tc>
+                  <a:txBody>
+                    <a:bodyPr/>
+                    <a:lstStyle/>
+                    <a:p>
+                      <a:pPr algn="ctr"/>
+                      <a:r>
+                        <a:rPr lang="en-US" b="0" i="0">
+                          <a:latin typeface="+mn-lt"/>
+                          <a:cs typeface="Calibri" panose="020F0502020204030204" pitchFamily="34" charset="0"/>
+                        </a:rPr>
+                        <a:t>75</a:t>
+                      </a:r>
+                    </a:p>
+                  </a:txBody>
+                  <a:tcPr anchor="ctr"/>
+                </a:tc>
+                <a:extLst>
+                  <a:ext uri="{0D108BD9-81ED-4DB2-BD59-A6C34878D82A}">
+                    <a16:rowId xmlns:a16="http://schemas.microsoft.com/office/drawing/2014/main" val="85209771"/>
+                  </a:ext>
+                </a:extLst>
+              </a:tr>
+              <a:tr h="612591">
+                <a:tc>
+                  <a:txBody>
+                    <a:bodyPr/>
+                    <a:lstStyle/>
+                    <a:p>
+                      <a:pPr algn="ctr"/>
+                      <a:r>
+                        <a:rPr lang="en-US" b="0" i="0">
+                          <a:latin typeface="+mn-lt"/>
+                          <a:cs typeface="Calibri" panose="020F0502020204030204" pitchFamily="34" charset="0"/>
+                        </a:rPr>
+                        <a:t>Q&amp;A interaction</a:t>
+                      </a:r>
+                    </a:p>
+                  </a:txBody>
+                  <a:tcPr anchor="ctr"/>
+                </a:tc>
+                <a:tc>
+                  <a:txBody>
+                    <a:bodyPr/>
+                    <a:lstStyle/>
+                    <a:p>
+                      <a:pPr algn="ctr"/>
+                      <a:r>
+                        <a:rPr lang="en-US" b="0" i="0">
+                          <a:latin typeface="+mn-lt"/>
+                          <a:cs typeface="Calibri" panose="020F0502020204030204" pitchFamily="34" charset="0"/>
+                        </a:rPr>
+                        <a:t># of questions</a:t>
+                      </a:r>
+                    </a:p>
+                  </a:txBody>
+                  <a:tcPr anchor="ctr"/>
+                </a:tc>
+                <a:tc>
+                  <a:txBody>
+                    <a:bodyPr/>
+                    <a:lstStyle/>
+                    <a:p>
+                      <a:pPr algn="ctr"/>
+                      <a:r>
+                        <a:rPr lang="en-US" b="0" i="0">
+                          <a:latin typeface="+mn-lt"/>
+                          <a:cs typeface="Calibri" panose="020F0502020204030204" pitchFamily="34" charset="0"/>
+                        </a:rPr>
+                        <a:t>10</a:t>
+                      </a:r>
+                    </a:p>
+                  </a:txBody>
+                  <a:tcPr anchor="ctr"/>
+                </a:tc>
+                <a:tc>
+                  <a:txBody>
+                    <a:bodyPr/>
+                    <a:lstStyle/>
+                    <a:p>
+                      <a:pPr algn="ctr"/>
+                      <a:r>
+                        <a:rPr lang="en-US" b="0" i="0">
+                          <a:latin typeface="+mn-lt"/>
+                          <a:cs typeface="Calibri" panose="020F0502020204030204" pitchFamily="34" charset="0"/>
+                        </a:rPr>
+                        <a:t>15</a:t>
+                      </a:r>
+                    </a:p>
+                  </a:txBody>
+                  <a:tcPr anchor="ctr"/>
+                </a:tc>
+                <a:extLst>
+                  <a:ext uri="{0D108BD9-81ED-4DB2-BD59-A6C34878D82A}">
+                    <a16:rowId xmlns:a16="http://schemas.microsoft.com/office/drawing/2014/main" val="4061031278"/>
+                  </a:ext>
+                </a:extLst>
+              </a:tr>
+              <a:tr h="612591">
+                <a:tc>
+                  <a:txBody>
+                    <a:bodyPr/>
+                    <a:lstStyle/>
+                    <a:p>
+                      <a:pPr algn="ctr"/>
+                      <a:r>
+                        <a:rPr lang="en-US" b="0" i="0">
+                          <a:latin typeface="+mn-lt"/>
+                          <a:cs typeface="Calibri" panose="020F0502020204030204" pitchFamily="34" charset="0"/>
+                        </a:rPr>
+                        <a:t>Positive feedback</a:t>
+                      </a:r>
+                    </a:p>
+                  </a:txBody>
+                  <a:tcPr anchor="ctr"/>
+                </a:tc>
+                <a:tc>
+                  <a:txBody>
+                    <a:bodyPr/>
+                    <a:lstStyle/>
+                    <a:p>
+                      <a:pPr algn="ctr"/>
+                      <a:r>
+                        <a:rPr lang="en-US" b="0" i="0" dirty="0">
+                          <a:latin typeface="+mn-lt"/>
+                          <a:cs typeface="Calibri" panose="020F0502020204030204" pitchFamily="34" charset="0"/>
+                        </a:rPr>
+                        <a:t>Percentage (%)</a:t>
+                      </a:r>
+                    </a:p>
+                  </a:txBody>
+                  <a:tcPr anchor="ctr"/>
+                </a:tc>
+                <a:tc>
+                  <a:txBody>
+                    <a:bodyPr/>
+                    <a:lstStyle/>
+                    <a:p>
+                      <a:pPr algn="ctr"/>
+                      <a:r>
+                        <a:rPr lang="en-US" b="0" i="0">
+                          <a:latin typeface="+mn-lt"/>
+                          <a:cs typeface="Calibri" panose="020F0502020204030204" pitchFamily="34" charset="0"/>
+                        </a:rPr>
+                        <a:t>90</a:t>
+                      </a:r>
+                    </a:p>
+                  </a:txBody>
+                  <a:tcPr anchor="ctr"/>
+                </a:tc>
+                <a:tc>
+                  <a:txBody>
+                    <a:bodyPr/>
+                    <a:lstStyle/>
+                    <a:p>
+                      <a:pPr algn="ctr"/>
+                      <a:r>
+                        <a:rPr lang="en-US" b="0" i="0">
+                          <a:latin typeface="+mn-lt"/>
+                          <a:cs typeface="Calibri" panose="020F0502020204030204" pitchFamily="34" charset="0"/>
+                        </a:rPr>
+                        <a:t>95</a:t>
+                      </a:r>
+                    </a:p>
+                  </a:txBody>
+                  <a:tcPr anchor="ctr"/>
+                </a:tc>
+                <a:extLst>
+                  <a:ext uri="{0D108BD9-81ED-4DB2-BD59-A6C34878D82A}">
+                    <a16:rowId xmlns:a16="http://schemas.microsoft.com/office/drawing/2014/main" val="3591840781"/>
+                  </a:ext>
+                </a:extLst>
+              </a:tr>
+              <a:tr h="782030">
+                <a:tc>
+                  <a:txBody>
+                    <a:bodyPr/>
+                    <a:lstStyle/>
+                    <a:p>
+                      <a:pPr algn="ctr"/>
+                      <a:r>
+                        <a:rPr lang="en-US" b="0" i="0">
+                          <a:latin typeface="+mn-lt"/>
+                          <a:cs typeface="Calibri" panose="020F0502020204030204" pitchFamily="34" charset="0"/>
+                        </a:rPr>
+                        <a:t>Rate of information retention</a:t>
+                      </a:r>
+                    </a:p>
+                  </a:txBody>
+                  <a:tcPr anchor="ctr"/>
+                </a:tc>
+                <a:tc>
+                  <a:txBody>
+                    <a:bodyPr/>
+                    <a:lstStyle/>
+                    <a:p>
+                      <a:pPr algn="ctr"/>
+                      <a:r>
+                        <a:rPr lang="en-US" b="0" i="0">
+                          <a:latin typeface="+mn-lt"/>
+                          <a:cs typeface="Calibri" panose="020F0502020204030204" pitchFamily="34" charset="0"/>
+                        </a:rPr>
+                        <a:t>Percentage (%)</a:t>
+                      </a:r>
+                    </a:p>
+                  </a:txBody>
+                  <a:tcPr anchor="ctr"/>
+                </a:tc>
+                <a:tc>
+                  <a:txBody>
+                    <a:bodyPr/>
+                    <a:lstStyle/>
+                    <a:p>
+                      <a:pPr algn="ctr"/>
+                      <a:r>
+                        <a:rPr lang="en-US" b="0" i="0" dirty="0">
+                          <a:latin typeface="+mn-lt"/>
+                          <a:cs typeface="Calibri" panose="020F0502020204030204" pitchFamily="34" charset="0"/>
+                        </a:rPr>
+                        <a:t>80</a:t>
+                      </a:r>
+                    </a:p>
+                  </a:txBody>
+                  <a:tcPr anchor="ctr"/>
+                </a:tc>
+                <a:tc>
+                  <a:txBody>
+                    <a:bodyPr/>
+                    <a:lstStyle/>
+                    <a:p>
+                      <a:pPr algn="ctr"/>
+                      <a:r>
+                        <a:rPr lang="en-US" b="0" i="0" dirty="0">
+                          <a:latin typeface="+mn-lt"/>
+                          <a:cs typeface="Calibri" panose="020F0502020204030204" pitchFamily="34" charset="0"/>
+                        </a:rPr>
+                        <a:t>85</a:t>
+                      </a:r>
+                    </a:p>
+                  </a:txBody>
+                  <a:tcPr anchor="ctr"/>
+                </a:tc>
+                <a:extLst>
+                  <a:ext uri="{0D108BD9-81ED-4DB2-BD59-A6C34878D82A}">
+                    <a16:rowId xmlns:a16="http://schemas.microsoft.com/office/drawing/2014/main" val="335389741"/>
+                  </a:ext>
+                </a:extLst>
+              </a:tr>
+            </a:tbl>
+          </a:graphicData>
+        </a:graphic>
+      </p:graphicFrame>
+    </p:spTree>
+    <p:extLst>
+      <p:ext uri="{BB962C8B-B14F-4D97-AF65-F5344CB8AC3E}">
+        <p14:creationId xmlns:p14="http://schemas.microsoft.com/office/powerpoint/2010/main" val="4259977132"/>
+      </p:ext>
+    </p:extLst>
+  </p:cSld>
+  <p:clrMapOvr>
+    <a:masterClrMapping/>
+  </p:clrMapOvr>
+</p:sld>
+</file>
+
+<file path=ppt/slides/slide16.xml><?xml version="1.0" encoding="utf-8"?>
+<p:sld xmlns:a="http://schemas.openxmlformats.org/drawingml/2006/main" xmlns:r="http://schemas.openxmlformats.org/officeDocument/2006/relationships" xmlns:p="http://schemas.openxmlformats.org/presentationml/2006/main" show="0">
+  <p:cSld>
+    <p:spTree>
+      <p:nvGrpSpPr>
+        <p:cNvPr id="1" name="">
+          <a:extLst>
+            <a:ext uri="{FF2B5EF4-FFF2-40B4-BE49-F238E27FC236}">
+              <a16:creationId xmlns:a16="http://schemas.microsoft.com/office/drawing/2014/main" id="{BB155A20-11B0-569E-90E8-E65A5FBCF1B0}"/>
+            </a:ext>
+          </a:extLst>
+        </p:cNvPr>
+        <p:cNvGrpSpPr/>
+        <p:nvPr/>
+      </p:nvGrpSpPr>
+      <p:grpSpPr>
+        <a:xfrm>
+          <a:off x="0" y="0"/>
+          <a:ext cx="0" cy="0"/>
+          <a:chOff x="0" y="0"/>
+          <a:chExt cx="0" cy="0"/>
+        </a:xfrm>
+      </p:grpSpPr>
+      <p:pic>
+        <p:nvPicPr>
+          <p:cNvPr id="4" name="Picture Placeholder 7" descr="close up of computer code">
+            <a:extLst>
+              <a:ext uri="{FF2B5EF4-FFF2-40B4-BE49-F238E27FC236}">
+                <a16:creationId xmlns:a16="http://schemas.microsoft.com/office/drawing/2014/main" id="{DC5DAD4B-44B7-6E3A-1DA1-F60524EFF6CD}"/>
+              </a:ext>
+            </a:extLst>
+          </p:cNvPr>
+          <p:cNvPicPr>
+            <a:picLocks noGrp="1" noChangeAspect="1"/>
+          </p:cNvPicPr>
+          <p:nvPr>
+            <p:ph type="pic" sz="quarter" idx="10"/>
+          </p:nvPr>
+        </p:nvPicPr>
+        <p:blipFill rotWithShape="1">
+          <a:blip r:embed="rId3">
+            <a:alphaModFix amt="40000"/>
+            <a:extLst>
+              <a:ext uri="{BEBA8EAE-BF5A-486C-A8C5-ECC9F3942E4B}">
+                <a14:imgProps xmlns:a14="http://schemas.microsoft.com/office/drawing/2010/main">
+                  <a14:imgLayer r:embed="rId4">
+                    <a14:imgEffect>
+                      <a14:saturation sat="0"/>
+                    </a14:imgEffect>
+                  </a14:imgLayer>
+                </a14:imgProps>
+              </a:ext>
+            </a:extLst>
+          </a:blip>
+          <a:srcRect t="7813" b="7813"/>
+          <a:stretch/>
+        </p:blipFill>
+        <p:spPr>
+          <a:xfrm>
+            <a:off x="0" y="0"/>
+            <a:ext cx="12192000" cy="6858000"/>
+          </a:xfrm>
+        </p:spPr>
+      </p:pic>
+      <p:sp>
+        <p:nvSpPr>
+          <p:cNvPr id="3" name="Title 2">
+            <a:extLst>
+              <a:ext uri="{FF2B5EF4-FFF2-40B4-BE49-F238E27FC236}">
+                <a16:creationId xmlns:a16="http://schemas.microsoft.com/office/drawing/2014/main" id="{138A4238-E6E8-AA61-3C7B-E264FC0AC26E}"/>
+              </a:ext>
+            </a:extLst>
+          </p:cNvPr>
+          <p:cNvSpPr>
+            <a:spLocks noGrp="1"/>
+          </p:cNvSpPr>
+          <p:nvPr>
+            <p:ph type="ctrTitle"/>
+          </p:nvPr>
+        </p:nvSpPr>
+        <p:spPr>
+          <a:xfrm>
+            <a:off x="1524000" y="2286000"/>
+            <a:ext cx="9144000" cy="2286000"/>
+          </a:xfrm>
+        </p:spPr>
+        <p:txBody>
+          <a:bodyPr/>
+          <a:lstStyle/>
+          <a:p>
+            <a:r>
+              <a:rPr lang="en-US" dirty="0">
+                <a:latin typeface="Inconsolata" pitchFamily="49" charset="77"/>
+                <a:ea typeface="Inconsolata" pitchFamily="49" charset="77"/>
+              </a:rPr>
+              <a:t>Face recognition demo: </a:t>
+            </a:r>
+            <a:br>
+              <a:rPr lang="en-US" dirty="0">
+                <a:latin typeface="Inconsolata" pitchFamily="49" charset="77"/>
+                <a:ea typeface="Inconsolata" pitchFamily="49" charset="77"/>
+              </a:rPr>
+            </a:br>
+            <a:r>
+              <a:rPr lang="en-US" dirty="0" err="1">
+                <a:latin typeface="Inconsolata" pitchFamily="49" charset="77"/>
+                <a:ea typeface="Inconsolata" pitchFamily="49" charset="77"/>
+              </a:rPr>
+              <a:t>Pca</a:t>
+            </a:r>
+            <a:r>
+              <a:rPr lang="en-US" dirty="0">
+                <a:latin typeface="Inconsolata" pitchFamily="49" charset="77"/>
+                <a:ea typeface="Inconsolata" pitchFamily="49" charset="77"/>
+              </a:rPr>
+              <a:t> in action</a:t>
+            </a:r>
+          </a:p>
+        </p:txBody>
+      </p:sp>
+    </p:spTree>
+    <p:extLst>
+      <p:ext uri="{BB962C8B-B14F-4D97-AF65-F5344CB8AC3E}">
+        <p14:creationId xmlns:p14="http://schemas.microsoft.com/office/powerpoint/2010/main" val="592784728"/>
+      </p:ext>
+    </p:extLst>
+  </p:cSld>
+  <p:clrMapOvr>
+    <a:masterClrMapping/>
+  </p:clrMapOvr>
+</p:sld>
+</file>
+
+<file path=ppt/slides/slide17.xml><?xml version="1.0" encoding="utf-8"?>
+<p:sld xmlns:a="http://schemas.openxmlformats.org/drawingml/2006/main" xmlns:r="http://schemas.openxmlformats.org/officeDocument/2006/relationships" xmlns:p="http://schemas.openxmlformats.org/presentationml/2006/main" show="0">
+  <p:cSld>
+    <p:spTree>
+      <p:nvGrpSpPr>
+        <p:cNvPr id="1" name=""/>
+        <p:cNvGrpSpPr/>
+        <p:nvPr/>
+      </p:nvGrpSpPr>
+      <p:grpSpPr>
+        <a:xfrm>
+          <a:off x="0" y="0"/>
+          <a:ext cx="0" cy="0"/>
+          <a:chOff x="0" y="0"/>
+          <a:chExt cx="0" cy="0"/>
+        </a:xfrm>
+      </p:grpSpPr>
+      <p:sp>
+        <p:nvSpPr>
+          <p:cNvPr id="2" name="Title 1">
+            <a:extLst>
+              <a:ext uri="{FF2B5EF4-FFF2-40B4-BE49-F238E27FC236}">
+                <a16:creationId xmlns:a16="http://schemas.microsoft.com/office/drawing/2014/main" id="{5D030A76-B788-B363-104E-266B7C7F7208}"/>
+              </a:ext>
+            </a:extLst>
+          </p:cNvPr>
+          <p:cNvSpPr>
+            <a:spLocks noGrp="1"/>
+          </p:cNvSpPr>
+          <p:nvPr>
+            <p:ph type="title"/>
+          </p:nvPr>
+        </p:nvSpPr>
+        <p:spPr>
+          <a:xfrm>
+            <a:off x="838200" y="365760"/>
+            <a:ext cx="10515600" cy="1325563"/>
+          </a:xfrm>
+          <a:noFill/>
+        </p:spPr>
+        <p:txBody>
+          <a:bodyPr anchor="ctr"/>
+          <a:lstStyle/>
+          <a:p>
+            <a:r>
+              <a:rPr lang="en-US" dirty="0"/>
+              <a:t>FINAL TIPS &amp; TAKEAWAYS</a:t>
+            </a:r>
+          </a:p>
+        </p:txBody>
+      </p:sp>
+      <p:sp>
+        <p:nvSpPr>
+          <p:cNvPr id="3" name="Content Placeholder 2">
+            <a:extLst>
+              <a:ext uri="{FF2B5EF4-FFF2-40B4-BE49-F238E27FC236}">
+                <a16:creationId xmlns:a16="http://schemas.microsoft.com/office/drawing/2014/main" id="{05948542-FCE1-3AE6-C6C9-17975609DF70}"/>
+              </a:ext>
+            </a:extLst>
+          </p:cNvPr>
+          <p:cNvSpPr>
+            <a:spLocks noGrp="1"/>
+          </p:cNvSpPr>
+          <p:nvPr>
+            <p:ph sz="quarter" idx="15"/>
+          </p:nvPr>
+        </p:nvSpPr>
+        <p:spPr>
+          <a:xfrm>
+            <a:off x="838200" y="1790329"/>
+            <a:ext cx="5134335" cy="4113054"/>
+          </a:xfrm>
+          <a:noFill/>
+        </p:spPr>
+        <p:txBody>
+          <a:bodyPr vert="horz" lIns="91440" tIns="45720" rIns="91440" bIns="45720" rtlCol="0" anchor="t">
+            <a:normAutofit lnSpcReduction="10000"/>
+          </a:bodyPr>
+          <a:lstStyle/>
+          <a:p>
+            <a:r>
+              <a:rPr lang="en-US" dirty="0"/>
+              <a:t>Consistent rehearsal</a:t>
+            </a:r>
+          </a:p>
+          <a:p>
+            <a:pPr lvl="1"/>
+            <a:r>
+              <a:rPr lang="en-US" dirty="0"/>
+              <a:t>Strengthen your familiarity</a:t>
+            </a:r>
+          </a:p>
+          <a:p>
+            <a:r>
+              <a:rPr lang="en-US" dirty="0"/>
+              <a:t>Refine delivery style</a:t>
+            </a:r>
+          </a:p>
+          <a:p>
+            <a:pPr lvl="1"/>
+            <a:r>
+              <a:rPr lang="en-US" dirty="0"/>
+              <a:t>Pacing, tone, and emphasis</a:t>
+            </a:r>
+          </a:p>
+          <a:p>
+            <a:r>
+              <a:rPr lang="en-US" dirty="0"/>
+              <a:t>Timing and transitions</a:t>
+            </a:r>
+          </a:p>
+          <a:p>
+            <a:pPr lvl="1"/>
+            <a:r>
+              <a:rPr lang="en-US" dirty="0"/>
+              <a:t>Aim for seamless, professional delivery</a:t>
+            </a:r>
+          </a:p>
+          <a:p>
+            <a:r>
+              <a:rPr lang="en-US" dirty="0"/>
+              <a:t>Practice audience</a:t>
+            </a:r>
+          </a:p>
+          <a:p>
+            <a:pPr lvl="1"/>
+            <a:r>
+              <a:rPr lang="en-US" dirty="0"/>
+              <a:t>Enlist colleagues to listen &amp; provide feedback</a:t>
+            </a:r>
+          </a:p>
+          <a:p>
+            <a:pPr lvl="1"/>
+            <a:endParaRPr lang="en-US" dirty="0"/>
+          </a:p>
+        </p:txBody>
+      </p:sp>
+      <p:sp>
+        <p:nvSpPr>
+          <p:cNvPr id="4" name="Content Placeholder 3">
+            <a:extLst>
+              <a:ext uri="{FF2B5EF4-FFF2-40B4-BE49-F238E27FC236}">
+                <a16:creationId xmlns:a16="http://schemas.microsoft.com/office/drawing/2014/main" id="{3EE67564-0457-E486-97D0-8109D2C97B3F}"/>
+              </a:ext>
+            </a:extLst>
+          </p:cNvPr>
+          <p:cNvSpPr>
+            <a:spLocks noGrp="1"/>
+          </p:cNvSpPr>
+          <p:nvPr>
+            <p:ph sz="quarter" idx="16"/>
+          </p:nvPr>
+        </p:nvSpPr>
+        <p:spPr>
+          <a:xfrm>
+            <a:off x="6219464" y="1790329"/>
+            <a:ext cx="5134335" cy="4113054"/>
+          </a:xfrm>
+          <a:noFill/>
+        </p:spPr>
+        <p:txBody>
+          <a:bodyPr>
+            <a:normAutofit/>
+          </a:bodyPr>
+          <a:lstStyle/>
+          <a:p>
+            <a:r>
+              <a:rPr lang="en-US" dirty="0"/>
+              <a:t>Seek feedback</a:t>
+            </a:r>
+          </a:p>
+          <a:p>
+            <a:r>
+              <a:rPr lang="en-US" dirty="0"/>
+              <a:t>Reflect on performance</a:t>
+            </a:r>
+          </a:p>
+          <a:p>
+            <a:r>
+              <a:rPr lang="en-US" dirty="0"/>
+              <a:t>Explore new techniques</a:t>
+            </a:r>
+          </a:p>
+          <a:p>
+            <a:r>
+              <a:rPr lang="en-US" dirty="0"/>
+              <a:t>Set personal goals</a:t>
+            </a:r>
+          </a:p>
+          <a:p>
+            <a:r>
+              <a:rPr lang="en-US" dirty="0"/>
+              <a:t>Iterate and adapt</a:t>
+            </a:r>
+          </a:p>
+        </p:txBody>
+      </p:sp>
+      <p:sp>
+        <p:nvSpPr>
+          <p:cNvPr id="5" name="Rectangle 4">
+            <a:extLst>
+              <a:ext uri="{FF2B5EF4-FFF2-40B4-BE49-F238E27FC236}">
+                <a16:creationId xmlns:a16="http://schemas.microsoft.com/office/drawing/2014/main" id="{3EE39F69-A1C6-AF25-B91E-7EEE8ED9E9D8}"/>
+              </a:ext>
+              <a:ext uri="{C183D7F6-B498-43B3-948B-1728B52AA6E4}">
+                <adec:decorative xmlns:adec="http://schemas.microsoft.com/office/drawing/2017/decorative" val="1"/>
+              </a:ext>
+            </a:extLst>
+          </p:cNvPr>
+          <p:cNvSpPr/>
+          <p:nvPr/>
+        </p:nvSpPr>
+        <p:spPr>
+          <a:xfrm>
+            <a:off x="0" y="6303963"/>
+            <a:ext cx="12192000" cy="554037"/>
+          </a:xfrm>
+          <a:prstGeom prst="rect">
+            <a:avLst/>
+          </a:prstGeom>
+          <a:gradFill flip="none" rotWithShape="1">
+            <a:gsLst>
+              <a:gs pos="0">
+                <a:schemeClr val="accent5"/>
+              </a:gs>
+              <a:gs pos="100000">
+                <a:schemeClr val="accent2">
+                  <a:lumMod val="97000"/>
+                  <a:lumOff val="3000"/>
+                </a:schemeClr>
+              </a:gs>
+              <a:gs pos="50000">
+                <a:schemeClr val="accent1"/>
+              </a:gs>
+            </a:gsLst>
+            <a:lin ang="10800000" scaled="1"/>
+            <a:tileRect/>
+          </a:gradFill>
+          <a:ln>
+            <a:noFill/>
+          </a:ln>
+        </p:spPr>
+        <p:style>
+          <a:lnRef idx="2">
+            <a:schemeClr val="accent1">
+              <a:shade val="50000"/>
+            </a:schemeClr>
+          </a:lnRef>
+          <a:fillRef idx="1">
+            <a:schemeClr val="accent1"/>
+          </a:fillRef>
+          <a:effectRef idx="0">
+            <a:schemeClr val="accent1"/>
+          </a:effectRef>
+          <a:fontRef idx="minor">
+            <a:schemeClr val="lt1"/>
+          </a:fontRef>
+        </p:style>
+        <p:txBody>
+          <a:bodyPr rtlCol="0" anchor="ctr">
+            <a:noAutofit/>
+          </a:bodyPr>
+          <a:lstStyle/>
+          <a:p>
+            <a:pPr algn="ctr"/>
+            <a:endParaRPr lang="en-US" dirty="0"/>
+          </a:p>
+        </p:txBody>
+      </p:sp>
+    </p:spTree>
+    <p:extLst>
+      <p:ext uri="{BB962C8B-B14F-4D97-AF65-F5344CB8AC3E}">
+        <p14:creationId xmlns:p14="http://schemas.microsoft.com/office/powerpoint/2010/main" val="643777997"/>
+      </p:ext>
+    </p:extLst>
+  </p:cSld>
+  <p:clrMapOvr>
+    <a:masterClrMapping/>
+  </p:clrMapOvr>
+</p:sld>
+</file>
+
+<file path=ppt/slides/slide18.xml><?xml version="1.0" encoding="utf-8"?>
+<p:sld xmlns:a="http://schemas.openxmlformats.org/drawingml/2006/main" xmlns:r="http://schemas.openxmlformats.org/officeDocument/2006/relationships" xmlns:p="http://schemas.openxmlformats.org/presentationml/2006/main" show="0">
   <p:cSld>
     <p:spTree>
       <p:nvGrpSpPr>
@@ -6600,97 +9214,6 @@
 </p:sld>
 </file>
 
-<file path=ppt/slides/slide11.xml><?xml version="1.0" encoding="utf-8"?>
-<p:sld xmlns:a="http://schemas.openxmlformats.org/drawingml/2006/main" xmlns:r="http://schemas.openxmlformats.org/officeDocument/2006/relationships" xmlns:p="http://schemas.openxmlformats.org/presentationml/2006/main">
-  <p:cSld>
-    <p:spTree>
-      <p:nvGrpSpPr>
-        <p:cNvPr id="1" name=""/>
-        <p:cNvGrpSpPr/>
-        <p:nvPr/>
-      </p:nvGrpSpPr>
-      <p:grpSpPr>
-        <a:xfrm>
-          <a:off x="0" y="0"/>
-          <a:ext cx="0" cy="0"/>
-          <a:chOff x="0" y="0"/>
-          <a:chExt cx="0" cy="0"/>
-        </a:xfrm>
-      </p:grpSpPr>
-      <p:pic>
-        <p:nvPicPr>
-          <p:cNvPr id="5" name="Picture Placeholder 11" descr="A close up of dots&#10;">
-            <a:extLst>
-              <a:ext uri="{FF2B5EF4-FFF2-40B4-BE49-F238E27FC236}">
-                <a16:creationId xmlns:a16="http://schemas.microsoft.com/office/drawing/2014/main" id="{030E03B4-DAB0-F43D-4B1C-C54F75E621A1}"/>
-              </a:ext>
-            </a:extLst>
-          </p:cNvPr>
-          <p:cNvPicPr>
-            <a:picLocks noGrp="1" noChangeAspect="1"/>
-          </p:cNvPicPr>
-          <p:nvPr>
-            <p:ph type="pic" sz="quarter" idx="11"/>
-          </p:nvPr>
-        </p:nvPicPr>
-        <p:blipFill>
-          <a:blip r:embed="rId2"/>
-          <a:srcRect/>
-          <a:stretch/>
-        </p:blipFill>
-        <p:spPr>
-          <a:xfrm>
-            <a:off x="0" y="0"/>
-            <a:ext cx="12192000" cy="6858000"/>
-          </a:xfrm>
-        </p:spPr>
-      </p:pic>
-      <p:sp>
-        <p:nvSpPr>
-          <p:cNvPr id="7" name="Title 6">
-            <a:extLst>
-              <a:ext uri="{FF2B5EF4-FFF2-40B4-BE49-F238E27FC236}">
-                <a16:creationId xmlns:a16="http://schemas.microsoft.com/office/drawing/2014/main" id="{4AB1CD4B-2C7F-1593-8E69-B7450F3DCAD6}"/>
-              </a:ext>
-            </a:extLst>
-          </p:cNvPr>
-          <p:cNvSpPr>
-            <a:spLocks noGrp="1"/>
-          </p:cNvSpPr>
-          <p:nvPr>
-            <p:ph type="title"/>
-          </p:nvPr>
-        </p:nvSpPr>
-        <p:spPr>
-          <a:xfrm>
-            <a:off x="1362436" y="3052046"/>
-            <a:ext cx="9467127" cy="753908"/>
-          </a:xfrm>
-        </p:spPr>
-        <p:txBody>
-          <a:bodyPr/>
-          <a:lstStyle/>
-          <a:p>
-            <a:r>
-              <a:rPr lang="en-US" dirty="0"/>
-              <a:t>THANK YOU</a:t>
-            </a:r>
-          </a:p>
-        </p:txBody>
-      </p:sp>
-    </p:spTree>
-    <p:extLst>
-      <p:ext uri="{BB962C8B-B14F-4D97-AF65-F5344CB8AC3E}">
-        <p14:creationId xmlns:p14="http://schemas.microsoft.com/office/powerpoint/2010/main" val="2184472291"/>
-      </p:ext>
-    </p:extLst>
-  </p:cSld>
-  <p:clrMapOvr>
-    <a:masterClrMapping/>
-  </p:clrMapOvr>
-</p:sld>
-</file>
-
 <file path=ppt/slides/slide2.xml><?xml version="1.0" encoding="utf-8"?>
 <p:sld xmlns:a="http://schemas.openxmlformats.org/drawingml/2006/main" xmlns:r="http://schemas.openxmlformats.org/officeDocument/2006/relationships" xmlns:p="http://schemas.openxmlformats.org/presentationml/2006/main">
   <p:cSld>
@@ -6821,25 +9344,30 @@
           <a:p>
             <a:r>
               <a:rPr lang="en-US" dirty="0"/>
-              <a:t>BUILDING CONFIDENCE</a:t>
-            </a:r>
+              <a:t>Principal Component </a:t>
+            </a:r>
+            <a:r>
+              <a:rPr lang="en-US" dirty="0" err="1"/>
+              <a:t>ANAlysis</a:t>
+            </a:r>
+            <a:endParaRPr lang="en-US" dirty="0"/>
           </a:p>
           <a:p>
             <a:r>
               <a:rPr lang="en-US" dirty="0"/>
-              <a:t>ENGAGING THE AUDIENCE</a:t>
+              <a:t>How PCA Learns from Face Space</a:t>
             </a:r>
           </a:p>
           <a:p>
             <a:r>
               <a:rPr lang="en-US" dirty="0"/>
-              <a:t>VISUAL AIDS</a:t>
+              <a:t>Algorithm Explanation</a:t>
             </a:r>
           </a:p>
           <a:p>
             <a:r>
               <a:rPr lang="en-US" dirty="0"/>
-              <a:t>FINAL TIPS &amp; TAKEAWAYS</a:t>
+              <a:t>DEMO</a:t>
             </a:r>
           </a:p>
         </p:txBody>
@@ -6874,215 +9402,6 @@
           <a:chExt cx="0" cy="0"/>
         </a:xfrm>
       </p:grpSpPr>
-      <p:pic>
-        <p:nvPicPr>
-          <p:cNvPr id="4" name="Picture Placeholder 7" descr="close up of computer code">
-            <a:extLst>
-              <a:ext uri="{FF2B5EF4-FFF2-40B4-BE49-F238E27FC236}">
-                <a16:creationId xmlns:a16="http://schemas.microsoft.com/office/drawing/2014/main" id="{94D43AA7-0244-2FEB-86AC-B5DECE0232D8}"/>
-              </a:ext>
-            </a:extLst>
-          </p:cNvPr>
-          <p:cNvPicPr>
-            <a:picLocks noGrp="1" noChangeAspect="1"/>
-          </p:cNvPicPr>
-          <p:nvPr>
-            <p:ph type="pic" sz="quarter" idx="10"/>
-          </p:nvPr>
-        </p:nvPicPr>
-        <p:blipFill rotWithShape="1">
-          <a:blip r:embed="rId3">
-            <a:alphaModFix amt="40000"/>
-            <a:extLst>
-              <a:ext uri="{BEBA8EAE-BF5A-486C-A8C5-ECC9F3942E4B}">
-                <a14:imgProps xmlns:a14="http://schemas.microsoft.com/office/drawing/2010/main">
-                  <a14:imgLayer r:embed="rId4">
-                    <a14:imgEffect>
-                      <a14:saturation sat="0"/>
-                    </a14:imgEffect>
-                  </a14:imgLayer>
-                </a14:imgProps>
-              </a:ext>
-            </a:extLst>
-          </a:blip>
-          <a:srcRect t="7813" b="7813"/>
-          <a:stretch/>
-        </p:blipFill>
-        <p:spPr>
-          <a:xfrm>
-            <a:off x="0" y="0"/>
-            <a:ext cx="12192000" cy="6858000"/>
-          </a:xfrm>
-        </p:spPr>
-      </p:pic>
-      <p:sp>
-        <p:nvSpPr>
-          <p:cNvPr id="3" name="Title 2">
-            <a:extLst>
-              <a:ext uri="{FF2B5EF4-FFF2-40B4-BE49-F238E27FC236}">
-                <a16:creationId xmlns:a16="http://schemas.microsoft.com/office/drawing/2014/main" id="{B2F3FA79-DE26-1F2A-0CF7-5671B73C8B6F}"/>
-              </a:ext>
-            </a:extLst>
-          </p:cNvPr>
-          <p:cNvSpPr>
-            <a:spLocks noGrp="1"/>
-          </p:cNvSpPr>
-          <p:nvPr>
-            <p:ph type="ctrTitle"/>
-          </p:nvPr>
-        </p:nvSpPr>
-        <p:spPr>
-          <a:xfrm>
-            <a:off x="1524000" y="2286000"/>
-            <a:ext cx="9144000" cy="2286000"/>
-          </a:xfrm>
-        </p:spPr>
-        <p:txBody>
-          <a:bodyPr/>
-          <a:lstStyle/>
-          <a:p>
-            <a:r>
-              <a:rPr lang="en-US" dirty="0">
-                <a:latin typeface="Inconsolata" pitchFamily="49" charset="77"/>
-                <a:ea typeface="Inconsolata" pitchFamily="49" charset="77"/>
-              </a:rPr>
-              <a:t>Principal component analysis (PCA)</a:t>
-            </a:r>
-          </a:p>
-        </p:txBody>
-      </p:sp>
-    </p:spTree>
-    <p:extLst>
-      <p:ext uri="{BB962C8B-B14F-4D97-AF65-F5344CB8AC3E}">
-        <p14:creationId xmlns:p14="http://schemas.microsoft.com/office/powerpoint/2010/main" val="467869221"/>
-      </p:ext>
-    </p:extLst>
-  </p:cSld>
-  <p:clrMapOvr>
-    <a:masterClrMapping/>
-  </p:clrMapOvr>
-</p:sld>
-</file>
-
-<file path=ppt/slides/slide4.xml><?xml version="1.0" encoding="utf-8"?>
-<p:sld xmlns:a="http://schemas.openxmlformats.org/drawingml/2006/main" xmlns:r="http://schemas.openxmlformats.org/officeDocument/2006/relationships" xmlns:p="http://schemas.openxmlformats.org/presentationml/2006/main">
-  <p:cSld>
-    <p:spTree>
-      <p:nvGrpSpPr>
-        <p:cNvPr id="1" name=""/>
-        <p:cNvGrpSpPr/>
-        <p:nvPr/>
-      </p:nvGrpSpPr>
-      <p:grpSpPr>
-        <a:xfrm>
-          <a:off x="0" y="0"/>
-          <a:ext cx="0" cy="0"/>
-          <a:chOff x="0" y="0"/>
-          <a:chExt cx="0" cy="0"/>
-        </a:xfrm>
-      </p:grpSpPr>
-      <p:sp>
-        <p:nvSpPr>
-          <p:cNvPr id="2" name="Title 1">
-            <a:extLst>
-              <a:ext uri="{FF2B5EF4-FFF2-40B4-BE49-F238E27FC236}">
-                <a16:creationId xmlns:a16="http://schemas.microsoft.com/office/drawing/2014/main" id="{BF463CB3-2956-E8D2-C23D-A3BAA7295DEC}"/>
-              </a:ext>
-            </a:extLst>
-          </p:cNvPr>
-          <p:cNvSpPr>
-            <a:spLocks noGrp="1"/>
-          </p:cNvSpPr>
-          <p:nvPr>
-            <p:ph type="ctrTitle"/>
-          </p:nvPr>
-        </p:nvSpPr>
-        <p:spPr>
-          <a:xfrm>
-            <a:off x="1524000" y="1143000"/>
-            <a:ext cx="9144000" cy="2286000"/>
-          </a:xfrm>
-          <a:noFill/>
-        </p:spPr>
-        <p:txBody>
-          <a:bodyPr/>
-          <a:lstStyle/>
-          <a:p>
-            <a:r>
-              <a:rPr lang="en-US" dirty="0"/>
-              <a:t>Quick recap: what is </a:t>
-            </a:r>
-            <a:r>
-              <a:rPr lang="en-US" dirty="0" err="1"/>
-              <a:t>pca</a:t>
-            </a:r>
-            <a:endParaRPr lang="en-US" dirty="0"/>
-          </a:p>
-        </p:txBody>
-      </p:sp>
-      <p:sp>
-        <p:nvSpPr>
-          <p:cNvPr id="12" name="Subtitle 11">
-            <a:extLst>
-              <a:ext uri="{FF2B5EF4-FFF2-40B4-BE49-F238E27FC236}">
-                <a16:creationId xmlns:a16="http://schemas.microsoft.com/office/drawing/2014/main" id="{A336FEA9-C85A-3569-16F0-5ECBABBE0BEC}"/>
-              </a:ext>
-            </a:extLst>
-          </p:cNvPr>
-          <p:cNvSpPr>
-            <a:spLocks noGrp="1"/>
-          </p:cNvSpPr>
-          <p:nvPr>
-            <p:ph type="subTitle" idx="1"/>
-          </p:nvPr>
-        </p:nvSpPr>
-        <p:spPr>
-          <a:xfrm>
-            <a:off x="1524000" y="3835198"/>
-            <a:ext cx="9144000" cy="683219"/>
-          </a:xfrm>
-        </p:spPr>
-        <p:txBody>
-          <a:bodyPr/>
-          <a:lstStyle/>
-          <a:p>
-            <a:r>
-              <a:rPr lang="en-US" dirty="0"/>
-              <a:t>ENHANCING YOUR PRESENTATION</a:t>
-            </a:r>
-          </a:p>
-        </p:txBody>
-      </p:sp>
-    </p:spTree>
-    <p:extLst>
-      <p:ext uri="{BB962C8B-B14F-4D97-AF65-F5344CB8AC3E}">
-        <p14:creationId xmlns:p14="http://schemas.microsoft.com/office/powerpoint/2010/main" val="1679936628"/>
-      </p:ext>
-    </p:extLst>
-  </p:cSld>
-  <p:clrMapOvr>
-    <a:masterClrMapping/>
-  </p:clrMapOvr>
-</p:sld>
-</file>
-
-<file path=ppt/slides/slide5.xml><?xml version="1.0" encoding="utf-8"?>
-<p:sld xmlns:a="http://schemas.openxmlformats.org/drawingml/2006/main" xmlns:r="http://schemas.openxmlformats.org/officeDocument/2006/relationships" xmlns:p="http://schemas.openxmlformats.org/presentationml/2006/main">
-  <p:cSld>
-    <p:spTree>
-      <p:nvGrpSpPr>
-        <p:cNvPr id="1" name=""/>
-        <p:cNvGrpSpPr/>
-        <p:nvPr/>
-      </p:nvGrpSpPr>
-      <p:grpSpPr>
-        <a:xfrm>
-          <a:off x="0" y="0"/>
-          <a:ext cx="0" cy="0"/>
-          <a:chOff x="0" y="0"/>
-          <a:chExt cx="0" cy="0"/>
-        </a:xfrm>
-      </p:grpSpPr>
       <p:sp>
         <p:nvSpPr>
           <p:cNvPr id="2" name="Title 1">
@@ -7110,7 +9429,10 @@
           <a:bodyPr anchor="ctr"/>
           <a:lstStyle/>
           <a:p>
-            <a:endParaRPr lang="en-US" dirty="0"/>
+            <a:r>
+              <a:rPr lang="en-US" dirty="0"/>
+              <a:t>Introduction</a:t>
+            </a:r>
           </a:p>
         </p:txBody>
       </p:sp>
@@ -7144,29 +9466,36 @@
           <a:lstStyle/>
           <a:p>
             <a:r>
-              <a:rPr lang="en-US"/>
-              <a:t>This is a powerful tool in public speaking. It involves varying pitch, tone, and volume to convey emotion, emphasize points, and maintain interest:</a:t>
-            </a:r>
-          </a:p>
-          <a:p>
-            <a:pPr lvl="1"/>
-            <a:r>
-              <a:rPr lang="en-US"/>
-              <a:t>Pitch variation</a:t>
-            </a:r>
-          </a:p>
-          <a:p>
-            <a:pPr lvl="1"/>
-            <a:r>
-              <a:rPr lang="en-US"/>
-              <a:t>Tone inflection</a:t>
-            </a:r>
-          </a:p>
-          <a:p>
-            <a:pPr lvl="1"/>
-            <a:r>
-              <a:rPr lang="en-US"/>
-              <a:t>Volume control</a:t>
+              <a:rPr lang="en-US" dirty="0"/>
+              <a:t>Facial recognition</a:t>
+            </a:r>
+          </a:p>
+          <a:p>
+            <a:r>
+              <a:rPr lang="en-US" dirty="0"/>
+              <a:t>Why </a:t>
+            </a:r>
+            <a:r>
+              <a:rPr lang="en-US" dirty="0" err="1"/>
+              <a:t>isit</a:t>
+            </a:r>
+            <a:r>
+              <a:rPr lang="en-US" dirty="0"/>
+              <a:t> important today? </a:t>
+            </a:r>
+            <a:r>
+              <a:rPr lang="en-US" dirty="0">
+                <a:sym typeface="Wingdings" panose="05000000000000000000" pitchFamily="2" charset="2"/>
+              </a:rPr>
+              <a:t> used in …</a:t>
+            </a:r>
+          </a:p>
+          <a:p>
+            <a:r>
+              <a:rPr lang="en-US" dirty="0">
+                <a:sym typeface="Wingdings" panose="05000000000000000000" pitchFamily="2" charset="2"/>
+              </a:rPr>
+              <a:t>We are going to explore the use of PCA for facial recognition</a:t>
             </a:r>
             <a:endParaRPr lang="en-US" dirty="0"/>
           </a:p>
@@ -7322,7 +9651,7 @@
 </p:sld>
 </file>
 
-<file path=ppt/slides/slide6.xml><?xml version="1.0" encoding="utf-8"?>
+<file path=ppt/slides/slide4.xml><?xml version="1.0" encoding="utf-8"?>
 <p:sld xmlns:a="http://schemas.openxmlformats.org/drawingml/2006/main" xmlns:r="http://schemas.openxmlformats.org/officeDocument/2006/relationships" xmlns:p="http://schemas.openxmlformats.org/presentationml/2006/main">
   <p:cSld>
     <p:spTree>
@@ -7339,12 +9668,125 @@
           <a:chExt cx="0" cy="0"/>
         </a:xfrm>
       </p:grpSpPr>
+      <p:pic>
+        <p:nvPicPr>
+          <p:cNvPr id="4" name="Picture Placeholder 7" descr="close up of computer code">
+            <a:extLst>
+              <a:ext uri="{FF2B5EF4-FFF2-40B4-BE49-F238E27FC236}">
+                <a16:creationId xmlns:a16="http://schemas.microsoft.com/office/drawing/2014/main" id="{94D43AA7-0244-2FEB-86AC-B5DECE0232D8}"/>
+              </a:ext>
+            </a:extLst>
+          </p:cNvPr>
+          <p:cNvPicPr>
+            <a:picLocks noGrp="1" noChangeAspect="1"/>
+          </p:cNvPicPr>
+          <p:nvPr>
+            <p:ph type="pic" sz="quarter" idx="10"/>
+          </p:nvPr>
+        </p:nvPicPr>
+        <p:blipFill rotWithShape="1">
+          <a:blip r:embed="rId3">
+            <a:alphaModFix amt="40000"/>
+            <a:extLst>
+              <a:ext uri="{BEBA8EAE-BF5A-486C-A8C5-ECC9F3942E4B}">
+                <a14:imgProps xmlns:a14="http://schemas.microsoft.com/office/drawing/2010/main">
+                  <a14:imgLayer r:embed="rId4">
+                    <a14:imgEffect>
+                      <a14:saturation sat="0"/>
+                    </a14:imgEffect>
+                  </a14:imgLayer>
+                </a14:imgProps>
+              </a:ext>
+            </a:extLst>
+          </a:blip>
+          <a:srcRect t="7813" b="7813"/>
+          <a:stretch/>
+        </p:blipFill>
+        <p:spPr>
+          <a:xfrm>
+            <a:off x="0" y="0"/>
+            <a:ext cx="12192000" cy="6858000"/>
+          </a:xfrm>
+        </p:spPr>
+      </p:pic>
+      <p:sp>
+        <p:nvSpPr>
+          <p:cNvPr id="3" name="Title 2">
+            <a:extLst>
+              <a:ext uri="{FF2B5EF4-FFF2-40B4-BE49-F238E27FC236}">
+                <a16:creationId xmlns:a16="http://schemas.microsoft.com/office/drawing/2014/main" id="{B2F3FA79-DE26-1F2A-0CF7-5671B73C8B6F}"/>
+              </a:ext>
+            </a:extLst>
+          </p:cNvPr>
+          <p:cNvSpPr>
+            <a:spLocks noGrp="1"/>
+          </p:cNvSpPr>
+          <p:nvPr>
+            <p:ph type="ctrTitle"/>
+          </p:nvPr>
+        </p:nvSpPr>
+        <p:spPr>
+          <a:xfrm>
+            <a:off x="1524000" y="2286000"/>
+            <a:ext cx="9144000" cy="2286000"/>
+          </a:xfrm>
+        </p:spPr>
+        <p:txBody>
+          <a:bodyPr/>
+          <a:lstStyle/>
+          <a:p>
+            <a:r>
+              <a:rPr lang="en-US" dirty="0">
+                <a:latin typeface="Inconsolata" pitchFamily="49" charset="77"/>
+                <a:ea typeface="Inconsolata" pitchFamily="49" charset="77"/>
+              </a:rPr>
+              <a:t>Principal component analysis (PCA)</a:t>
+            </a:r>
+          </a:p>
+        </p:txBody>
+      </p:sp>
+    </p:spTree>
+    <p:extLst>
+      <p:ext uri="{BB962C8B-B14F-4D97-AF65-F5344CB8AC3E}">
+        <p14:creationId xmlns:p14="http://schemas.microsoft.com/office/powerpoint/2010/main" val="467869221"/>
+      </p:ext>
+    </p:extLst>
+  </p:cSld>
+  <p:clrMapOvr>
+    <a:masterClrMapping/>
+  </p:clrMapOvr>
+</p:sld>
+</file>
+
+<file path=ppt/slides/slide5.xml><?xml version="1.0" encoding="utf-8"?>
+<p:sld xmlns:a="http://schemas.openxmlformats.org/drawingml/2006/main" xmlns:r="http://schemas.openxmlformats.org/officeDocument/2006/relationships" xmlns:p="http://schemas.openxmlformats.org/presentationml/2006/main">
+  <p:cSld>
+    <p:spTree>
+      <p:nvGrpSpPr>
+        <p:cNvPr id="1" name="">
+          <a:extLst>
+            <a:ext uri="{FF2B5EF4-FFF2-40B4-BE49-F238E27FC236}">
+              <a16:creationId xmlns:a16="http://schemas.microsoft.com/office/drawing/2014/main" id="{3657B4F6-8982-8E59-B6A9-C563A33F8E2D}"/>
+            </a:ext>
+          </a:extLst>
+        </p:cNvPr>
+        <p:cNvGrpSpPr/>
+        <p:nvPr/>
+      </p:nvGrpSpPr>
+      <p:grpSpPr>
+        <a:xfrm>
+          <a:off x="0" y="0"/>
+          <a:ext cx="0" cy="0"/>
+          <a:chOff x="0" y="0"/>
+          <a:chExt cx="0" cy="0"/>
+        </a:xfrm>
+      </p:grpSpPr>
       <p:sp>
         <p:nvSpPr>
           <p:cNvPr id="2" name="Title 1">
             <a:extLst>
               <a:ext uri="{FF2B5EF4-FFF2-40B4-BE49-F238E27FC236}">
-                <a16:creationId xmlns:a16="http://schemas.microsoft.com/office/drawing/2014/main" id="{314C27C8-165C-5513-DB4B-9D840097C545}"/>
+                <a16:creationId xmlns:a16="http://schemas.microsoft.com/office/drawing/2014/main" id="{7D75F7D9-0E67-C5CF-C40D-49A1902B9FBA}"/>
               </a:ext>
             </a:extLst>
           </p:cNvPr>
@@ -7368,17 +9810,17 @@
           <a:p>
             <a:r>
               <a:rPr lang="en-US" dirty="0"/>
-              <a:t>NAVIGATING Q&amp;A SESSIONS</a:t>
-            </a:r>
-          </a:p>
-        </p:txBody>
-      </p:sp>
-      <p:sp>
-        <p:nvSpPr>
-          <p:cNvPr id="52" name="Content Placeholder 51">
-            <a:extLst>
-              <a:ext uri="{FF2B5EF4-FFF2-40B4-BE49-F238E27FC236}">
-                <a16:creationId xmlns:a16="http://schemas.microsoft.com/office/drawing/2014/main" id="{F2CCE123-860F-8623-781F-12CEA66980F5}"/>
+              <a:t>PCA</a:t>
+            </a:r>
+          </a:p>
+        </p:txBody>
+      </p:sp>
+      <p:sp>
+        <p:nvSpPr>
+          <p:cNvPr id="3" name="Content Placeholder 2">
+            <a:extLst>
+              <a:ext uri="{FF2B5EF4-FFF2-40B4-BE49-F238E27FC236}">
+                <a16:creationId xmlns:a16="http://schemas.microsoft.com/office/drawing/2014/main" id="{794EF563-CCAC-F7B4-E34E-99D5D4230D88}"/>
               </a:ext>
             </a:extLst>
           </p:cNvPr>
@@ -7391,29 +9833,26 @@
         </p:nvSpPr>
         <p:spPr>
           <a:xfrm>
-            <a:off x="838200" y="2024781"/>
-            <a:ext cx="2878394" cy="4137189"/>
+            <a:off x="838199" y="2024781"/>
+            <a:ext cx="5212079" cy="4137189"/>
           </a:xfrm>
+          <a:noFill/>
         </p:spPr>
         <p:txBody>
-          <a:bodyPr/>
+          <a:bodyPr>
+            <a:normAutofit/>
+          </a:bodyPr>
           <a:lstStyle/>
           <a:p>
             <a:r>
               <a:rPr lang="en-US" dirty="0"/>
-              <a:t>Know your material in advance</a:t>
+              <a:t>What does it do?</a:t>
             </a:r>
           </a:p>
           <a:p>
             <a:r>
               <a:rPr lang="en-US" dirty="0"/>
-              <a:t>Anticipate common questions</a:t>
-            </a:r>
-          </a:p>
-          <a:p>
-            <a:r>
-              <a:rPr lang="en-US" dirty="0"/>
-              <a:t>Rehearse your responses</a:t>
+              <a:t>Can show the example from the data that Chen sent</a:t>
             </a:r>
           </a:p>
         </p:txBody>
@@ -7423,7 +9862,7 @@
           <p:cNvPr id="4" name="Content Placeholder 3">
             <a:extLst>
               <a:ext uri="{FF2B5EF4-FFF2-40B4-BE49-F238E27FC236}">
-                <a16:creationId xmlns:a16="http://schemas.microsoft.com/office/drawing/2014/main" id="{83302BFD-960F-CBB3-E984-CDC12813A10C}"/>
+                <a16:creationId xmlns:a16="http://schemas.microsoft.com/office/drawing/2014/main" id="{61934379-A837-B942-D5A4-E65E770654B2}"/>
               </a:ext>
             </a:extLst>
           </p:cNvPr>
@@ -7448,37 +9887,38 @@
           <a:lstStyle/>
           <a:p>
             <a:r>
-              <a:rPr lang="en-US" dirty="0"/>
-              <a:t>Maintaining composure during the Q&amp;A session is essential for projecting confidence and authority. Consider the following tips for staying composed:</a:t>
+              <a:rPr lang="en-US"/>
+              <a:t>Effective body language enhances your message, making it more impactful and memorable:</a:t>
             </a:r>
           </a:p>
           <a:p>
             <a:pPr lvl="1"/>
             <a:r>
-              <a:rPr lang="en-US" dirty="0"/>
-              <a:t>Stay calm</a:t>
+              <a:rPr lang="en-US"/>
+              <a:t>Meaningful eye contact</a:t>
             </a:r>
           </a:p>
           <a:p>
             <a:pPr lvl="1"/>
             <a:r>
-              <a:rPr lang="en-US" dirty="0"/>
-              <a:t>Actively listen</a:t>
+              <a:rPr lang="en-US"/>
+              <a:t>Purposeful gestures</a:t>
             </a:r>
           </a:p>
           <a:p>
             <a:pPr lvl="1"/>
             <a:r>
-              <a:rPr lang="en-US" dirty="0"/>
-              <a:t>Pause and reflect</a:t>
+              <a:rPr lang="en-US"/>
+              <a:t>Maintain good posture</a:t>
             </a:r>
           </a:p>
           <a:p>
             <a:pPr lvl="1"/>
             <a:r>
-              <a:rPr lang="en-US" dirty="0"/>
-              <a:t>Maintain eye contact</a:t>
-            </a:r>
+              <a:rPr lang="en-US"/>
+              <a:t>Control your expressions</a:t>
+            </a:r>
+            <a:endParaRPr lang="en-US" dirty="0"/>
           </a:p>
         </p:txBody>
       </p:sp>
@@ -7487,7 +9927,7 @@
           <p:cNvPr id="5" name="Rectangle 4">
             <a:extLst>
               <a:ext uri="{FF2B5EF4-FFF2-40B4-BE49-F238E27FC236}">
-                <a16:creationId xmlns:a16="http://schemas.microsoft.com/office/drawing/2014/main" id="{C80227B8-A24C-8C29-034A-D7700B887685}"/>
+                <a16:creationId xmlns:a16="http://schemas.microsoft.com/office/drawing/2014/main" id="{B0A94C00-872A-65F5-004C-D2A74FB68255}"/>
               </a:ext>
               <a:ext uri="{C183D7F6-B498-43B3-948B-1728B52AA6E4}">
                 <adec:decorative xmlns:adec="http://schemas.microsoft.com/office/drawing/2017/decorative" val="1"/>
@@ -7557,7 +9997,7 @@
     </p:spTree>
     <p:extLst>
       <p:ext uri="{BB962C8B-B14F-4D97-AF65-F5344CB8AC3E}">
-        <p14:creationId xmlns:p14="http://schemas.microsoft.com/office/powerpoint/2010/main" val="729609147"/>
+        <p14:creationId xmlns:p14="http://schemas.microsoft.com/office/powerpoint/2010/main" val="26627708"/>
       </p:ext>
     </p:extLst>
   </p:cSld>
@@ -7567,630 +10007,7 @@
 </p:sld>
 </file>
 
-<file path=ppt/slides/slide7.xml><?xml version="1.0" encoding="utf-8"?>
-<p:sld xmlns:a="http://schemas.openxmlformats.org/drawingml/2006/main" xmlns:r="http://schemas.openxmlformats.org/officeDocument/2006/relationships" xmlns:p="http://schemas.openxmlformats.org/presentationml/2006/main">
-  <p:cSld>
-    <p:spTree>
-      <p:nvGrpSpPr>
-        <p:cNvPr id="1" name=""/>
-        <p:cNvGrpSpPr/>
-        <p:nvPr/>
-      </p:nvGrpSpPr>
-      <p:grpSpPr>
-        <a:xfrm>
-          <a:off x="0" y="0"/>
-          <a:ext cx="0" cy="0"/>
-          <a:chOff x="0" y="0"/>
-          <a:chExt cx="0" cy="0"/>
-        </a:xfrm>
-      </p:grpSpPr>
-      <p:sp>
-        <p:nvSpPr>
-          <p:cNvPr id="2" name="Title 1">
-            <a:extLst>
-              <a:ext uri="{FF2B5EF4-FFF2-40B4-BE49-F238E27FC236}">
-                <a16:creationId xmlns:a16="http://schemas.microsoft.com/office/drawing/2014/main" id="{B7545968-70F7-0180-6448-3547E442EF4A}"/>
-              </a:ext>
-            </a:extLst>
-          </p:cNvPr>
-          <p:cNvSpPr>
-            <a:spLocks noGrp="1"/>
-          </p:cNvSpPr>
-          <p:nvPr>
-            <p:ph type="title"/>
-          </p:nvPr>
-        </p:nvSpPr>
-        <p:spPr>
-          <a:xfrm>
-            <a:off x="838200" y="365760"/>
-            <a:ext cx="10515600" cy="1325563"/>
-          </a:xfrm>
-          <a:noFill/>
-        </p:spPr>
-        <p:txBody>
-          <a:bodyPr anchor="ctr">
-            <a:noAutofit/>
-          </a:bodyPr>
-          <a:lstStyle/>
-          <a:p>
-            <a:r>
-              <a:rPr lang="en-US" dirty="0"/>
-              <a:t>Dynamic delivery</a:t>
-            </a:r>
-          </a:p>
-        </p:txBody>
-      </p:sp>
-      <p:sp>
-        <p:nvSpPr>
-          <p:cNvPr id="8" name="Content Placeholder 7">
-            <a:extLst>
-              <a:ext uri="{FF2B5EF4-FFF2-40B4-BE49-F238E27FC236}">
-                <a16:creationId xmlns:a16="http://schemas.microsoft.com/office/drawing/2014/main" id="{215CE58D-2739-522B-7C3A-6A7C985360C0}"/>
-              </a:ext>
-            </a:extLst>
-          </p:cNvPr>
-          <p:cNvSpPr>
-            <a:spLocks noGrp="1"/>
-          </p:cNvSpPr>
-          <p:nvPr>
-            <p:ph sz="quarter" idx="15"/>
-          </p:nvPr>
-        </p:nvSpPr>
-        <p:spPr>
-          <a:xfrm>
-            <a:off x="896074" y="2106591"/>
-            <a:ext cx="2067045" cy="3633787"/>
-          </a:xfrm>
-          <a:noFill/>
-        </p:spPr>
-        <p:txBody>
-          <a:bodyPr vert="horz" lIns="91440" tIns="45720" rIns="91440" bIns="45720" rtlCol="0" anchor="t">
-            <a:normAutofit/>
-          </a:bodyPr>
-          <a:lstStyle/>
-          <a:p>
-            <a:r>
-              <a:rPr lang="en-US" dirty="0"/>
-              <a:t>Learn to infuse energy into your delivery to leave a lasting impression</a:t>
-            </a:r>
-          </a:p>
-          <a:p>
-            <a:r>
-              <a:rPr lang="en-US" dirty="0"/>
-              <a:t>One of the goals of effective communication is to motivate your audience</a:t>
-            </a:r>
-          </a:p>
-        </p:txBody>
-      </p:sp>
-      <p:graphicFrame>
-        <p:nvGraphicFramePr>
-          <p:cNvPr id="3" name="Table Placeholder 2">
-            <a:extLst>
-              <a:ext uri="{FF2B5EF4-FFF2-40B4-BE49-F238E27FC236}">
-                <a16:creationId xmlns:a16="http://schemas.microsoft.com/office/drawing/2014/main" id="{F01CF5D3-D3B1-1944-CFDF-D8EE11DE42AA}"/>
-              </a:ext>
-            </a:extLst>
-          </p:cNvPr>
-          <p:cNvGraphicFramePr>
-            <a:graphicFrameLocks noGrp="1"/>
-          </p:cNvGraphicFramePr>
-          <p:nvPr>
-            <p:ph type="tbl" sz="quarter" idx="13"/>
-            <p:extLst>
-              <p:ext uri="{D42A27DB-BD31-4B8C-83A1-F6EECF244321}">
-                <p14:modId xmlns:p14="http://schemas.microsoft.com/office/powerpoint/2010/main" val="2834757309"/>
-              </p:ext>
-            </p:extLst>
-          </p:nvPr>
-        </p:nvGraphicFramePr>
-        <p:xfrm>
-          <a:off x="3484563" y="2106613"/>
-          <a:ext cx="7921828" cy="4032333"/>
-        </p:xfrm>
-        <a:graphic>
-          <a:graphicData uri="http://schemas.openxmlformats.org/drawingml/2006/table">
-            <a:tbl>
-              <a:tblPr firstRow="1" bandRow="1">
-                <a:tableStyleId>{7E9639D4-E3E2-4D34-9284-5A2195B3D0D7}</a:tableStyleId>
-              </a:tblPr>
-              <a:tblGrid>
-                <a:gridCol w="1980457">
-                  <a:extLst>
-                    <a:ext uri="{9D8B030D-6E8A-4147-A177-3AD203B41FA5}">
-                      <a16:colId xmlns:a16="http://schemas.microsoft.com/office/drawing/2014/main" val="127040821"/>
-                    </a:ext>
-                  </a:extLst>
-                </a:gridCol>
-                <a:gridCol w="1980457">
-                  <a:extLst>
-                    <a:ext uri="{9D8B030D-6E8A-4147-A177-3AD203B41FA5}">
-                      <a16:colId xmlns:a16="http://schemas.microsoft.com/office/drawing/2014/main" val="149845700"/>
-                    </a:ext>
-                  </a:extLst>
-                </a:gridCol>
-                <a:gridCol w="1980457">
-                  <a:extLst>
-                    <a:ext uri="{9D8B030D-6E8A-4147-A177-3AD203B41FA5}">
-                      <a16:colId xmlns:a16="http://schemas.microsoft.com/office/drawing/2014/main" val="3119692462"/>
-                    </a:ext>
-                  </a:extLst>
-                </a:gridCol>
-                <a:gridCol w="1980457">
-                  <a:extLst>
-                    <a:ext uri="{9D8B030D-6E8A-4147-A177-3AD203B41FA5}">
-                      <a16:colId xmlns:a16="http://schemas.microsoft.com/office/drawing/2014/main" val="3472639139"/>
-                    </a:ext>
-                  </a:extLst>
-                </a:gridCol>
-              </a:tblGrid>
-              <a:tr h="612591">
-                <a:tc>
-                  <a:txBody>
-                    <a:bodyPr/>
-                    <a:lstStyle/>
-                    <a:p>
-                      <a:pPr algn="ctr"/>
-                      <a:r>
-                        <a:rPr lang="en-US" b="0" i="0" dirty="0">
-                          <a:latin typeface="+mn-lt"/>
-                          <a:cs typeface="Calibri" panose="020F0502020204030204" pitchFamily="34" charset="0"/>
-                        </a:rPr>
-                        <a:t>METRIC</a:t>
-                      </a:r>
-                    </a:p>
-                  </a:txBody>
-                  <a:tcPr anchor="ctr"/>
-                </a:tc>
-                <a:tc>
-                  <a:txBody>
-                    <a:bodyPr/>
-                    <a:lstStyle/>
-                    <a:p>
-                      <a:pPr algn="ctr"/>
-                      <a:r>
-                        <a:rPr lang="en-US" b="0" i="0" dirty="0">
-                          <a:latin typeface="+mn-lt"/>
-                          <a:cs typeface="Calibri" panose="020F0502020204030204" pitchFamily="34" charset="0"/>
-                        </a:rPr>
-                        <a:t>MEASUREMENT</a:t>
-                      </a:r>
-                    </a:p>
-                  </a:txBody>
-                  <a:tcPr anchor="ctr"/>
-                </a:tc>
-                <a:tc>
-                  <a:txBody>
-                    <a:bodyPr/>
-                    <a:lstStyle/>
-                    <a:p>
-                      <a:pPr algn="ctr"/>
-                      <a:r>
-                        <a:rPr lang="en-US" b="0" i="0" dirty="0">
-                          <a:latin typeface="+mn-lt"/>
-                          <a:cs typeface="Calibri" panose="020F0502020204030204" pitchFamily="34" charset="0"/>
-                        </a:rPr>
-                        <a:t>TARGET</a:t>
-                      </a:r>
-                    </a:p>
-                  </a:txBody>
-                  <a:tcPr anchor="ctr"/>
-                </a:tc>
-                <a:tc>
-                  <a:txBody>
-                    <a:bodyPr/>
-                    <a:lstStyle/>
-                    <a:p>
-                      <a:pPr algn="ctr"/>
-                      <a:r>
-                        <a:rPr lang="en-US" b="0" i="0" dirty="0">
-                          <a:latin typeface="+mn-lt"/>
-                          <a:cs typeface="Calibri" panose="020F0502020204030204" pitchFamily="34" charset="0"/>
-                        </a:rPr>
-                        <a:t>ACTUAL</a:t>
-                      </a:r>
-                    </a:p>
-                  </a:txBody>
-                  <a:tcPr anchor="ctr"/>
-                </a:tc>
-                <a:extLst>
-                  <a:ext uri="{0D108BD9-81ED-4DB2-BD59-A6C34878D82A}">
-                    <a16:rowId xmlns:a16="http://schemas.microsoft.com/office/drawing/2014/main" val="3298013591"/>
-                  </a:ext>
-                </a:extLst>
-              </a:tr>
-              <a:tr h="612591">
-                <a:tc>
-                  <a:txBody>
-                    <a:bodyPr/>
-                    <a:lstStyle/>
-                    <a:p>
-                      <a:pPr algn="ctr"/>
-                      <a:r>
-                        <a:rPr lang="en-US" b="0" i="0" dirty="0">
-                          <a:latin typeface="+mn-lt"/>
-                          <a:cs typeface="Calibri" panose="020F0502020204030204" pitchFamily="34" charset="0"/>
-                        </a:rPr>
-                        <a:t>Audience attendance</a:t>
-                      </a:r>
-                    </a:p>
-                  </a:txBody>
-                  <a:tcPr anchor="ctr"/>
-                </a:tc>
-                <a:tc>
-                  <a:txBody>
-                    <a:bodyPr/>
-                    <a:lstStyle/>
-                    <a:p>
-                      <a:pPr algn="ctr"/>
-                      <a:r>
-                        <a:rPr lang="en-US" b="0" i="0" dirty="0">
-                          <a:latin typeface="+mn-lt"/>
-                          <a:cs typeface="Calibri" panose="020F0502020204030204" pitchFamily="34" charset="0"/>
-                        </a:rPr>
-                        <a:t># of attendees</a:t>
-                      </a:r>
-                    </a:p>
-                  </a:txBody>
-                  <a:tcPr anchor="ctr"/>
-                </a:tc>
-                <a:tc>
-                  <a:txBody>
-                    <a:bodyPr/>
-                    <a:lstStyle/>
-                    <a:p>
-                      <a:pPr algn="ctr"/>
-                      <a:r>
-                        <a:rPr lang="en-US" b="0" i="0" dirty="0">
-                          <a:latin typeface="+mn-lt"/>
-                          <a:cs typeface="Calibri" panose="020F0502020204030204" pitchFamily="34" charset="0"/>
-                        </a:rPr>
-                        <a:t>150</a:t>
-                      </a:r>
-                    </a:p>
-                  </a:txBody>
-                  <a:tcPr anchor="ctr"/>
-                </a:tc>
-                <a:tc>
-                  <a:txBody>
-                    <a:bodyPr/>
-                    <a:lstStyle/>
-                    <a:p>
-                      <a:pPr algn="ctr"/>
-                      <a:r>
-                        <a:rPr lang="en-US" b="0" i="0">
-                          <a:latin typeface="+mn-lt"/>
-                          <a:cs typeface="Calibri" panose="020F0502020204030204" pitchFamily="34" charset="0"/>
-                        </a:rPr>
-                        <a:t>120</a:t>
-                      </a:r>
-                    </a:p>
-                  </a:txBody>
-                  <a:tcPr anchor="ctr"/>
-                </a:tc>
-                <a:extLst>
-                  <a:ext uri="{0D108BD9-81ED-4DB2-BD59-A6C34878D82A}">
-                    <a16:rowId xmlns:a16="http://schemas.microsoft.com/office/drawing/2014/main" val="3873867931"/>
-                  </a:ext>
-                </a:extLst>
-              </a:tr>
-              <a:tr h="612591">
-                <a:tc>
-                  <a:txBody>
-                    <a:bodyPr/>
-                    <a:lstStyle/>
-                    <a:p>
-                      <a:pPr algn="ctr"/>
-                      <a:r>
-                        <a:rPr lang="en-US" b="0" i="0" dirty="0">
-                          <a:latin typeface="+mn-lt"/>
-                          <a:cs typeface="Calibri" panose="020F0502020204030204" pitchFamily="34" charset="0"/>
-                        </a:rPr>
-                        <a:t>Engagement duration</a:t>
-                      </a:r>
-                    </a:p>
-                  </a:txBody>
-                  <a:tcPr anchor="ctr"/>
-                </a:tc>
-                <a:tc>
-                  <a:txBody>
-                    <a:bodyPr/>
-                    <a:lstStyle/>
-                    <a:p>
-                      <a:pPr algn="ctr"/>
-                      <a:r>
-                        <a:rPr lang="en-US" b="0" i="0" dirty="0">
-                          <a:latin typeface="+mn-lt"/>
-                          <a:cs typeface="Calibri" panose="020F0502020204030204" pitchFamily="34" charset="0"/>
-                        </a:rPr>
-                        <a:t>Minutes</a:t>
-                      </a:r>
-                    </a:p>
-                  </a:txBody>
-                  <a:tcPr anchor="ctr"/>
-                </a:tc>
-                <a:tc>
-                  <a:txBody>
-                    <a:bodyPr/>
-                    <a:lstStyle/>
-                    <a:p>
-                      <a:pPr algn="ctr"/>
-                      <a:r>
-                        <a:rPr lang="en-US" b="0" i="0" dirty="0">
-                          <a:latin typeface="+mn-lt"/>
-                          <a:cs typeface="Calibri" panose="020F0502020204030204" pitchFamily="34" charset="0"/>
-                        </a:rPr>
-                        <a:t>60</a:t>
-                      </a:r>
-                    </a:p>
-                  </a:txBody>
-                  <a:tcPr anchor="ctr"/>
-                </a:tc>
-                <a:tc>
-                  <a:txBody>
-                    <a:bodyPr/>
-                    <a:lstStyle/>
-                    <a:p>
-                      <a:pPr algn="ctr"/>
-                      <a:r>
-                        <a:rPr lang="en-US" b="0" i="0">
-                          <a:latin typeface="+mn-lt"/>
-                          <a:cs typeface="Calibri" panose="020F0502020204030204" pitchFamily="34" charset="0"/>
-                        </a:rPr>
-                        <a:t>75</a:t>
-                      </a:r>
-                    </a:p>
-                  </a:txBody>
-                  <a:tcPr anchor="ctr"/>
-                </a:tc>
-                <a:extLst>
-                  <a:ext uri="{0D108BD9-81ED-4DB2-BD59-A6C34878D82A}">
-                    <a16:rowId xmlns:a16="http://schemas.microsoft.com/office/drawing/2014/main" val="85209771"/>
-                  </a:ext>
-                </a:extLst>
-              </a:tr>
-              <a:tr h="612591">
-                <a:tc>
-                  <a:txBody>
-                    <a:bodyPr/>
-                    <a:lstStyle/>
-                    <a:p>
-                      <a:pPr algn="ctr"/>
-                      <a:r>
-                        <a:rPr lang="en-US" b="0" i="0">
-                          <a:latin typeface="+mn-lt"/>
-                          <a:cs typeface="Calibri" panose="020F0502020204030204" pitchFamily="34" charset="0"/>
-                        </a:rPr>
-                        <a:t>Q&amp;A interaction</a:t>
-                      </a:r>
-                    </a:p>
-                  </a:txBody>
-                  <a:tcPr anchor="ctr"/>
-                </a:tc>
-                <a:tc>
-                  <a:txBody>
-                    <a:bodyPr/>
-                    <a:lstStyle/>
-                    <a:p>
-                      <a:pPr algn="ctr"/>
-                      <a:r>
-                        <a:rPr lang="en-US" b="0" i="0">
-                          <a:latin typeface="+mn-lt"/>
-                          <a:cs typeface="Calibri" panose="020F0502020204030204" pitchFamily="34" charset="0"/>
-                        </a:rPr>
-                        <a:t># of questions</a:t>
-                      </a:r>
-                    </a:p>
-                  </a:txBody>
-                  <a:tcPr anchor="ctr"/>
-                </a:tc>
-                <a:tc>
-                  <a:txBody>
-                    <a:bodyPr/>
-                    <a:lstStyle/>
-                    <a:p>
-                      <a:pPr algn="ctr"/>
-                      <a:r>
-                        <a:rPr lang="en-US" b="0" i="0">
-                          <a:latin typeface="+mn-lt"/>
-                          <a:cs typeface="Calibri" panose="020F0502020204030204" pitchFamily="34" charset="0"/>
-                        </a:rPr>
-                        <a:t>10</a:t>
-                      </a:r>
-                    </a:p>
-                  </a:txBody>
-                  <a:tcPr anchor="ctr"/>
-                </a:tc>
-                <a:tc>
-                  <a:txBody>
-                    <a:bodyPr/>
-                    <a:lstStyle/>
-                    <a:p>
-                      <a:pPr algn="ctr"/>
-                      <a:r>
-                        <a:rPr lang="en-US" b="0" i="0">
-                          <a:latin typeface="+mn-lt"/>
-                          <a:cs typeface="Calibri" panose="020F0502020204030204" pitchFamily="34" charset="0"/>
-                        </a:rPr>
-                        <a:t>15</a:t>
-                      </a:r>
-                    </a:p>
-                  </a:txBody>
-                  <a:tcPr anchor="ctr"/>
-                </a:tc>
-                <a:extLst>
-                  <a:ext uri="{0D108BD9-81ED-4DB2-BD59-A6C34878D82A}">
-                    <a16:rowId xmlns:a16="http://schemas.microsoft.com/office/drawing/2014/main" val="4061031278"/>
-                  </a:ext>
-                </a:extLst>
-              </a:tr>
-              <a:tr h="612591">
-                <a:tc>
-                  <a:txBody>
-                    <a:bodyPr/>
-                    <a:lstStyle/>
-                    <a:p>
-                      <a:pPr algn="ctr"/>
-                      <a:r>
-                        <a:rPr lang="en-US" b="0" i="0">
-                          <a:latin typeface="+mn-lt"/>
-                          <a:cs typeface="Calibri" panose="020F0502020204030204" pitchFamily="34" charset="0"/>
-                        </a:rPr>
-                        <a:t>Positive feedback</a:t>
-                      </a:r>
-                    </a:p>
-                  </a:txBody>
-                  <a:tcPr anchor="ctr"/>
-                </a:tc>
-                <a:tc>
-                  <a:txBody>
-                    <a:bodyPr/>
-                    <a:lstStyle/>
-                    <a:p>
-                      <a:pPr algn="ctr"/>
-                      <a:r>
-                        <a:rPr lang="en-US" b="0" i="0" dirty="0">
-                          <a:latin typeface="+mn-lt"/>
-                          <a:cs typeface="Calibri" panose="020F0502020204030204" pitchFamily="34" charset="0"/>
-                        </a:rPr>
-                        <a:t>Percentage (%)</a:t>
-                      </a:r>
-                    </a:p>
-                  </a:txBody>
-                  <a:tcPr anchor="ctr"/>
-                </a:tc>
-                <a:tc>
-                  <a:txBody>
-                    <a:bodyPr/>
-                    <a:lstStyle/>
-                    <a:p>
-                      <a:pPr algn="ctr"/>
-                      <a:r>
-                        <a:rPr lang="en-US" b="0" i="0">
-                          <a:latin typeface="+mn-lt"/>
-                          <a:cs typeface="Calibri" panose="020F0502020204030204" pitchFamily="34" charset="0"/>
-                        </a:rPr>
-                        <a:t>90</a:t>
-                      </a:r>
-                    </a:p>
-                  </a:txBody>
-                  <a:tcPr anchor="ctr"/>
-                </a:tc>
-                <a:tc>
-                  <a:txBody>
-                    <a:bodyPr/>
-                    <a:lstStyle/>
-                    <a:p>
-                      <a:pPr algn="ctr"/>
-                      <a:r>
-                        <a:rPr lang="en-US" b="0" i="0">
-                          <a:latin typeface="+mn-lt"/>
-                          <a:cs typeface="Calibri" panose="020F0502020204030204" pitchFamily="34" charset="0"/>
-                        </a:rPr>
-                        <a:t>95</a:t>
-                      </a:r>
-                    </a:p>
-                  </a:txBody>
-                  <a:tcPr anchor="ctr"/>
-                </a:tc>
-                <a:extLst>
-                  <a:ext uri="{0D108BD9-81ED-4DB2-BD59-A6C34878D82A}">
-                    <a16:rowId xmlns:a16="http://schemas.microsoft.com/office/drawing/2014/main" val="3591840781"/>
-                  </a:ext>
-                </a:extLst>
-              </a:tr>
-              <a:tr h="782030">
-                <a:tc>
-                  <a:txBody>
-                    <a:bodyPr/>
-                    <a:lstStyle/>
-                    <a:p>
-                      <a:pPr algn="ctr"/>
-                      <a:r>
-                        <a:rPr lang="en-US" b="0" i="0">
-                          <a:latin typeface="+mn-lt"/>
-                          <a:cs typeface="Calibri" panose="020F0502020204030204" pitchFamily="34" charset="0"/>
-                        </a:rPr>
-                        <a:t>Rate of information retention</a:t>
-                      </a:r>
-                    </a:p>
-                  </a:txBody>
-                  <a:tcPr anchor="ctr"/>
-                </a:tc>
-                <a:tc>
-                  <a:txBody>
-                    <a:bodyPr/>
-                    <a:lstStyle/>
-                    <a:p>
-                      <a:pPr algn="ctr"/>
-                      <a:r>
-                        <a:rPr lang="en-US" b="0" i="0">
-                          <a:latin typeface="+mn-lt"/>
-                          <a:cs typeface="Calibri" panose="020F0502020204030204" pitchFamily="34" charset="0"/>
-                        </a:rPr>
-                        <a:t>Percentage (%)</a:t>
-                      </a:r>
-                    </a:p>
-                  </a:txBody>
-                  <a:tcPr anchor="ctr"/>
-                </a:tc>
-                <a:tc>
-                  <a:txBody>
-                    <a:bodyPr/>
-                    <a:lstStyle/>
-                    <a:p>
-                      <a:pPr algn="ctr"/>
-                      <a:r>
-                        <a:rPr lang="en-US" b="0" i="0" dirty="0">
-                          <a:latin typeface="+mn-lt"/>
-                          <a:cs typeface="Calibri" panose="020F0502020204030204" pitchFamily="34" charset="0"/>
-                        </a:rPr>
-                        <a:t>80</a:t>
-                      </a:r>
-                    </a:p>
-                  </a:txBody>
-                  <a:tcPr anchor="ctr"/>
-                </a:tc>
-                <a:tc>
-                  <a:txBody>
-                    <a:bodyPr/>
-                    <a:lstStyle/>
-                    <a:p>
-                      <a:pPr algn="ctr"/>
-                      <a:r>
-                        <a:rPr lang="en-US" b="0" i="0" dirty="0">
-                          <a:latin typeface="+mn-lt"/>
-                          <a:cs typeface="Calibri" panose="020F0502020204030204" pitchFamily="34" charset="0"/>
-                        </a:rPr>
-                        <a:t>85</a:t>
-                      </a:r>
-                    </a:p>
-                  </a:txBody>
-                  <a:tcPr anchor="ctr"/>
-                </a:tc>
-                <a:extLst>
-                  <a:ext uri="{0D108BD9-81ED-4DB2-BD59-A6C34878D82A}">
-                    <a16:rowId xmlns:a16="http://schemas.microsoft.com/office/drawing/2014/main" val="335389741"/>
-                  </a:ext>
-                </a:extLst>
-              </a:tr>
-            </a:tbl>
-          </a:graphicData>
-        </a:graphic>
-      </p:graphicFrame>
-    </p:spTree>
-    <p:extLst>
-      <p:ext uri="{BB962C8B-B14F-4D97-AF65-F5344CB8AC3E}">
-        <p14:creationId xmlns:p14="http://schemas.microsoft.com/office/powerpoint/2010/main" val="4259977132"/>
-      </p:ext>
-    </p:extLst>
-  </p:cSld>
-  <p:clrMapOvr>
-    <a:masterClrMapping/>
-  </p:clrMapOvr>
-</p:sld>
-</file>
-
-<file path=ppt/slides/slide8.xml><?xml version="1.0" encoding="utf-8"?>
+<file path=ppt/slides/slide6.xml><?xml version="1.0" encoding="utf-8"?>
 <p:sld xmlns:a="http://schemas.openxmlformats.org/drawingml/2006/main" xmlns:r="http://schemas.openxmlformats.org/officeDocument/2006/relationships" xmlns:p="http://schemas.openxmlformats.org/presentationml/2006/main">
   <p:cSld>
     <p:spTree>
@@ -8198,7 +10015,7 @@
         <p:cNvPr id="1" name="">
           <a:extLst>
             <a:ext uri="{FF2B5EF4-FFF2-40B4-BE49-F238E27FC236}">
-              <a16:creationId xmlns:a16="http://schemas.microsoft.com/office/drawing/2014/main" id="{BB155A20-11B0-569E-90E8-E65A5FBCF1B0}"/>
+              <a16:creationId xmlns:a16="http://schemas.microsoft.com/office/drawing/2014/main" id="{0B8E1F1C-637A-E862-A63D-676B4BB13183}"/>
             </a:ext>
           </a:extLst>
         </p:cNvPr>
@@ -8213,139 +10030,12 @@
           <a:chExt cx="0" cy="0"/>
         </a:xfrm>
       </p:grpSpPr>
-      <p:pic>
-        <p:nvPicPr>
-          <p:cNvPr id="4" name="Picture Placeholder 7" descr="close up of computer code">
-            <a:extLst>
-              <a:ext uri="{FF2B5EF4-FFF2-40B4-BE49-F238E27FC236}">
-                <a16:creationId xmlns:a16="http://schemas.microsoft.com/office/drawing/2014/main" id="{DC5DAD4B-44B7-6E3A-1DA1-F60524EFF6CD}"/>
-              </a:ext>
-            </a:extLst>
-          </p:cNvPr>
-          <p:cNvPicPr>
-            <a:picLocks noGrp="1" noChangeAspect="1"/>
-          </p:cNvPicPr>
-          <p:nvPr>
-            <p:ph type="pic" sz="quarter" idx="10"/>
-          </p:nvPr>
-        </p:nvPicPr>
-        <p:blipFill rotWithShape="1">
-          <a:blip r:embed="rId3">
-            <a:alphaModFix amt="40000"/>
-            <a:extLst>
-              <a:ext uri="{BEBA8EAE-BF5A-486C-A8C5-ECC9F3942E4B}">
-                <a14:imgProps xmlns:a14="http://schemas.microsoft.com/office/drawing/2010/main">
-                  <a14:imgLayer r:embed="rId4">
-                    <a14:imgEffect>
-                      <a14:saturation sat="0"/>
-                    </a14:imgEffect>
-                  </a14:imgLayer>
-                </a14:imgProps>
-              </a:ext>
-            </a:extLst>
-          </a:blip>
-          <a:srcRect t="7813" b="7813"/>
-          <a:stretch/>
-        </p:blipFill>
-        <p:spPr>
-          <a:xfrm>
-            <a:off x="0" y="0"/>
-            <a:ext cx="12192000" cy="6858000"/>
-          </a:xfrm>
-        </p:spPr>
-      </p:pic>
-      <p:sp>
-        <p:nvSpPr>
-          <p:cNvPr id="3" name="Title 2">
-            <a:extLst>
-              <a:ext uri="{FF2B5EF4-FFF2-40B4-BE49-F238E27FC236}">
-                <a16:creationId xmlns:a16="http://schemas.microsoft.com/office/drawing/2014/main" id="{138A4238-E6E8-AA61-3C7B-E264FC0AC26E}"/>
-              </a:ext>
-            </a:extLst>
-          </p:cNvPr>
-          <p:cNvSpPr>
-            <a:spLocks noGrp="1"/>
-          </p:cNvSpPr>
-          <p:nvPr>
-            <p:ph type="ctrTitle"/>
-          </p:nvPr>
-        </p:nvSpPr>
-        <p:spPr>
-          <a:xfrm>
-            <a:off x="1524000" y="2286000"/>
-            <a:ext cx="9144000" cy="2286000"/>
-          </a:xfrm>
-        </p:spPr>
-        <p:txBody>
-          <a:bodyPr/>
-          <a:lstStyle/>
-          <a:p>
-            <a:r>
-              <a:rPr lang="en-US" dirty="0">
-                <a:latin typeface="Inconsolata" pitchFamily="49" charset="77"/>
-                <a:ea typeface="Inconsolata" pitchFamily="49" charset="77"/>
-              </a:rPr>
-              <a:t>Face recognition demo: </a:t>
-            </a:r>
-            <a:br>
-              <a:rPr lang="en-US" dirty="0">
-                <a:latin typeface="Inconsolata" pitchFamily="49" charset="77"/>
-                <a:ea typeface="Inconsolata" pitchFamily="49" charset="77"/>
-              </a:rPr>
-            </a:br>
-            <a:r>
-              <a:rPr lang="en-US" dirty="0" err="1">
-                <a:latin typeface="Inconsolata" pitchFamily="49" charset="77"/>
-                <a:ea typeface="Inconsolata" pitchFamily="49" charset="77"/>
-              </a:rPr>
-              <a:t>Pca</a:t>
-            </a:r>
-            <a:r>
-              <a:rPr lang="en-US" dirty="0">
-                <a:latin typeface="Inconsolata" pitchFamily="49" charset="77"/>
-                <a:ea typeface="Inconsolata" pitchFamily="49" charset="77"/>
-              </a:rPr>
-              <a:t> in action</a:t>
-            </a:r>
-          </a:p>
-        </p:txBody>
-      </p:sp>
-    </p:spTree>
-    <p:extLst>
-      <p:ext uri="{BB962C8B-B14F-4D97-AF65-F5344CB8AC3E}">
-        <p14:creationId xmlns:p14="http://schemas.microsoft.com/office/powerpoint/2010/main" val="592784728"/>
-      </p:ext>
-    </p:extLst>
-  </p:cSld>
-  <p:clrMapOvr>
-    <a:masterClrMapping/>
-  </p:clrMapOvr>
-</p:sld>
-</file>
-
-<file path=ppt/slides/slide9.xml><?xml version="1.0" encoding="utf-8"?>
-<p:sld xmlns:a="http://schemas.openxmlformats.org/drawingml/2006/main" xmlns:r="http://schemas.openxmlformats.org/officeDocument/2006/relationships" xmlns:p="http://schemas.openxmlformats.org/presentationml/2006/main">
-  <p:cSld>
-    <p:spTree>
-      <p:nvGrpSpPr>
-        <p:cNvPr id="1" name=""/>
-        <p:cNvGrpSpPr/>
-        <p:nvPr/>
-      </p:nvGrpSpPr>
-      <p:grpSpPr>
-        <a:xfrm>
-          <a:off x="0" y="0"/>
-          <a:ext cx="0" cy="0"/>
-          <a:chOff x="0" y="0"/>
-          <a:chExt cx="0" cy="0"/>
-        </a:xfrm>
-      </p:grpSpPr>
       <p:sp>
         <p:nvSpPr>
           <p:cNvPr id="2" name="Title 1">
             <a:extLst>
               <a:ext uri="{FF2B5EF4-FFF2-40B4-BE49-F238E27FC236}">
-                <a16:creationId xmlns:a16="http://schemas.microsoft.com/office/drawing/2014/main" id="{5D030A76-B788-B363-104E-266B7C7F7208}"/>
+                <a16:creationId xmlns:a16="http://schemas.microsoft.com/office/drawing/2014/main" id="{318732B3-2FF2-37EE-EC9B-EEBD054C7F99}"/>
               </a:ext>
             </a:extLst>
           </p:cNvPr>
@@ -8359,7 +10049,7 @@
         <p:spPr>
           <a:xfrm>
             <a:off x="838200" y="365760"/>
-            <a:ext cx="10515600" cy="1325563"/>
+            <a:ext cx="10515600" cy="1325880"/>
           </a:xfrm>
           <a:noFill/>
         </p:spPr>
@@ -8369,7 +10059,7 @@
           <a:p>
             <a:r>
               <a:rPr lang="en-US" dirty="0"/>
-              <a:t>FINAL TIPS &amp; TAKEAWAYS</a:t>
+              <a:t>How PCA Learns from Face space?</a:t>
             </a:r>
           </a:p>
         </p:txBody>
@@ -8379,84 +10069,421 @@
           <p:cNvPr id="3" name="Content Placeholder 2">
             <a:extLst>
               <a:ext uri="{FF2B5EF4-FFF2-40B4-BE49-F238E27FC236}">
-                <a16:creationId xmlns:a16="http://schemas.microsoft.com/office/drawing/2014/main" id="{05948542-FCE1-3AE6-C6C9-17975609DF70}"/>
-              </a:ext>
-            </a:extLst>
-          </p:cNvPr>
-          <p:cNvSpPr>
-            <a:spLocks noGrp="1"/>
-          </p:cNvSpPr>
-          <p:nvPr>
-            <p:ph sz="quarter" idx="15"/>
+                <a16:creationId xmlns:a16="http://schemas.microsoft.com/office/drawing/2014/main" id="{4EF83CDB-510D-B378-E9A0-2A4E3F4C29B2}"/>
+              </a:ext>
+            </a:extLst>
+          </p:cNvPr>
+          <p:cNvSpPr>
+            <a:spLocks noGrp="1"/>
+          </p:cNvSpPr>
+          <p:nvPr>
+            <p:ph sz="quarter" idx="13"/>
           </p:nvPr>
         </p:nvSpPr>
         <p:spPr>
           <a:xfrm>
-            <a:off x="838200" y="1790329"/>
-            <a:ext cx="5134335" cy="4113054"/>
+            <a:off x="838199" y="2024781"/>
+            <a:ext cx="5212079" cy="4137189"/>
           </a:xfrm>
           <a:noFill/>
         </p:spPr>
         <p:txBody>
-          <a:bodyPr vert="horz" lIns="91440" tIns="45720" rIns="91440" bIns="45720" rtlCol="0" anchor="t">
-            <a:normAutofit lnSpcReduction="10000"/>
+          <a:bodyPr>
+            <a:normAutofit fontScale="70000" lnSpcReduction="20000"/>
           </a:bodyPr>
           <a:lstStyle/>
           <a:p>
-            <a:r>
-              <a:rPr lang="en-US" dirty="0"/>
-              <a:t>Consistent rehearsal</a:t>
-            </a:r>
-          </a:p>
-          <a:p>
-            <a:pPr lvl="1"/>
-            <a:r>
-              <a:rPr lang="en-US" dirty="0"/>
-              <a:t>Strengthen your familiarity</a:t>
-            </a:r>
-          </a:p>
-          <a:p>
-            <a:r>
-              <a:rPr lang="en-US" dirty="0"/>
-              <a:t>Refine delivery style</a:t>
-            </a:r>
-          </a:p>
-          <a:p>
-            <a:pPr lvl="1"/>
-            <a:r>
-              <a:rPr lang="en-US" dirty="0"/>
-              <a:t>Pacing, tone, and emphasis</a:t>
-            </a:r>
-          </a:p>
-          <a:p>
-            <a:r>
-              <a:rPr lang="en-US" dirty="0"/>
-              <a:t>Timing and transitions</a:t>
-            </a:r>
-          </a:p>
-          <a:p>
-            <a:pPr lvl="1"/>
-            <a:r>
-              <a:rPr lang="en-US" dirty="0"/>
-              <a:t>Aim for seamless, professional delivery</a:t>
-            </a:r>
-          </a:p>
-          <a:p>
-            <a:r>
-              <a:rPr lang="en-US" dirty="0"/>
-              <a:t>Practice audience</a:t>
-            </a:r>
-          </a:p>
-          <a:p>
-            <a:pPr lvl="1"/>
-            <a:r>
-              <a:rPr lang="en-US" dirty="0"/>
-              <a:t>Enlist colleagues to listen &amp; provide feedback</a:t>
-            </a:r>
-          </a:p>
-          <a:p>
-            <a:pPr lvl="1"/>
-            <a:endParaRPr lang="en-US" dirty="0"/>
+            <a:pPr lvl="0" eaLnBrk="0" fontAlgn="base" hangingPunct="0">
+              <a:lnSpc>
+                <a:spcPct val="120000"/>
+              </a:lnSpc>
+              <a:spcBef>
+                <a:spcPct val="0"/>
+              </a:spcBef>
+              <a:spcAft>
+                <a:spcPct val="0"/>
+              </a:spcAft>
+              <a:buClrTx/>
+              <a:buFontTx/>
+              <a:buChar char="•"/>
+            </a:pPr>
+            <a:r>
+              <a:rPr lang="en-US" altLang="en-US" b="1" dirty="0">
+                <a:latin typeface="Arial" panose="020B0604020202020204" pitchFamily="34" charset="0"/>
+              </a:rPr>
+              <a:t>1. Convert each face image into a vector</a:t>
+            </a:r>
+            <a:endParaRPr lang="en-US" altLang="en-US" dirty="0">
+              <a:latin typeface="Arial" panose="020B0604020202020204" pitchFamily="34" charset="0"/>
+            </a:endParaRPr>
+          </a:p>
+          <a:p>
+            <a:pPr lvl="0" eaLnBrk="0" fontAlgn="base" hangingPunct="0">
+              <a:lnSpc>
+                <a:spcPct val="120000"/>
+              </a:lnSpc>
+              <a:spcBef>
+                <a:spcPct val="0"/>
+              </a:spcBef>
+              <a:spcAft>
+                <a:spcPct val="0"/>
+              </a:spcAft>
+              <a:buClrTx/>
+              <a:buFontTx/>
+              <a:buChar char="•"/>
+            </a:pPr>
+            <a:r>
+              <a:rPr lang="en-US" altLang="en-US" dirty="0">
+                <a:latin typeface="Arial" panose="020B0604020202020204" pitchFamily="34" charset="0"/>
+              </a:rPr>
+              <a:t>Flatten a 2D image (e.g., 100×100 pixels → 10,000-dimensional vector)</a:t>
+            </a:r>
+          </a:p>
+          <a:p>
+            <a:pPr lvl="0" eaLnBrk="0" fontAlgn="base" hangingPunct="0">
+              <a:lnSpc>
+                <a:spcPct val="120000"/>
+              </a:lnSpc>
+              <a:spcBef>
+                <a:spcPct val="0"/>
+              </a:spcBef>
+              <a:spcAft>
+                <a:spcPct val="0"/>
+              </a:spcAft>
+              <a:buClrTx/>
+              <a:buFontTx/>
+              <a:buChar char="•"/>
+            </a:pPr>
+            <a:r>
+              <a:rPr lang="en-US" altLang="en-US" dirty="0">
+                <a:latin typeface="Arial" panose="020B0604020202020204" pitchFamily="34" charset="0"/>
+              </a:rPr>
+              <a:t>Each face becomes a point in a very high-dimensional space</a:t>
+            </a:r>
+          </a:p>
+          <a:p>
+            <a:pPr lvl="0" eaLnBrk="0" fontAlgn="base" hangingPunct="0">
+              <a:lnSpc>
+                <a:spcPct val="120000"/>
+              </a:lnSpc>
+              <a:spcBef>
+                <a:spcPct val="0"/>
+              </a:spcBef>
+              <a:spcAft>
+                <a:spcPct val="0"/>
+              </a:spcAft>
+              <a:buClrTx/>
+              <a:buFontTx/>
+              <a:buChar char="•"/>
+            </a:pPr>
+            <a:r>
+              <a:rPr lang="en-US" altLang="en-US" b="1" dirty="0">
+                <a:latin typeface="Arial" panose="020B0604020202020204" pitchFamily="34" charset="0"/>
+              </a:rPr>
+              <a:t>2. Build the data matrix</a:t>
+            </a:r>
+            <a:endParaRPr lang="en-US" altLang="en-US" dirty="0">
+              <a:latin typeface="Arial" panose="020B0604020202020204" pitchFamily="34" charset="0"/>
+            </a:endParaRPr>
+          </a:p>
+          <a:p>
+            <a:pPr lvl="0" eaLnBrk="0" fontAlgn="base" hangingPunct="0">
+              <a:lnSpc>
+                <a:spcPct val="120000"/>
+              </a:lnSpc>
+              <a:spcBef>
+                <a:spcPct val="0"/>
+              </a:spcBef>
+              <a:spcAft>
+                <a:spcPct val="0"/>
+              </a:spcAft>
+              <a:buClrTx/>
+              <a:buFontTx/>
+              <a:buChar char="•"/>
+            </a:pPr>
+            <a:r>
+              <a:rPr lang="en-US" altLang="en-US" dirty="0">
+                <a:latin typeface="Arial" panose="020B0604020202020204" pitchFamily="34" charset="0"/>
+              </a:rPr>
+              <a:t>Stack all face vectors column-wise or row-wise</a:t>
+            </a:r>
+          </a:p>
+          <a:p>
+            <a:pPr lvl="0" eaLnBrk="0" fontAlgn="base" hangingPunct="0">
+              <a:lnSpc>
+                <a:spcPct val="120000"/>
+              </a:lnSpc>
+              <a:spcBef>
+                <a:spcPct val="0"/>
+              </a:spcBef>
+              <a:spcAft>
+                <a:spcPct val="0"/>
+              </a:spcAft>
+              <a:buClrTx/>
+              <a:buFontTx/>
+              <a:buChar char="•"/>
+            </a:pPr>
+            <a:r>
+              <a:rPr lang="en-US" altLang="en-US" dirty="0">
+                <a:latin typeface="Arial" panose="020B0604020202020204" pitchFamily="34" charset="0"/>
+              </a:rPr>
+              <a:t>Each column = one face sample</a:t>
+            </a:r>
+          </a:p>
+          <a:p>
+            <a:pPr lvl="0" eaLnBrk="0" fontAlgn="base" hangingPunct="0">
+              <a:lnSpc>
+                <a:spcPct val="120000"/>
+              </a:lnSpc>
+              <a:spcBef>
+                <a:spcPct val="0"/>
+              </a:spcBef>
+              <a:spcAft>
+                <a:spcPct val="0"/>
+              </a:spcAft>
+              <a:buClrTx/>
+              <a:buFontTx/>
+              <a:buChar char="•"/>
+            </a:pPr>
+            <a:r>
+              <a:rPr lang="en-US" altLang="en-US" b="1" dirty="0">
+                <a:latin typeface="Arial" panose="020B0604020202020204" pitchFamily="34" charset="0"/>
+              </a:rPr>
+              <a:t>3. Compute the mean face</a:t>
+            </a:r>
+            <a:endParaRPr lang="en-US" altLang="en-US" dirty="0">
+              <a:latin typeface="Arial" panose="020B0604020202020204" pitchFamily="34" charset="0"/>
+            </a:endParaRPr>
+          </a:p>
+          <a:p>
+            <a:pPr lvl="0" eaLnBrk="0" fontAlgn="base" hangingPunct="0">
+              <a:lnSpc>
+                <a:spcPct val="120000"/>
+              </a:lnSpc>
+              <a:spcBef>
+                <a:spcPct val="0"/>
+              </a:spcBef>
+              <a:spcAft>
+                <a:spcPct val="0"/>
+              </a:spcAft>
+              <a:buClrTx/>
+              <a:buFontTx/>
+              <a:buChar char="•"/>
+            </a:pPr>
+            <a:r>
+              <a:rPr lang="en-US" altLang="en-US" dirty="0">
+                <a:latin typeface="Arial" panose="020B0604020202020204" pitchFamily="34" charset="0"/>
+              </a:rPr>
+              <a:t>Average all face vectors</a:t>
+            </a:r>
+          </a:p>
+          <a:p>
+            <a:pPr lvl="0" eaLnBrk="0" fontAlgn="base" hangingPunct="0">
+              <a:lnSpc>
+                <a:spcPct val="120000"/>
+              </a:lnSpc>
+              <a:spcBef>
+                <a:spcPct val="0"/>
+              </a:spcBef>
+              <a:spcAft>
+                <a:spcPct val="0"/>
+              </a:spcAft>
+              <a:buClrTx/>
+              <a:buFontTx/>
+              <a:buChar char="•"/>
+            </a:pPr>
+            <a:r>
+              <a:rPr lang="en-US" altLang="en-US" dirty="0">
+                <a:latin typeface="Arial" panose="020B0604020202020204" pitchFamily="34" charset="0"/>
+              </a:rPr>
+              <a:t>Subtract this mean from every face vector → </a:t>
+            </a:r>
+            <a:r>
+              <a:rPr lang="en-US" altLang="en-US" i="1" dirty="0">
+                <a:latin typeface="Arial" panose="020B0604020202020204" pitchFamily="34" charset="0"/>
+              </a:rPr>
+              <a:t>center the data</a:t>
+            </a:r>
+            <a:endParaRPr lang="en-US" altLang="en-US" dirty="0">
+              <a:latin typeface="Arial" panose="020B0604020202020204" pitchFamily="34" charset="0"/>
+            </a:endParaRPr>
+          </a:p>
+          <a:p>
+            <a:pPr lvl="0" eaLnBrk="0" fontAlgn="base" hangingPunct="0">
+              <a:lnSpc>
+                <a:spcPct val="120000"/>
+              </a:lnSpc>
+              <a:spcBef>
+                <a:spcPct val="0"/>
+              </a:spcBef>
+              <a:spcAft>
+                <a:spcPct val="0"/>
+              </a:spcAft>
+              <a:buClrTx/>
+              <a:buFontTx/>
+              <a:buChar char="•"/>
+            </a:pPr>
+            <a:r>
+              <a:rPr lang="en-US" altLang="en-US" b="1" dirty="0">
+                <a:latin typeface="Arial" panose="020B0604020202020204" pitchFamily="34" charset="0"/>
+              </a:rPr>
+              <a:t>4. Compute the covariance matrix</a:t>
+            </a:r>
+            <a:endParaRPr lang="en-US" altLang="en-US" dirty="0">
+              <a:latin typeface="Arial" panose="020B0604020202020204" pitchFamily="34" charset="0"/>
+            </a:endParaRPr>
+          </a:p>
+          <a:p>
+            <a:pPr lvl="0" eaLnBrk="0" fontAlgn="base" hangingPunct="0">
+              <a:lnSpc>
+                <a:spcPct val="120000"/>
+              </a:lnSpc>
+              <a:spcBef>
+                <a:spcPct val="0"/>
+              </a:spcBef>
+              <a:spcAft>
+                <a:spcPct val="0"/>
+              </a:spcAft>
+              <a:buClrTx/>
+              <a:buFontTx/>
+              <a:buChar char="•"/>
+            </a:pPr>
+            <a:r>
+              <a:rPr lang="en-US" altLang="en-US" dirty="0">
+                <a:latin typeface="Arial" panose="020B0604020202020204" pitchFamily="34" charset="0"/>
+              </a:rPr>
+              <a:t>Measures how pixel intensities vary together across all training faces</a:t>
+            </a:r>
+          </a:p>
+          <a:p>
+            <a:pPr lvl="0" eaLnBrk="0" fontAlgn="base" hangingPunct="0">
+              <a:lnSpc>
+                <a:spcPct val="120000"/>
+              </a:lnSpc>
+              <a:spcBef>
+                <a:spcPct val="0"/>
+              </a:spcBef>
+              <a:spcAft>
+                <a:spcPct val="0"/>
+              </a:spcAft>
+              <a:buClrTx/>
+              <a:buFontTx/>
+              <a:buChar char="•"/>
+            </a:pPr>
+            <a:r>
+              <a:rPr lang="en-US" altLang="en-US" dirty="0">
+                <a:latin typeface="Arial" panose="020B0604020202020204" pitchFamily="34" charset="0"/>
+              </a:rPr>
+              <a:t>Very large (10,000 × 10,000) matrix, so PCA uses a trick:</a:t>
+            </a:r>
+          </a:p>
+          <a:p>
+            <a:pPr marL="457200" lvl="1" indent="0" eaLnBrk="0" fontAlgn="base" hangingPunct="0">
+              <a:lnSpc>
+                <a:spcPct val="120000"/>
+              </a:lnSpc>
+              <a:spcBef>
+                <a:spcPct val="0"/>
+              </a:spcBef>
+              <a:spcAft>
+                <a:spcPct val="0"/>
+              </a:spcAft>
+              <a:buClrTx/>
+              <a:buFontTx/>
+              <a:buChar char="•"/>
+            </a:pPr>
+            <a:r>
+              <a:rPr lang="en-US" altLang="en-US" dirty="0">
+                <a:latin typeface="Arial" panose="020B0604020202020204" pitchFamily="34" charset="0"/>
+              </a:rPr>
+              <a:t>Compute a reduced covariance matrix from XTXX^T XXTX instead</a:t>
+            </a:r>
+          </a:p>
+          <a:p>
+            <a:pPr lvl="0" eaLnBrk="0" fontAlgn="base" hangingPunct="0">
+              <a:lnSpc>
+                <a:spcPct val="120000"/>
+              </a:lnSpc>
+              <a:spcBef>
+                <a:spcPct val="0"/>
+              </a:spcBef>
+              <a:spcAft>
+                <a:spcPct val="0"/>
+              </a:spcAft>
+              <a:buClrTx/>
+              <a:buFontTx/>
+              <a:buChar char="•"/>
+            </a:pPr>
+            <a:r>
+              <a:rPr lang="en-US" altLang="en-US" b="1" dirty="0">
+                <a:latin typeface="Arial" panose="020B0604020202020204" pitchFamily="34" charset="0"/>
+              </a:rPr>
+              <a:t>5. Obtain eigenvalues and eigenvectors</a:t>
+            </a:r>
+            <a:endParaRPr lang="en-US" altLang="en-US" dirty="0">
+              <a:latin typeface="Arial" panose="020B0604020202020204" pitchFamily="34" charset="0"/>
+            </a:endParaRPr>
+          </a:p>
+          <a:p>
+            <a:pPr lvl="0" eaLnBrk="0" fontAlgn="base" hangingPunct="0">
+              <a:lnSpc>
+                <a:spcPct val="120000"/>
+              </a:lnSpc>
+              <a:spcBef>
+                <a:spcPct val="0"/>
+              </a:spcBef>
+              <a:spcAft>
+                <a:spcPct val="0"/>
+              </a:spcAft>
+              <a:buClrTx/>
+              <a:buFontTx/>
+              <a:buChar char="•"/>
+            </a:pPr>
+            <a:r>
+              <a:rPr lang="en-US" altLang="en-US" dirty="0">
+                <a:latin typeface="Arial" panose="020B0604020202020204" pitchFamily="34" charset="0"/>
+              </a:rPr>
+              <a:t>Solve for eigenvectors of the covariance matrix</a:t>
+            </a:r>
+          </a:p>
+          <a:p>
+            <a:pPr lvl="0" eaLnBrk="0" fontAlgn="base" hangingPunct="0">
+              <a:lnSpc>
+                <a:spcPct val="120000"/>
+              </a:lnSpc>
+              <a:spcBef>
+                <a:spcPct val="0"/>
+              </a:spcBef>
+              <a:spcAft>
+                <a:spcPct val="0"/>
+              </a:spcAft>
+              <a:buClrTx/>
+              <a:buFontTx/>
+              <a:buChar char="•"/>
+            </a:pPr>
+            <a:r>
+              <a:rPr lang="en-US" altLang="en-US" dirty="0">
+                <a:latin typeface="Arial" panose="020B0604020202020204" pitchFamily="34" charset="0"/>
+              </a:rPr>
+              <a:t>Each eigenvector = a direction of maximum variance in the dataset</a:t>
+            </a:r>
+          </a:p>
+          <a:p>
+            <a:pPr lvl="0" eaLnBrk="0" fontAlgn="base" hangingPunct="0">
+              <a:lnSpc>
+                <a:spcPct val="100000"/>
+              </a:lnSpc>
+              <a:spcBef>
+                <a:spcPct val="0"/>
+              </a:spcBef>
+              <a:spcAft>
+                <a:spcPct val="0"/>
+              </a:spcAft>
+              <a:buClrTx/>
+            </a:pPr>
+            <a:endParaRPr lang="en-US" altLang="en-US" dirty="0">
+              <a:latin typeface="Arial" panose="020B0604020202020204" pitchFamily="34" charset="0"/>
+            </a:endParaRPr>
           </a:p>
         </p:txBody>
       </p:sp>
@@ -8465,57 +10492,358 @@
           <p:cNvPr id="4" name="Content Placeholder 3">
             <a:extLst>
               <a:ext uri="{FF2B5EF4-FFF2-40B4-BE49-F238E27FC236}">
-                <a16:creationId xmlns:a16="http://schemas.microsoft.com/office/drawing/2014/main" id="{3EE67564-0457-E486-97D0-8109D2C97B3F}"/>
-              </a:ext>
-            </a:extLst>
-          </p:cNvPr>
-          <p:cNvSpPr>
-            <a:spLocks noGrp="1"/>
-          </p:cNvSpPr>
-          <p:nvPr>
-            <p:ph sz="quarter" idx="16"/>
+                <a16:creationId xmlns:a16="http://schemas.microsoft.com/office/drawing/2014/main" id="{061D8052-DD3C-C847-1DD0-C60B7CB37632}"/>
+              </a:ext>
+            </a:extLst>
+          </p:cNvPr>
+          <p:cNvSpPr>
+            <a:spLocks noGrp="1"/>
+          </p:cNvSpPr>
+          <p:nvPr>
+            <p:ph sz="quarter" idx="14"/>
           </p:nvPr>
         </p:nvSpPr>
         <p:spPr>
           <a:xfrm>
-            <a:off x="6219464" y="1790329"/>
-            <a:ext cx="5134335" cy="4113054"/>
+            <a:off x="6459795" y="2024780"/>
+            <a:ext cx="4894006" cy="4137189"/>
           </a:xfrm>
           <a:noFill/>
         </p:spPr>
         <p:txBody>
           <a:bodyPr>
-            <a:normAutofit/>
+            <a:normAutofit fontScale="85000" lnSpcReduction="10000"/>
           </a:bodyPr>
           <a:lstStyle/>
           <a:p>
-            <a:r>
-              <a:rPr lang="en-US" dirty="0"/>
-              <a:t>Seek feedback</a:t>
-            </a:r>
-          </a:p>
-          <a:p>
-            <a:r>
-              <a:rPr lang="en-US" dirty="0"/>
-              <a:t>Reflect on performance</a:t>
-            </a:r>
-          </a:p>
-          <a:p>
-            <a:r>
-              <a:rPr lang="en-US" dirty="0"/>
-              <a:t>Explore new techniques</a:t>
-            </a:r>
-          </a:p>
-          <a:p>
-            <a:r>
-              <a:rPr lang="en-US" dirty="0"/>
-              <a:t>Set personal goals</a:t>
-            </a:r>
-          </a:p>
-          <a:p>
-            <a:r>
-              <a:rPr lang="en-US" dirty="0"/>
-              <a:t>Iterate and adapt</a:t>
+            <a:pPr lvl="0" eaLnBrk="0" fontAlgn="base" hangingPunct="0">
+              <a:lnSpc>
+                <a:spcPct val="110000"/>
+              </a:lnSpc>
+              <a:spcBef>
+                <a:spcPct val="0"/>
+              </a:spcBef>
+              <a:spcAft>
+                <a:spcPct val="0"/>
+              </a:spcAft>
+              <a:buClrTx/>
+              <a:buFontTx/>
+              <a:buChar char="•"/>
+            </a:pPr>
+            <a:r>
+              <a:rPr lang="en-US" altLang="en-US" b="1" dirty="0">
+                <a:latin typeface="Arial" panose="020B0604020202020204" pitchFamily="34" charset="0"/>
+              </a:rPr>
+              <a:t>6. Select the top </a:t>
+            </a:r>
+            <a:r>
+              <a:rPr lang="en-US" altLang="en-US" b="1" dirty="0" err="1">
+                <a:latin typeface="Arial" panose="020B0604020202020204" pitchFamily="34" charset="0"/>
+              </a:rPr>
+              <a:t>kkk</a:t>
+            </a:r>
+            <a:r>
+              <a:rPr lang="en-US" altLang="en-US" b="1" dirty="0">
+                <a:latin typeface="Arial" panose="020B0604020202020204" pitchFamily="34" charset="0"/>
+              </a:rPr>
+              <a:t> eigenvectors</a:t>
+            </a:r>
+            <a:endParaRPr lang="en-US" altLang="en-US" dirty="0">
+              <a:latin typeface="Arial" panose="020B0604020202020204" pitchFamily="34" charset="0"/>
+            </a:endParaRPr>
+          </a:p>
+          <a:p>
+            <a:pPr lvl="0" eaLnBrk="0" fontAlgn="base" hangingPunct="0">
+              <a:lnSpc>
+                <a:spcPct val="110000"/>
+              </a:lnSpc>
+              <a:spcBef>
+                <a:spcPct val="0"/>
+              </a:spcBef>
+              <a:spcAft>
+                <a:spcPct val="0"/>
+              </a:spcAft>
+              <a:buClrTx/>
+              <a:buFontTx/>
+              <a:buChar char="•"/>
+            </a:pPr>
+            <a:r>
+              <a:rPr lang="en-US" altLang="en-US" dirty="0">
+                <a:latin typeface="Arial" panose="020B0604020202020204" pitchFamily="34" charset="0"/>
+              </a:rPr>
+              <a:t>Sort eigenvectors by descending eigenvalues</a:t>
+            </a:r>
+          </a:p>
+          <a:p>
+            <a:pPr lvl="0" eaLnBrk="0" fontAlgn="base" hangingPunct="0">
+              <a:lnSpc>
+                <a:spcPct val="110000"/>
+              </a:lnSpc>
+              <a:spcBef>
+                <a:spcPct val="0"/>
+              </a:spcBef>
+              <a:spcAft>
+                <a:spcPct val="0"/>
+              </a:spcAft>
+              <a:buClrTx/>
+              <a:buFontTx/>
+              <a:buChar char="•"/>
+            </a:pPr>
+            <a:r>
+              <a:rPr lang="en-US" altLang="en-US" dirty="0">
+                <a:latin typeface="Arial" panose="020B0604020202020204" pitchFamily="34" charset="0"/>
+              </a:rPr>
+              <a:t>The top </a:t>
+            </a:r>
+            <a:r>
+              <a:rPr lang="en-US" altLang="en-US" dirty="0" err="1">
+                <a:latin typeface="Arial" panose="020B0604020202020204" pitchFamily="34" charset="0"/>
+              </a:rPr>
+              <a:t>kkk</a:t>
+            </a:r>
+            <a:r>
+              <a:rPr lang="en-US" altLang="en-US" dirty="0">
+                <a:latin typeface="Arial" panose="020B0604020202020204" pitchFamily="34" charset="0"/>
+              </a:rPr>
+              <a:t> capture the most important variations among faces</a:t>
+            </a:r>
+          </a:p>
+          <a:p>
+            <a:pPr lvl="0" eaLnBrk="0" fontAlgn="base" hangingPunct="0">
+              <a:lnSpc>
+                <a:spcPct val="110000"/>
+              </a:lnSpc>
+              <a:spcBef>
+                <a:spcPct val="0"/>
+              </a:spcBef>
+              <a:spcAft>
+                <a:spcPct val="0"/>
+              </a:spcAft>
+              <a:buClrTx/>
+              <a:buFontTx/>
+              <a:buChar char="•"/>
+            </a:pPr>
+            <a:r>
+              <a:rPr lang="en-US" altLang="en-US" dirty="0">
+                <a:latin typeface="Arial" panose="020B0604020202020204" pitchFamily="34" charset="0"/>
+              </a:rPr>
+              <a:t>These are called </a:t>
+            </a:r>
+            <a:r>
+              <a:rPr lang="en-US" altLang="en-US" b="1" dirty="0">
+                <a:latin typeface="Arial" panose="020B0604020202020204" pitchFamily="34" charset="0"/>
+              </a:rPr>
+              <a:t>Eigenfaces</a:t>
+            </a:r>
+            <a:endParaRPr lang="en-US" altLang="en-US" dirty="0">
+              <a:latin typeface="Arial" panose="020B0604020202020204" pitchFamily="34" charset="0"/>
+            </a:endParaRPr>
+          </a:p>
+          <a:p>
+            <a:pPr lvl="0" eaLnBrk="0" fontAlgn="base" hangingPunct="0">
+              <a:lnSpc>
+                <a:spcPct val="110000"/>
+              </a:lnSpc>
+              <a:spcBef>
+                <a:spcPct val="0"/>
+              </a:spcBef>
+              <a:spcAft>
+                <a:spcPct val="0"/>
+              </a:spcAft>
+              <a:buClrTx/>
+              <a:buFontTx/>
+              <a:buChar char="•"/>
+            </a:pPr>
+            <a:r>
+              <a:rPr lang="en-US" altLang="en-US" b="1" dirty="0">
+                <a:latin typeface="Arial" panose="020B0604020202020204" pitchFamily="34" charset="0"/>
+              </a:rPr>
+              <a:t>7. Construct the “face space”</a:t>
+            </a:r>
+            <a:endParaRPr lang="en-US" altLang="en-US" dirty="0">
+              <a:latin typeface="Arial" panose="020B0604020202020204" pitchFamily="34" charset="0"/>
+            </a:endParaRPr>
+          </a:p>
+          <a:p>
+            <a:pPr lvl="0" eaLnBrk="0" fontAlgn="base" hangingPunct="0">
+              <a:lnSpc>
+                <a:spcPct val="110000"/>
+              </a:lnSpc>
+              <a:spcBef>
+                <a:spcPct val="0"/>
+              </a:spcBef>
+              <a:spcAft>
+                <a:spcPct val="0"/>
+              </a:spcAft>
+              <a:buClrTx/>
+              <a:buFontTx/>
+              <a:buChar char="•"/>
+            </a:pPr>
+            <a:r>
+              <a:rPr lang="en-US" altLang="en-US" dirty="0">
+                <a:latin typeface="Arial" panose="020B0604020202020204" pitchFamily="34" charset="0"/>
+              </a:rPr>
+              <a:t>The selected eigenvectors form a new coordinate system</a:t>
+            </a:r>
+          </a:p>
+          <a:p>
+            <a:pPr lvl="0" eaLnBrk="0" fontAlgn="base" hangingPunct="0">
+              <a:lnSpc>
+                <a:spcPct val="110000"/>
+              </a:lnSpc>
+              <a:spcBef>
+                <a:spcPct val="0"/>
+              </a:spcBef>
+              <a:spcAft>
+                <a:spcPct val="0"/>
+              </a:spcAft>
+              <a:buClrTx/>
+              <a:buFontTx/>
+              <a:buChar char="•"/>
+            </a:pPr>
+            <a:r>
+              <a:rPr lang="en-US" altLang="en-US" dirty="0">
+                <a:latin typeface="Arial" panose="020B0604020202020204" pitchFamily="34" charset="0"/>
+              </a:rPr>
+              <a:t>Any new face can be projected into this reduced subspace</a:t>
+            </a:r>
+          </a:p>
+          <a:p>
+            <a:pPr lvl="0" eaLnBrk="0" fontAlgn="base" hangingPunct="0">
+              <a:lnSpc>
+                <a:spcPct val="110000"/>
+              </a:lnSpc>
+              <a:spcBef>
+                <a:spcPct val="0"/>
+              </a:spcBef>
+              <a:spcAft>
+                <a:spcPct val="0"/>
+              </a:spcAft>
+              <a:buClrTx/>
+              <a:buFontTx/>
+              <a:buChar char="•"/>
+            </a:pPr>
+            <a:r>
+              <a:rPr lang="en-US" altLang="en-US" b="1" dirty="0">
+                <a:latin typeface="Arial" panose="020B0604020202020204" pitchFamily="34" charset="0"/>
+              </a:rPr>
+              <a:t>8. Project faces onto this subspace</a:t>
+            </a:r>
+            <a:endParaRPr lang="en-US" altLang="en-US" dirty="0">
+              <a:latin typeface="Arial" panose="020B0604020202020204" pitchFamily="34" charset="0"/>
+            </a:endParaRPr>
+          </a:p>
+          <a:p>
+            <a:pPr lvl="0" eaLnBrk="0" fontAlgn="base" hangingPunct="0">
+              <a:lnSpc>
+                <a:spcPct val="110000"/>
+              </a:lnSpc>
+              <a:spcBef>
+                <a:spcPct val="0"/>
+              </a:spcBef>
+              <a:spcAft>
+                <a:spcPct val="0"/>
+              </a:spcAft>
+              <a:buClrTx/>
+              <a:buFontTx/>
+              <a:buChar char="•"/>
+            </a:pPr>
+            <a:r>
+              <a:rPr lang="en-US" altLang="en-US" dirty="0">
+                <a:latin typeface="Arial" panose="020B0604020202020204" pitchFamily="34" charset="0"/>
+              </a:rPr>
+              <a:t>Multiply the centered face vector by the eigenface matrix</a:t>
+            </a:r>
+          </a:p>
+          <a:p>
+            <a:pPr lvl="0" eaLnBrk="0" fontAlgn="base" hangingPunct="0">
+              <a:lnSpc>
+                <a:spcPct val="110000"/>
+              </a:lnSpc>
+              <a:spcBef>
+                <a:spcPct val="0"/>
+              </a:spcBef>
+              <a:spcAft>
+                <a:spcPct val="0"/>
+              </a:spcAft>
+              <a:buClrTx/>
+              <a:buFontTx/>
+              <a:buChar char="•"/>
+            </a:pPr>
+            <a:r>
+              <a:rPr lang="en-US" altLang="en-US" dirty="0">
+                <a:latin typeface="Arial" panose="020B0604020202020204" pitchFamily="34" charset="0"/>
+              </a:rPr>
+              <a:t>Result = a compact representation (feature vector)</a:t>
+            </a:r>
+          </a:p>
+          <a:p>
+            <a:pPr lvl="0" eaLnBrk="0" fontAlgn="base" hangingPunct="0">
+              <a:lnSpc>
+                <a:spcPct val="110000"/>
+              </a:lnSpc>
+              <a:spcBef>
+                <a:spcPct val="0"/>
+              </a:spcBef>
+              <a:spcAft>
+                <a:spcPct val="0"/>
+              </a:spcAft>
+              <a:buClrTx/>
+              <a:buFontTx/>
+              <a:buChar char="•"/>
+            </a:pPr>
+            <a:r>
+              <a:rPr lang="en-US" altLang="en-US" b="1" dirty="0">
+                <a:latin typeface="Arial" panose="020B0604020202020204" pitchFamily="34" charset="0"/>
+              </a:rPr>
+              <a:t>9. Compare projected vectors for recognition</a:t>
+            </a:r>
+            <a:endParaRPr lang="en-US" altLang="en-US" dirty="0">
+              <a:latin typeface="Arial" panose="020B0604020202020204" pitchFamily="34" charset="0"/>
+            </a:endParaRPr>
+          </a:p>
+          <a:p>
+            <a:pPr lvl="0" eaLnBrk="0" fontAlgn="base" hangingPunct="0">
+              <a:lnSpc>
+                <a:spcPct val="110000"/>
+              </a:lnSpc>
+              <a:spcBef>
+                <a:spcPct val="0"/>
+              </a:spcBef>
+              <a:spcAft>
+                <a:spcPct val="0"/>
+              </a:spcAft>
+              <a:buClrTx/>
+              <a:buFontTx/>
+              <a:buChar char="•"/>
+            </a:pPr>
+            <a:r>
+              <a:rPr lang="en-US" altLang="en-US" dirty="0">
+                <a:latin typeface="Arial" panose="020B0604020202020204" pitchFamily="34" charset="0"/>
+              </a:rPr>
+              <a:t>Distance between feature vectors indicates similarity</a:t>
+            </a:r>
+          </a:p>
+          <a:p>
+            <a:pPr lvl="0" eaLnBrk="0" fontAlgn="base" hangingPunct="0">
+              <a:lnSpc>
+                <a:spcPct val="110000"/>
+              </a:lnSpc>
+              <a:spcBef>
+                <a:spcPct val="0"/>
+              </a:spcBef>
+              <a:spcAft>
+                <a:spcPct val="0"/>
+              </a:spcAft>
+              <a:buClrTx/>
+              <a:buFontTx/>
+              <a:buChar char="•"/>
+            </a:pPr>
+            <a:r>
+              <a:rPr lang="en-US" altLang="en-US" dirty="0">
+                <a:latin typeface="Arial" panose="020B0604020202020204" pitchFamily="34" charset="0"/>
+              </a:rPr>
+              <a:t>Closer projection → more likely to be the same identity</a:t>
             </a:r>
           </a:p>
         </p:txBody>
@@ -8525,7 +10853,7 @@
           <p:cNvPr id="5" name="Rectangle 4">
             <a:extLst>
               <a:ext uri="{FF2B5EF4-FFF2-40B4-BE49-F238E27FC236}">
-                <a16:creationId xmlns:a16="http://schemas.microsoft.com/office/drawing/2014/main" id="{3EE39F69-A1C6-AF25-B91E-7EEE8ED9E9D8}"/>
+                <a16:creationId xmlns:a16="http://schemas.microsoft.com/office/drawing/2014/main" id="{D52C2713-AFFF-A08C-6ED9-19B6E1DBC4E2}"/>
               </a:ext>
               <a:ext uri="{C183D7F6-B498-43B3-948B-1728B52AA6E4}">
                 <adec:decorative xmlns:adec="http://schemas.microsoft.com/office/drawing/2017/decorative" val="1"/>
@@ -8595,7 +10923,618 @@
     </p:spTree>
     <p:extLst>
       <p:ext uri="{BB962C8B-B14F-4D97-AF65-F5344CB8AC3E}">
-        <p14:creationId xmlns:p14="http://schemas.microsoft.com/office/powerpoint/2010/main" val="643777997"/>
+        <p14:creationId xmlns:p14="http://schemas.microsoft.com/office/powerpoint/2010/main" val="1063590660"/>
+      </p:ext>
+    </p:extLst>
+  </p:cSld>
+  <p:clrMapOvr>
+    <a:masterClrMapping/>
+  </p:clrMapOvr>
+</p:sld>
+</file>
+
+<file path=ppt/slides/slide7.xml><?xml version="1.0" encoding="utf-8"?>
+<p:sld xmlns:a="http://schemas.openxmlformats.org/drawingml/2006/main" xmlns:r="http://schemas.openxmlformats.org/officeDocument/2006/relationships" xmlns:p="http://schemas.openxmlformats.org/presentationml/2006/main">
+  <p:cSld>
+    <p:spTree>
+      <p:nvGrpSpPr>
+        <p:cNvPr id="1" name="">
+          <a:extLst>
+            <a:ext uri="{FF2B5EF4-FFF2-40B4-BE49-F238E27FC236}">
+              <a16:creationId xmlns:a16="http://schemas.microsoft.com/office/drawing/2014/main" id="{21DABA3F-472B-D301-FDC6-C6648C3E9D1B}"/>
+            </a:ext>
+          </a:extLst>
+        </p:cNvPr>
+        <p:cNvGrpSpPr/>
+        <p:nvPr/>
+      </p:nvGrpSpPr>
+      <p:grpSpPr>
+        <a:xfrm>
+          <a:off x="0" y="0"/>
+          <a:ext cx="0" cy="0"/>
+          <a:chOff x="0" y="0"/>
+          <a:chExt cx="0" cy="0"/>
+        </a:xfrm>
+      </p:grpSpPr>
+      <p:pic>
+        <p:nvPicPr>
+          <p:cNvPr id="4" name="Picture Placeholder 7" descr="close up of computer code">
+            <a:extLst>
+              <a:ext uri="{FF2B5EF4-FFF2-40B4-BE49-F238E27FC236}">
+                <a16:creationId xmlns:a16="http://schemas.microsoft.com/office/drawing/2014/main" id="{10B04E6A-CECF-D514-EEE9-5A4496D52878}"/>
+              </a:ext>
+            </a:extLst>
+          </p:cNvPr>
+          <p:cNvPicPr>
+            <a:picLocks noGrp="1" noChangeAspect="1"/>
+          </p:cNvPicPr>
+          <p:nvPr>
+            <p:ph type="pic" sz="quarter" idx="10"/>
+          </p:nvPr>
+        </p:nvPicPr>
+        <p:blipFill rotWithShape="1">
+          <a:blip r:embed="rId3">
+            <a:alphaModFix amt="40000"/>
+            <a:extLst>
+              <a:ext uri="{BEBA8EAE-BF5A-486C-A8C5-ECC9F3942E4B}">
+                <a14:imgProps xmlns:a14="http://schemas.microsoft.com/office/drawing/2010/main">
+                  <a14:imgLayer r:embed="rId4">
+                    <a14:imgEffect>
+                      <a14:saturation sat="0"/>
+                    </a14:imgEffect>
+                  </a14:imgLayer>
+                </a14:imgProps>
+              </a:ext>
+            </a:extLst>
+          </a:blip>
+          <a:srcRect t="7813" b="7813"/>
+          <a:stretch/>
+        </p:blipFill>
+        <p:spPr>
+          <a:xfrm>
+            <a:off x="0" y="0"/>
+            <a:ext cx="12192000" cy="6858000"/>
+          </a:xfrm>
+        </p:spPr>
+      </p:pic>
+      <p:sp>
+        <p:nvSpPr>
+          <p:cNvPr id="3" name="Title 2">
+            <a:extLst>
+              <a:ext uri="{FF2B5EF4-FFF2-40B4-BE49-F238E27FC236}">
+                <a16:creationId xmlns:a16="http://schemas.microsoft.com/office/drawing/2014/main" id="{B956EAE6-A0C1-FE86-DA33-D1082513F54E}"/>
+              </a:ext>
+            </a:extLst>
+          </p:cNvPr>
+          <p:cNvSpPr>
+            <a:spLocks noGrp="1"/>
+          </p:cNvSpPr>
+          <p:nvPr>
+            <p:ph type="ctrTitle"/>
+          </p:nvPr>
+        </p:nvSpPr>
+        <p:spPr>
+          <a:xfrm>
+            <a:off x="1524000" y="2286000"/>
+            <a:ext cx="9144000" cy="2286000"/>
+          </a:xfrm>
+        </p:spPr>
+        <p:txBody>
+          <a:bodyPr/>
+          <a:lstStyle/>
+          <a:p>
+            <a:r>
+              <a:rPr lang="en-US" dirty="0">
+                <a:latin typeface="Inconsolata" pitchFamily="49" charset="77"/>
+                <a:ea typeface="Inconsolata" pitchFamily="49" charset="77"/>
+              </a:rPr>
+              <a:t>Algorithm</a:t>
+            </a:r>
+          </a:p>
+        </p:txBody>
+      </p:sp>
+    </p:spTree>
+    <p:extLst>
+      <p:ext uri="{BB962C8B-B14F-4D97-AF65-F5344CB8AC3E}">
+        <p14:creationId xmlns:p14="http://schemas.microsoft.com/office/powerpoint/2010/main" val="1617335771"/>
+      </p:ext>
+    </p:extLst>
+  </p:cSld>
+  <p:clrMapOvr>
+    <a:masterClrMapping/>
+  </p:clrMapOvr>
+</p:sld>
+</file>
+
+<file path=ppt/slides/slide8.xml><?xml version="1.0" encoding="utf-8"?>
+<p:sld xmlns:a="http://schemas.openxmlformats.org/drawingml/2006/main" xmlns:r="http://schemas.openxmlformats.org/officeDocument/2006/relationships" xmlns:p="http://schemas.openxmlformats.org/presentationml/2006/main">
+  <p:cSld>
+    <p:spTree>
+      <p:nvGrpSpPr>
+        <p:cNvPr id="1" name="">
+          <a:extLst>
+            <a:ext uri="{FF2B5EF4-FFF2-40B4-BE49-F238E27FC236}">
+              <a16:creationId xmlns:a16="http://schemas.microsoft.com/office/drawing/2014/main" id="{CB82EBE1-DDE9-6A9B-AA49-2E1F1991C69F}"/>
+            </a:ext>
+          </a:extLst>
+        </p:cNvPr>
+        <p:cNvGrpSpPr/>
+        <p:nvPr/>
+      </p:nvGrpSpPr>
+      <p:grpSpPr>
+        <a:xfrm>
+          <a:off x="0" y="0"/>
+          <a:ext cx="0" cy="0"/>
+          <a:chOff x="0" y="0"/>
+          <a:chExt cx="0" cy="0"/>
+        </a:xfrm>
+      </p:grpSpPr>
+      <p:sp>
+        <p:nvSpPr>
+          <p:cNvPr id="2" name="Title 1">
+            <a:extLst>
+              <a:ext uri="{FF2B5EF4-FFF2-40B4-BE49-F238E27FC236}">
+                <a16:creationId xmlns:a16="http://schemas.microsoft.com/office/drawing/2014/main" id="{80A6E59C-9759-88F0-8A4B-8248CE061885}"/>
+              </a:ext>
+            </a:extLst>
+          </p:cNvPr>
+          <p:cNvSpPr>
+            <a:spLocks noGrp="1"/>
+          </p:cNvSpPr>
+          <p:nvPr>
+            <p:ph type="title"/>
+          </p:nvPr>
+        </p:nvSpPr>
+        <p:spPr>
+          <a:xfrm>
+            <a:off x="838200" y="365760"/>
+            <a:ext cx="10515600" cy="1325880"/>
+          </a:xfrm>
+          <a:noFill/>
+        </p:spPr>
+        <p:txBody>
+          <a:bodyPr anchor="ctr"/>
+          <a:lstStyle/>
+          <a:p>
+            <a:r>
+              <a:rPr lang="en-US" dirty="0"/>
+              <a:t>Algorithm</a:t>
+            </a:r>
+          </a:p>
+        </p:txBody>
+      </p:sp>
+      <p:sp>
+        <p:nvSpPr>
+          <p:cNvPr id="3" name="Content Placeholder 2">
+            <a:extLst>
+              <a:ext uri="{FF2B5EF4-FFF2-40B4-BE49-F238E27FC236}">
+                <a16:creationId xmlns:a16="http://schemas.microsoft.com/office/drawing/2014/main" id="{02BB8484-942D-8F92-DC1B-FA0DAEA0B5E1}"/>
+              </a:ext>
+            </a:extLst>
+          </p:cNvPr>
+          <p:cNvSpPr>
+            <a:spLocks noGrp="1"/>
+          </p:cNvSpPr>
+          <p:nvPr>
+            <p:ph sz="quarter" idx="13"/>
+          </p:nvPr>
+        </p:nvSpPr>
+        <p:spPr>
+          <a:xfrm>
+            <a:off x="838199" y="2024781"/>
+            <a:ext cx="5212079" cy="4137189"/>
+          </a:xfrm>
+          <a:noFill/>
+        </p:spPr>
+        <p:txBody>
+          <a:bodyPr>
+            <a:normAutofit/>
+          </a:bodyPr>
+          <a:lstStyle/>
+          <a:p>
+            <a:r>
+              <a:rPr lang="en-US" dirty="0"/>
+              <a:t>Explain step by step what our code does</a:t>
+            </a:r>
+          </a:p>
+          <a:p>
+            <a:r>
+              <a:rPr lang="en-US" dirty="0"/>
+              <a:t>(can do a flow chart for easier explanation)</a:t>
+            </a:r>
+          </a:p>
+        </p:txBody>
+      </p:sp>
+      <p:sp>
+        <p:nvSpPr>
+          <p:cNvPr id="4" name="Content Placeholder 3">
+            <a:extLst>
+              <a:ext uri="{FF2B5EF4-FFF2-40B4-BE49-F238E27FC236}">
+                <a16:creationId xmlns:a16="http://schemas.microsoft.com/office/drawing/2014/main" id="{8A4AA15B-85A7-A9B0-E220-4DB1422AD741}"/>
+              </a:ext>
+            </a:extLst>
+          </p:cNvPr>
+          <p:cNvSpPr>
+            <a:spLocks noGrp="1"/>
+          </p:cNvSpPr>
+          <p:nvPr>
+            <p:ph sz="quarter" idx="14"/>
+          </p:nvPr>
+        </p:nvSpPr>
+        <p:spPr>
+          <a:xfrm>
+            <a:off x="6459795" y="2024780"/>
+            <a:ext cx="4894006" cy="4137189"/>
+          </a:xfrm>
+          <a:noFill/>
+        </p:spPr>
+        <p:txBody>
+          <a:bodyPr>
+            <a:normAutofit/>
+          </a:bodyPr>
+          <a:lstStyle/>
+          <a:p>
+            <a:r>
+              <a:rPr lang="en-US"/>
+              <a:t>Effective body language enhances your message, making it more impactful and memorable:</a:t>
+            </a:r>
+          </a:p>
+          <a:p>
+            <a:pPr lvl="1"/>
+            <a:r>
+              <a:rPr lang="en-US"/>
+              <a:t>Meaningful eye contact</a:t>
+            </a:r>
+          </a:p>
+          <a:p>
+            <a:pPr lvl="1"/>
+            <a:r>
+              <a:rPr lang="en-US"/>
+              <a:t>Purposeful gestures</a:t>
+            </a:r>
+          </a:p>
+          <a:p>
+            <a:pPr lvl="1"/>
+            <a:r>
+              <a:rPr lang="en-US"/>
+              <a:t>Maintain good posture</a:t>
+            </a:r>
+          </a:p>
+          <a:p>
+            <a:pPr lvl="1"/>
+            <a:r>
+              <a:rPr lang="en-US"/>
+              <a:t>Control your expressions</a:t>
+            </a:r>
+            <a:endParaRPr lang="en-US" dirty="0"/>
+          </a:p>
+        </p:txBody>
+      </p:sp>
+      <p:sp>
+        <p:nvSpPr>
+          <p:cNvPr id="5" name="Rectangle 4">
+            <a:extLst>
+              <a:ext uri="{FF2B5EF4-FFF2-40B4-BE49-F238E27FC236}">
+                <a16:creationId xmlns:a16="http://schemas.microsoft.com/office/drawing/2014/main" id="{D6AA4DC3-7EA6-1B27-72B1-D55C851155FC}"/>
+              </a:ext>
+              <a:ext uri="{C183D7F6-B498-43B3-948B-1728B52AA6E4}">
+                <adec:decorative xmlns:adec="http://schemas.microsoft.com/office/drawing/2017/decorative" val="1"/>
+              </a:ext>
+            </a:extLst>
+          </p:cNvPr>
+          <p:cNvSpPr/>
+          <p:nvPr/>
+        </p:nvSpPr>
+        <p:spPr>
+          <a:xfrm>
+            <a:off x="0" y="6303963"/>
+            <a:ext cx="12192000" cy="554037"/>
+          </a:xfrm>
+          <a:prstGeom prst="rect">
+            <a:avLst/>
+          </a:prstGeom>
+          <a:gradFill flip="none" rotWithShape="1">
+            <a:gsLst>
+              <a:gs pos="0">
+                <a:schemeClr val="accent5"/>
+              </a:gs>
+              <a:gs pos="100000">
+                <a:schemeClr val="accent2">
+                  <a:lumMod val="97000"/>
+                  <a:lumOff val="3000"/>
+                </a:schemeClr>
+              </a:gs>
+              <a:gs pos="50000">
+                <a:schemeClr val="accent1"/>
+              </a:gs>
+            </a:gsLst>
+            <a:lin ang="10800000" scaled="1"/>
+            <a:tileRect/>
+          </a:gradFill>
+          <a:ln>
+            <a:noFill/>
+          </a:ln>
+        </p:spPr>
+        <p:style>
+          <a:lnRef idx="2">
+            <a:schemeClr val="accent1">
+              <a:shade val="50000"/>
+            </a:schemeClr>
+          </a:lnRef>
+          <a:fillRef idx="1">
+            <a:schemeClr val="accent1"/>
+          </a:fillRef>
+          <a:effectRef idx="0">
+            <a:schemeClr val="accent1"/>
+          </a:effectRef>
+          <a:fontRef idx="minor">
+            <a:schemeClr val="lt1"/>
+          </a:fontRef>
+        </p:style>
+        <p:txBody>
+          <a:bodyPr rtlCol="0" anchor="ctr">
+            <a:noAutofit/>
+          </a:bodyPr>
+          <a:lstStyle/>
+          <a:p>
+            <a:pPr algn="ctr"/>
+            <a:endParaRPr lang="en-US" dirty="0"/>
+          </a:p>
+        </p:txBody>
+      </p:sp>
+    </p:spTree>
+    <p:extLst>
+      <p:ext uri="{BB962C8B-B14F-4D97-AF65-F5344CB8AC3E}">
+        <p14:creationId xmlns:p14="http://schemas.microsoft.com/office/powerpoint/2010/main" val="3367611960"/>
+      </p:ext>
+    </p:extLst>
+  </p:cSld>
+  <p:clrMapOvr>
+    <a:masterClrMapping/>
+  </p:clrMapOvr>
+</p:sld>
+</file>
+
+<file path=ppt/slides/slide9.xml><?xml version="1.0" encoding="utf-8"?>
+<p:sld xmlns:a="http://schemas.openxmlformats.org/drawingml/2006/main" xmlns:r="http://schemas.openxmlformats.org/officeDocument/2006/relationships" xmlns:p="http://schemas.openxmlformats.org/presentationml/2006/main">
+  <p:cSld>
+    <p:spTree>
+      <p:nvGrpSpPr>
+        <p:cNvPr id="1" name="">
+          <a:extLst>
+            <a:ext uri="{FF2B5EF4-FFF2-40B4-BE49-F238E27FC236}">
+              <a16:creationId xmlns:a16="http://schemas.microsoft.com/office/drawing/2014/main" id="{977F8B8B-A349-D5EE-8B52-E42955FB22CB}"/>
+            </a:ext>
+          </a:extLst>
+        </p:cNvPr>
+        <p:cNvGrpSpPr/>
+        <p:nvPr/>
+      </p:nvGrpSpPr>
+      <p:grpSpPr>
+        <a:xfrm>
+          <a:off x="0" y="0"/>
+          <a:ext cx="0" cy="0"/>
+          <a:chOff x="0" y="0"/>
+          <a:chExt cx="0" cy="0"/>
+        </a:xfrm>
+      </p:grpSpPr>
+      <p:sp>
+        <p:nvSpPr>
+          <p:cNvPr id="2" name="Title 1">
+            <a:extLst>
+              <a:ext uri="{FF2B5EF4-FFF2-40B4-BE49-F238E27FC236}">
+                <a16:creationId xmlns:a16="http://schemas.microsoft.com/office/drawing/2014/main" id="{9EC50C77-03B1-F9C6-75CF-366F047801C1}"/>
+              </a:ext>
+            </a:extLst>
+          </p:cNvPr>
+          <p:cNvSpPr>
+            <a:spLocks noGrp="1"/>
+          </p:cNvSpPr>
+          <p:nvPr>
+            <p:ph type="title"/>
+          </p:nvPr>
+        </p:nvSpPr>
+        <p:spPr>
+          <a:xfrm>
+            <a:off x="838200" y="365760"/>
+            <a:ext cx="10515600" cy="1325880"/>
+          </a:xfrm>
+          <a:noFill/>
+        </p:spPr>
+        <p:txBody>
+          <a:bodyPr anchor="ctr"/>
+          <a:lstStyle/>
+          <a:p>
+            <a:r>
+              <a:rPr lang="en-US" dirty="0"/>
+              <a:t>Algorithm</a:t>
+            </a:r>
+          </a:p>
+        </p:txBody>
+      </p:sp>
+      <p:sp>
+        <p:nvSpPr>
+          <p:cNvPr id="3" name="Content Placeholder 2">
+            <a:extLst>
+              <a:ext uri="{FF2B5EF4-FFF2-40B4-BE49-F238E27FC236}">
+                <a16:creationId xmlns:a16="http://schemas.microsoft.com/office/drawing/2014/main" id="{A2A718DA-E4C1-93B8-8FAE-8D3CB8D57BB8}"/>
+              </a:ext>
+            </a:extLst>
+          </p:cNvPr>
+          <p:cNvSpPr>
+            <a:spLocks noGrp="1"/>
+          </p:cNvSpPr>
+          <p:nvPr>
+            <p:ph sz="quarter" idx="13"/>
+          </p:nvPr>
+        </p:nvSpPr>
+        <p:spPr>
+          <a:xfrm>
+            <a:off x="838199" y="2024781"/>
+            <a:ext cx="5212079" cy="4137189"/>
+          </a:xfrm>
+          <a:noFill/>
+        </p:spPr>
+        <p:txBody>
+          <a:bodyPr>
+            <a:normAutofit/>
+          </a:bodyPr>
+          <a:lstStyle/>
+          <a:p>
+            <a:r>
+              <a:rPr lang="en-US" dirty="0"/>
+              <a:t>This can show some results</a:t>
+            </a:r>
+          </a:p>
+          <a:p>
+            <a:r>
+              <a:rPr lang="en-US" dirty="0"/>
+              <a:t>(can exclude if we confident in the demo)</a:t>
+            </a:r>
+          </a:p>
+        </p:txBody>
+      </p:sp>
+      <p:sp>
+        <p:nvSpPr>
+          <p:cNvPr id="4" name="Content Placeholder 3">
+            <a:extLst>
+              <a:ext uri="{FF2B5EF4-FFF2-40B4-BE49-F238E27FC236}">
+                <a16:creationId xmlns:a16="http://schemas.microsoft.com/office/drawing/2014/main" id="{519CF5F5-25E1-DBDE-B475-3460EAB7E68C}"/>
+              </a:ext>
+            </a:extLst>
+          </p:cNvPr>
+          <p:cNvSpPr>
+            <a:spLocks noGrp="1"/>
+          </p:cNvSpPr>
+          <p:nvPr>
+            <p:ph sz="quarter" idx="14"/>
+          </p:nvPr>
+        </p:nvSpPr>
+        <p:spPr>
+          <a:xfrm>
+            <a:off x="6459795" y="2024780"/>
+            <a:ext cx="4894006" cy="4137189"/>
+          </a:xfrm>
+          <a:noFill/>
+        </p:spPr>
+        <p:txBody>
+          <a:bodyPr>
+            <a:normAutofit/>
+          </a:bodyPr>
+          <a:lstStyle/>
+          <a:p>
+            <a:r>
+              <a:rPr lang="en-US"/>
+              <a:t>Effective body language enhances your message, making it more impactful and memorable:</a:t>
+            </a:r>
+          </a:p>
+          <a:p>
+            <a:pPr lvl="1"/>
+            <a:r>
+              <a:rPr lang="en-US"/>
+              <a:t>Meaningful eye contact</a:t>
+            </a:r>
+          </a:p>
+          <a:p>
+            <a:pPr lvl="1"/>
+            <a:r>
+              <a:rPr lang="en-US"/>
+              <a:t>Purposeful gestures</a:t>
+            </a:r>
+          </a:p>
+          <a:p>
+            <a:pPr lvl="1"/>
+            <a:r>
+              <a:rPr lang="en-US"/>
+              <a:t>Maintain good posture</a:t>
+            </a:r>
+          </a:p>
+          <a:p>
+            <a:pPr lvl="1"/>
+            <a:r>
+              <a:rPr lang="en-US"/>
+              <a:t>Control your expressions</a:t>
+            </a:r>
+            <a:endParaRPr lang="en-US" dirty="0"/>
+          </a:p>
+        </p:txBody>
+      </p:sp>
+      <p:sp>
+        <p:nvSpPr>
+          <p:cNvPr id="5" name="Rectangle 4">
+            <a:extLst>
+              <a:ext uri="{FF2B5EF4-FFF2-40B4-BE49-F238E27FC236}">
+                <a16:creationId xmlns:a16="http://schemas.microsoft.com/office/drawing/2014/main" id="{CC02BF53-323D-40A6-3901-71FAA4BF33B3}"/>
+              </a:ext>
+              <a:ext uri="{C183D7F6-B498-43B3-948B-1728B52AA6E4}">
+                <adec:decorative xmlns:adec="http://schemas.microsoft.com/office/drawing/2017/decorative" val="1"/>
+              </a:ext>
+            </a:extLst>
+          </p:cNvPr>
+          <p:cNvSpPr/>
+          <p:nvPr/>
+        </p:nvSpPr>
+        <p:spPr>
+          <a:xfrm>
+            <a:off x="0" y="6303963"/>
+            <a:ext cx="12192000" cy="554037"/>
+          </a:xfrm>
+          <a:prstGeom prst="rect">
+            <a:avLst/>
+          </a:prstGeom>
+          <a:gradFill flip="none" rotWithShape="1">
+            <a:gsLst>
+              <a:gs pos="0">
+                <a:schemeClr val="accent5"/>
+              </a:gs>
+              <a:gs pos="100000">
+                <a:schemeClr val="accent2">
+                  <a:lumMod val="97000"/>
+                  <a:lumOff val="3000"/>
+                </a:schemeClr>
+              </a:gs>
+              <a:gs pos="50000">
+                <a:schemeClr val="accent1"/>
+              </a:gs>
+            </a:gsLst>
+            <a:lin ang="10800000" scaled="1"/>
+            <a:tileRect/>
+          </a:gradFill>
+          <a:ln>
+            <a:noFill/>
+          </a:ln>
+        </p:spPr>
+        <p:style>
+          <a:lnRef idx="2">
+            <a:schemeClr val="accent1">
+              <a:shade val="50000"/>
+            </a:schemeClr>
+          </a:lnRef>
+          <a:fillRef idx="1">
+            <a:schemeClr val="accent1"/>
+          </a:fillRef>
+          <a:effectRef idx="0">
+            <a:schemeClr val="accent1"/>
+          </a:effectRef>
+          <a:fontRef idx="minor">
+            <a:schemeClr val="lt1"/>
+          </a:fontRef>
+        </p:style>
+        <p:txBody>
+          <a:bodyPr rtlCol="0" anchor="ctr">
+            <a:noAutofit/>
+          </a:bodyPr>
+          <a:lstStyle/>
+          <a:p>
+            <a:pPr algn="ctr"/>
+            <a:endParaRPr lang="en-US" dirty="0"/>
+          </a:p>
+        </p:txBody>
+      </p:sp>
+    </p:spTree>
+    <p:extLst>
+      <p:ext uri="{BB962C8B-B14F-4D97-AF65-F5344CB8AC3E}">
+        <p14:creationId xmlns:p14="http://schemas.microsoft.com/office/powerpoint/2010/main" val="1680352514"/>
       </p:ext>
     </p:extLst>
   </p:cSld>
@@ -9437,12 +12376,23 @@
 </file>
 
 <file path=customXml/item1.xml><?xml version="1.0" encoding="utf-8"?>
-<?mso-contentType ?>
-<FormTemplates xmlns="http://schemas.microsoft.com/sharepoint/v3/contenttype/forms">
-  <Display>DocumentLibraryForm</Display>
-  <Edit>DocumentLibraryForm</Edit>
-  <New>DocumentLibraryForm</New>
-</FormTemplates>
+<p:properties xmlns:p="http://schemas.microsoft.com/office/2006/metadata/properties" xmlns:xsi="http://www.w3.org/2001/XMLSchema-instance" xmlns:pc="http://schemas.microsoft.com/office/infopath/2007/PartnerControls">
+  <documentManagement>
+    <_ip_UnifiedCompliancePolicyUIAction xmlns="http://schemas.microsoft.com/sharepoint/v3" xsi:nil="true"/>
+    <Image xmlns="71af3243-3dd4-4a8d-8c0d-dd76da1f02a5">
+      <Url xsi:nil="true"/>
+      <Description xsi:nil="true"/>
+    </Image>
+    <Status xmlns="71af3243-3dd4-4a8d-8c0d-dd76da1f02a5">Not started</Status>
+    <Background xmlns="71af3243-3dd4-4a8d-8c0d-dd76da1f02a5">false</Background>
+    <_ip_UnifiedCompliancePolicyProperties xmlns="http://schemas.microsoft.com/sharepoint/v3" xsi:nil="true"/>
+    <ImageTagsTaxHTField xmlns="71af3243-3dd4-4a8d-8c0d-dd76da1f02a5">
+      <Terms xmlns="http://schemas.microsoft.com/office/infopath/2007/PartnerControls"/>
+    </ImageTagsTaxHTField>
+    <TaxCatchAll xmlns="230e9df3-be65-4c73-a93b-d1236ebd677e" xsi:nil="true"/>
+    <MediaServiceKeyPoints xmlns="71af3243-3dd4-4a8d-8c0d-dd76da1f02a5" xsi:nil="true"/>
+  </documentManagement>
+</p:properties>
 </file>
 
 <file path=customXml/item2.xml><?xml version="1.0" encoding="utf-8"?>
@@ -9758,29 +12708,22 @@
 </file>
 
 <file path=customXml/item3.xml><?xml version="1.0" encoding="utf-8"?>
-<p:properties xmlns:p="http://schemas.microsoft.com/office/2006/metadata/properties" xmlns:xsi="http://www.w3.org/2001/XMLSchema-instance" xmlns:pc="http://schemas.microsoft.com/office/infopath/2007/PartnerControls">
-  <documentManagement>
-    <_ip_UnifiedCompliancePolicyUIAction xmlns="http://schemas.microsoft.com/sharepoint/v3" xsi:nil="true"/>
-    <Image xmlns="71af3243-3dd4-4a8d-8c0d-dd76da1f02a5">
-      <Url xsi:nil="true"/>
-      <Description xsi:nil="true"/>
-    </Image>
-    <Status xmlns="71af3243-3dd4-4a8d-8c0d-dd76da1f02a5">Not started</Status>
-    <Background xmlns="71af3243-3dd4-4a8d-8c0d-dd76da1f02a5">false</Background>
-    <_ip_UnifiedCompliancePolicyProperties xmlns="http://schemas.microsoft.com/sharepoint/v3" xsi:nil="true"/>
-    <ImageTagsTaxHTField xmlns="71af3243-3dd4-4a8d-8c0d-dd76da1f02a5">
-      <Terms xmlns="http://schemas.microsoft.com/office/infopath/2007/PartnerControls"/>
-    </ImageTagsTaxHTField>
-    <TaxCatchAll xmlns="230e9df3-be65-4c73-a93b-d1236ebd677e" xsi:nil="true"/>
-    <MediaServiceKeyPoints xmlns="71af3243-3dd4-4a8d-8c0d-dd76da1f02a5" xsi:nil="true"/>
-  </documentManagement>
-</p:properties>
+<?mso-contentType ?>
+<FormTemplates xmlns="http://schemas.microsoft.com/sharepoint/v3/contenttype/forms">
+  <Display>DocumentLibraryForm</Display>
+  <Edit>DocumentLibraryForm</Edit>
+  <New>DocumentLibraryForm</New>
+</FormTemplates>
 </file>
 
 <file path=customXml/itemProps1.xml><?xml version="1.0" encoding="utf-8"?>
-<ds:datastoreItem xmlns:ds="http://schemas.openxmlformats.org/officeDocument/2006/customXml" ds:itemID="{0F048343-1EA9-44C3-883E-652FAAF0713E}">
+<ds:datastoreItem xmlns:ds="http://schemas.openxmlformats.org/officeDocument/2006/customXml" ds:itemID="{85C2645A-E767-4D7E-984D-234E531E4556}">
   <ds:schemaRefs>
-    <ds:schemaRef ds:uri="http://schemas.microsoft.com/sharepoint/v3/contenttype/forms"/>
+    <ds:schemaRef ds:uri="http://schemas.microsoft.com/office/2006/metadata/properties"/>
+    <ds:schemaRef ds:uri="http://schemas.microsoft.com/office/infopath/2007/PartnerControls"/>
+    <ds:schemaRef ds:uri="http://schemas.microsoft.com/sharepoint/v3"/>
+    <ds:schemaRef ds:uri="71af3243-3dd4-4a8d-8c0d-dd76da1f02a5"/>
+    <ds:schemaRef ds:uri="230e9df3-be65-4c73-a93b-d1236ebd677e"/>
   </ds:schemaRefs>
 </ds:datastoreItem>
 </file>
@@ -9807,13 +12750,9 @@
 </file>
 
 <file path=customXml/itemProps3.xml><?xml version="1.0" encoding="utf-8"?>
-<ds:datastoreItem xmlns:ds="http://schemas.openxmlformats.org/officeDocument/2006/customXml" ds:itemID="{85C2645A-E767-4D7E-984D-234E531E4556}">
+<ds:datastoreItem xmlns:ds="http://schemas.openxmlformats.org/officeDocument/2006/customXml" ds:itemID="{0F048343-1EA9-44C3-883E-652FAAF0713E}">
   <ds:schemaRefs>
-    <ds:schemaRef ds:uri="http://schemas.microsoft.com/office/2006/metadata/properties"/>
-    <ds:schemaRef ds:uri="http://schemas.microsoft.com/office/infopath/2007/PartnerControls"/>
-    <ds:schemaRef ds:uri="http://schemas.microsoft.com/sharepoint/v3"/>
-    <ds:schemaRef ds:uri="71af3243-3dd4-4a8d-8c0d-dd76da1f02a5"/>
-    <ds:schemaRef ds:uri="230e9df3-be65-4c73-a93b-d1236ebd677e"/>
+    <ds:schemaRef ds:uri="http://schemas.microsoft.com/sharepoint/v3/contenttype/forms"/>
   </ds:schemaRefs>
 </ds:datastoreItem>
 </file>
